--- a/Session6/MLW_COM_RandStatsWorkshops_Session6.pptx
+++ b/Session6/MLW_COM_RandStatsWorkshops_Session6.pptx
@@ -1,6 +1,6 @@
 
 <file path=ppt/presentation.xml><?xml version="1.0" encoding="utf-8"?>
-<p:presentation xmlns:a="http://schemas.openxmlformats.org/drawingml/2006/main" xmlns:p="http://schemas.openxmlformats.org/presentationml/2006/main" xmlns:r="http://schemas.openxmlformats.org/officeDocument/2006/relationships" saveSubsetFonts="1">
+<p:presentation xmlns:a="http://schemas.openxmlformats.org/drawingml/2006/main" xmlns:r="http://schemas.openxmlformats.org/officeDocument/2006/relationships" xmlns:p="http://schemas.openxmlformats.org/presentationml/2006/main" saveSubsetFonts="1">
   <p:sldMasterIdLst>
     <p:sldMasterId id="2147483648" r:id="rId1"/>
   </p:sldMasterIdLst>
@@ -41,8 +41,8 @@
     <a:defPPr>
       <a:defRPr lang="en-US"/>
     </a:defPPr>
-    <a:lvl1pPr algn="l" defTabSz="914400" eaLnBrk="1" hangingPunct="1" latinLnBrk="0" marL="0" rtl="0">
-      <a:defRPr kern="1200" sz="1800">
+    <a:lvl1pPr marL="0" algn="l" defTabSz="914400" rtl="0" eaLnBrk="1" latinLnBrk="0" hangingPunct="1">
+      <a:defRPr sz="1800" kern="1200">
         <a:solidFill>
           <a:schemeClr val="tx1"/>
         </a:solidFill>
@@ -51,8 +51,8 @@
         <a:cs typeface="+mn-cs"/>
       </a:defRPr>
     </a:lvl1pPr>
-    <a:lvl2pPr algn="l" defTabSz="914400" eaLnBrk="1" hangingPunct="1" latinLnBrk="0" marL="457200" rtl="0">
-      <a:defRPr kern="1200" sz="1800">
+    <a:lvl2pPr marL="457200" algn="l" defTabSz="914400" rtl="0" eaLnBrk="1" latinLnBrk="0" hangingPunct="1">
+      <a:defRPr sz="1800" kern="1200">
         <a:solidFill>
           <a:schemeClr val="tx1"/>
         </a:solidFill>
@@ -61,8 +61,8 @@
         <a:cs typeface="+mn-cs"/>
       </a:defRPr>
     </a:lvl2pPr>
-    <a:lvl3pPr algn="l" defTabSz="914400" eaLnBrk="1" hangingPunct="1" latinLnBrk="0" marL="914400" rtl="0">
-      <a:defRPr kern="1200" sz="1800">
+    <a:lvl3pPr marL="914400" algn="l" defTabSz="914400" rtl="0" eaLnBrk="1" latinLnBrk="0" hangingPunct="1">
+      <a:defRPr sz="1800" kern="1200">
         <a:solidFill>
           <a:schemeClr val="tx1"/>
         </a:solidFill>
@@ -71,8 +71,8 @@
         <a:cs typeface="+mn-cs"/>
       </a:defRPr>
     </a:lvl3pPr>
-    <a:lvl4pPr algn="l" defTabSz="914400" eaLnBrk="1" hangingPunct="1" latinLnBrk="0" marL="1371600" rtl="0">
-      <a:defRPr kern="1200" sz="1800">
+    <a:lvl4pPr marL="1371600" algn="l" defTabSz="914400" rtl="0" eaLnBrk="1" latinLnBrk="0" hangingPunct="1">
+      <a:defRPr sz="1800" kern="1200">
         <a:solidFill>
           <a:schemeClr val="tx1"/>
         </a:solidFill>
@@ -81,8 +81,8 @@
         <a:cs typeface="+mn-cs"/>
       </a:defRPr>
     </a:lvl4pPr>
-    <a:lvl5pPr algn="l" defTabSz="914400" eaLnBrk="1" hangingPunct="1" latinLnBrk="0" marL="1828800" rtl="0">
-      <a:defRPr kern="1200" sz="1800">
+    <a:lvl5pPr marL="1828800" algn="l" defTabSz="914400" rtl="0" eaLnBrk="1" latinLnBrk="0" hangingPunct="1">
+      <a:defRPr sz="1800" kern="1200">
         <a:solidFill>
           <a:schemeClr val="tx1"/>
         </a:solidFill>
@@ -91,8 +91,8 @@
         <a:cs typeface="+mn-cs"/>
       </a:defRPr>
     </a:lvl5pPr>
-    <a:lvl6pPr algn="l" defTabSz="914400" eaLnBrk="1" hangingPunct="1" latinLnBrk="0" marL="2286000" rtl="0">
-      <a:defRPr kern="1200" sz="1800">
+    <a:lvl6pPr marL="2286000" algn="l" defTabSz="914400" rtl="0" eaLnBrk="1" latinLnBrk="0" hangingPunct="1">
+      <a:defRPr sz="1800" kern="1200">
         <a:solidFill>
           <a:schemeClr val="tx1"/>
         </a:solidFill>
@@ -101,8 +101,8 @@
         <a:cs typeface="+mn-cs"/>
       </a:defRPr>
     </a:lvl6pPr>
-    <a:lvl7pPr algn="l" defTabSz="914400" eaLnBrk="1" hangingPunct="1" latinLnBrk="0" marL="2743200" rtl="0">
-      <a:defRPr kern="1200" sz="1800">
+    <a:lvl7pPr marL="2743200" algn="l" defTabSz="914400" rtl="0" eaLnBrk="1" latinLnBrk="0" hangingPunct="1">
+      <a:defRPr sz="1800" kern="1200">
         <a:solidFill>
           <a:schemeClr val="tx1"/>
         </a:solidFill>
@@ -111,8 +111,8 @@
         <a:cs typeface="+mn-cs"/>
       </a:defRPr>
     </a:lvl7pPr>
-    <a:lvl8pPr algn="l" defTabSz="914400" eaLnBrk="1" hangingPunct="1" latinLnBrk="0" marL="3200400" rtl="0">
-      <a:defRPr kern="1200" sz="1800">
+    <a:lvl8pPr marL="3200400" algn="l" defTabSz="914400" rtl="0" eaLnBrk="1" latinLnBrk="0" hangingPunct="1">
+      <a:defRPr sz="1800" kern="1200">
         <a:solidFill>
           <a:schemeClr val="tx1"/>
         </a:solidFill>
@@ -121,8 +121,8 @@
         <a:cs typeface="+mn-cs"/>
       </a:defRPr>
     </a:lvl8pPr>
-    <a:lvl9pPr algn="l" defTabSz="914400" eaLnBrk="1" hangingPunct="1" latinLnBrk="0" marL="3657600" rtl="0">
-      <a:defRPr kern="1200" sz="1800">
+    <a:lvl9pPr marL="3657600" algn="l" defTabSz="914400" rtl="0" eaLnBrk="1" latinLnBrk="0" hangingPunct="1">
+      <a:defRPr sz="1800" kern="1200">
         <a:solidFill>
           <a:schemeClr val="tx1"/>
         </a:solidFill>
@@ -342,7 +342,7 @@
           <a:p>
             <a:fld id="{C2113EE3-8373-4C14-933F-C1E589D5B246}" type="datetime1">
               <a:rPr lang="en-GB" smtClean="0"/>
-              <a:t>07/11/2022</a:t>
+              <a:t>29/11/2023</a:t>
             </a:fld>
             <a:endParaRPr lang="en-GB" dirty="0"/>
           </a:p>
@@ -2309,7 +2309,7 @@
 </file>
 
 <file path=ppt/slideMasters/slideMaster1.xml><?xml version="1.0" encoding="utf-8"?>
-<p:sldMaster xmlns:a="http://schemas.openxmlformats.org/drawingml/2006/main" xmlns:p="http://schemas.openxmlformats.org/presentationml/2006/main" xmlns:r="http://schemas.openxmlformats.org/officeDocument/2006/relationships">
+<p:sldMaster xmlns:a="http://schemas.openxmlformats.org/drawingml/2006/main" xmlns:r="http://schemas.openxmlformats.org/officeDocument/2006/relationships" xmlns:p="http://schemas.openxmlformats.org/presentationml/2006/main">
   <p:cSld>
     <p:bg>
       <p:bgRef idx="1001">
@@ -2388,11 +2388,11 @@
           </a:fontRef>
         </p:style>
         <p:txBody>
-          <a:bodyPr anchor="ctr" anchorCtr="0" bIns="90000" rtlCol="0" tIns="90000"/>
+          <a:bodyPr tIns="90000" bIns="90000" rtlCol="0" anchor="ctr" anchorCtr="0"/>
           <a:lstStyle/>
           <a:p>
             <a:pPr algn="ctr"/>
-            <a:endParaRPr dirty="0" err="1" lang="en-GB" sz="1400">
+            <a:endParaRPr lang="en-GB" sz="1400" dirty="0" err="1">
               <a:solidFill>
                 <a:schemeClr val="tx1"/>
               </a:solidFill>
@@ -2426,7 +2426,7 @@
           </a:prstGeom>
         </p:spPr>
         <p:txBody>
-          <a:bodyPr anchor="ctr" bIns="45720" lIns="91440" rIns="91440" rtlCol="0" tIns="45720" vert="horz">
+          <a:bodyPr vert="horz" lIns="91440" tIns="45720" rIns="91440" bIns="45720" rtlCol="0" anchor="ctr">
             <a:normAutofit/>
           </a:bodyPr>
           <a:lstStyle/>
@@ -2452,7 +2452,7 @@
             <a:spLocks noGrp="1"/>
           </p:cNvSpPr>
           <p:nvPr>
-            <p:ph idx="1" type="body"/>
+            <p:ph type="body" idx="1"/>
           </p:nvPr>
         </p:nvSpPr>
         <p:spPr>
@@ -2465,45 +2465,45 @@
           </a:prstGeom>
         </p:spPr>
         <p:txBody>
-          <a:bodyPr bIns="45720" lIns="91440" rIns="91440" rtlCol="0" tIns="45720" vert="horz">
+          <a:bodyPr vert="horz" lIns="91440" tIns="45720" rIns="91440" bIns="45720" rtlCol="0">
             <a:normAutofit/>
           </a:bodyPr>
           <a:lstStyle/>
           <a:p>
             <a:pPr lvl="0"/>
             <a:r>
-              <a:rPr dirty="0" lang="en-US"/>
+              <a:rPr lang="en-US" dirty="0"/>
               <a:t>Edit Master text styles</a:t>
             </a:r>
           </a:p>
           <a:p>
             <a:pPr lvl="1"/>
             <a:r>
-              <a:rPr dirty="0" lang="en-US"/>
+              <a:rPr lang="en-US" dirty="0"/>
               <a:t>Second level</a:t>
             </a:r>
           </a:p>
           <a:p>
             <a:pPr lvl="2"/>
             <a:r>
-              <a:rPr dirty="0" lang="en-US"/>
+              <a:rPr lang="en-US" dirty="0"/>
               <a:t>Third level</a:t>
             </a:r>
           </a:p>
           <a:p>
             <a:pPr lvl="3"/>
             <a:r>
-              <a:rPr dirty="0" lang="en-US"/>
+              <a:rPr lang="en-US" dirty="0"/>
               <a:t>Fourth level</a:t>
             </a:r>
           </a:p>
           <a:p>
             <a:pPr lvl="4"/>
             <a:r>
-              <a:rPr dirty="0" lang="en-US"/>
+              <a:rPr lang="en-US" dirty="0"/>
               <a:t>Fifth level</a:t>
             </a:r>
-            <a:endParaRPr dirty="0" lang="en-GB"/>
+            <a:endParaRPr lang="en-GB" dirty="0"/>
           </a:p>
         </p:txBody>
       </p:sp>
@@ -2520,7 +2520,7 @@
             <a:spLocks noGrp="1"/>
           </p:cNvSpPr>
           <p:nvPr>
-            <p:ph idx="4" sz="quarter" type="sldNum"/>
+            <p:ph type="sldNum" sz="quarter" idx="4"/>
           </p:nvPr>
         </p:nvSpPr>
         <p:spPr>
@@ -2533,7 +2533,7 @@
           </a:prstGeom>
         </p:spPr>
         <p:txBody>
-          <a:bodyPr anchor="ctr" bIns="45720" lIns="91440" rIns="91440" rtlCol="0" tIns="45720" vert="horz"/>
+          <a:bodyPr vert="horz" lIns="91440" tIns="45720" rIns="91440" bIns="45720" rtlCol="0" anchor="ctr"/>
           <a:lstStyle>
             <a:lvl1pPr algn="r">
               <a:defRPr sz="1200">
@@ -2584,7 +2584,7 @@
           </a:ln>
           <a:extLst>
             <a:ext uri="{91240B29-F687-4f45-9708-019B960494DF}">
-              <a14:hiddenLine xmlns="" xmlns:a14="http://schemas.microsoft.com/office/drawing/2010/main" w="0">
+              <a14:hiddenLine xmlns:a14="http://schemas.microsoft.com/office/drawing/2010/main" xmlns="" w="0">
                 <a:solidFill>
                   <a:srgbClr val="000000"/>
                 </a:solidFill>
@@ -2596,18 +2596,18 @@
           </a:extLst>
         </p:spPr>
         <p:txBody>
-          <a:bodyPr anchor="ctr" bIns="38963" lIns="77925" rIns="77925" tIns="38963" wrap="none"/>
+          <a:bodyPr wrap="none" lIns="77925" tIns="38963" rIns="77925" bIns="38963" anchor="ctr"/>
           <a:lstStyle/>
           <a:p>
             <a:endParaRPr lang="en-US">
-              <a:latin charset="0" pitchFamily="34" typeface="Calibri"/>
+              <a:latin typeface="Calibri" pitchFamily="34" charset="0"/>
             </a:endParaRPr>
           </a:p>
         </p:txBody>
       </p:sp>
       <p:pic>
         <p:nvPicPr>
-          <p:cNvPr descr="logo.pdf" id="9" name="Picture 8">
+          <p:cNvPr id="9" name="Picture 8" descr="logo.pdf">
             <a:extLst>
               <a:ext uri="{FF2B5EF4-FFF2-40B4-BE49-F238E27FC236}">
                 <a16:creationId xmlns:a16="http://schemas.microsoft.com/office/drawing/2014/main" id="{102BA6D8-072F-4F9F-A5A0-82DCD1210E27}"/>
@@ -2620,7 +2620,7 @@
           <p:nvPr userDrawn="1"/>
         </p:nvPicPr>
         <p:blipFill>
-          <a:blip cstate="print" r:embed="rId15">
+          <a:blip r:embed="rId15" cstate="print">
             <a:extLst>
               <a:ext uri="{28A0092B-C50C-407E-A947-70E740481C1C}">
                 <a14:useLocalDpi xmlns:a14="http://schemas.microsoft.com/office/drawing/2010/main" val="0"/>
@@ -2669,7 +2669,7 @@
           <a:lstStyle/>
           <a:p>
             <a:r>
-              <a:rPr b="1" dirty="0" lang="en-GB" sz="1200">
+              <a:rPr lang="en-GB" sz="1200" b="1" dirty="0">
                 <a:solidFill>
                   <a:schemeClr val="bg2">
                     <a:lumMod val="50000"/>
@@ -2679,7 +2679,7 @@
               <a:t>Except where otherwise noted, these slides are licensed under a Creative Commons Attribution 4.0 License: http://</a:t>
             </a:r>
             <a:r>
-              <a:rPr b="1" dirty="0" err="1" lang="en-GB" sz="1200">
+              <a:rPr lang="en-GB" sz="1200" b="1" dirty="0" err="1">
                 <a:solidFill>
                   <a:schemeClr val="bg2">
                     <a:lumMod val="50000"/>
@@ -2689,7 +2689,7 @@
               <a:t>creativecommons.org</a:t>
             </a:r>
             <a:r>
-              <a:rPr b="1" dirty="0" lang="en-GB" sz="1200">
+              <a:rPr lang="en-GB" sz="1200" b="1" dirty="0">
                 <a:solidFill>
                   <a:schemeClr val="bg2">
                     <a:lumMod val="50000"/>
@@ -2698,7 +2698,7 @@
               </a:rPr>
               <a:t>/by/4.0</a:t>
             </a:r>
-            <a:endParaRPr b="1" dirty="0" lang="en-MW" sz="1200">
+            <a:endParaRPr lang="en-MW" sz="1200" b="1" dirty="0">
               <a:solidFill>
                 <a:schemeClr val="bg2">
                   <a:lumMod val="50000"/>
@@ -2710,7 +2710,7 @@
       </p:sp>
       <p:pic>
         <p:nvPicPr>
-          <p:cNvPr descr="A drawing of a face  Description automatically generated" id="11" name="Picture 10">
+          <p:cNvPr id="11" name="Picture 10" descr="A drawing of a face  Description automatically generated">
             <a:extLst>
               <a:ext uri="{FF2B5EF4-FFF2-40B4-BE49-F238E27FC236}">
                 <a16:creationId xmlns:a16="http://schemas.microsoft.com/office/drawing/2014/main" id="{EE356342-7E80-AD4B-BA14-513E4B339F25}"/>
@@ -2781,7 +2781,7 @@
       </p:ext>
     </p:extLst>
   </p:cSld>
-  <p:clrMap accent1="accent1" accent2="accent2" accent3="accent3" accent4="accent4" accent5="accent5" accent6="accent6" bg1="lt1" bg2="lt2" folHlink="folHlink" hlink="hlink" tx1="dk1" tx2="dk2"/>
+  <p:clrMap bg1="lt1" tx1="dk1" bg2="lt2" tx2="dk2" accent1="accent1" accent2="accent2" accent3="accent3" accent4="accent4" accent5="accent5" accent6="accent6" hlink="hlink" folHlink="folHlink"/>
   <p:sldLayoutIdLst>
     <p:sldLayoutId id="2147483649" r:id="rId1"/>
     <p:sldLayoutId id="2147483650" r:id="rId2"/>
@@ -2795,10 +2795,10 @@
     <p:sldLayoutId id="2147483658" r:id="rId10"/>
     <p:sldLayoutId id="2147483659" r:id="rId11"/>
   </p:sldLayoutIdLst>
-  <p:hf dt="0" ftr="0" hdr="0"/>
+  <p:hf hdr="0" ftr="0" dt="0"/>
   <p:txStyles>
     <p:titleStyle>
-      <a:lvl1pPr algn="l" defTabSz="914400" eaLnBrk="1" hangingPunct="1" latinLnBrk="0" rtl="0">
+      <a:lvl1pPr algn="l" defTabSz="914400" rtl="0" eaLnBrk="1" latinLnBrk="0" hangingPunct="1">
         <a:lnSpc>
           <a:spcPct val="90000"/>
         </a:lnSpc>
@@ -2806,7 +2806,7 @@
           <a:spcPct val="0"/>
         </a:spcBef>
         <a:buNone/>
-        <a:defRPr kern="1200" sz="4400">
+        <a:defRPr sz="4400" kern="1200">
           <a:solidFill>
             <a:schemeClr val="tx1"/>
           </a:solidFill>
@@ -2817,16 +2817,16 @@
       </a:lvl1pPr>
     </p:titleStyle>
     <p:bodyStyle>
-      <a:lvl1pPr algn="l" defTabSz="914400" eaLnBrk="1" hangingPunct="1" indent="-228600" latinLnBrk="0" marL="228600" rtl="0">
+      <a:lvl1pPr marL="228600" indent="-228600" algn="l" defTabSz="914400" rtl="0" eaLnBrk="1" latinLnBrk="0" hangingPunct="1">
         <a:lnSpc>
           <a:spcPct val="90000"/>
         </a:lnSpc>
         <a:spcBef>
           <a:spcPts val="1000"/>
         </a:spcBef>
-        <a:buFont charset="0" panose="020B0604020202020204" pitchFamily="34" typeface="Arial"/>
+        <a:buFont typeface="Arial" panose="020B0604020202020204" pitchFamily="34" charset="0"/>
         <a:buChar char="•"/>
-        <a:defRPr kern="1200" sz="2000">
+        <a:defRPr sz="2000" kern="1200">
           <a:solidFill>
             <a:schemeClr val="tx1"/>
           </a:solidFill>
@@ -2835,16 +2835,16 @@
           <a:cs typeface="+mn-cs"/>
         </a:defRPr>
       </a:lvl1pPr>
-      <a:lvl2pPr algn="l" defTabSz="914400" eaLnBrk="1" hangingPunct="1" indent="-228600" latinLnBrk="0" marL="685800" rtl="0">
+      <a:lvl2pPr marL="685800" indent="-228600" algn="l" defTabSz="914400" rtl="0" eaLnBrk="1" latinLnBrk="0" hangingPunct="1">
         <a:lnSpc>
           <a:spcPct val="90000"/>
         </a:lnSpc>
         <a:spcBef>
           <a:spcPts val="500"/>
         </a:spcBef>
-        <a:buFont charset="0" panose="020B0604020202020204" pitchFamily="34" typeface="Arial"/>
+        <a:buFont typeface="Arial" panose="020B0604020202020204" pitchFamily="34" charset="0"/>
         <a:buChar char="•"/>
-        <a:defRPr kern="1200" sz="2000">
+        <a:defRPr sz="2000" kern="1200">
           <a:solidFill>
             <a:schemeClr val="tx1"/>
           </a:solidFill>
@@ -2853,16 +2853,16 @@
           <a:cs typeface="+mn-cs"/>
         </a:defRPr>
       </a:lvl2pPr>
-      <a:lvl3pPr algn="l" defTabSz="914400" eaLnBrk="1" hangingPunct="1" indent="-228600" latinLnBrk="0" marL="1143000" rtl="0">
+      <a:lvl3pPr marL="1143000" indent="-228600" algn="l" defTabSz="914400" rtl="0" eaLnBrk="1" latinLnBrk="0" hangingPunct="1">
         <a:lnSpc>
           <a:spcPct val="90000"/>
         </a:lnSpc>
         <a:spcBef>
           <a:spcPts val="500"/>
         </a:spcBef>
-        <a:buFont charset="0" panose="020B0604020202020204" pitchFamily="34" typeface="Arial"/>
+        <a:buFont typeface="Arial" panose="020B0604020202020204" pitchFamily="34" charset="0"/>
         <a:buChar char="•"/>
-        <a:defRPr kern="1200" sz="1800">
+        <a:defRPr sz="1800" kern="1200">
           <a:solidFill>
             <a:schemeClr val="tx1"/>
           </a:solidFill>
@@ -2871,16 +2871,16 @@
           <a:cs typeface="+mn-cs"/>
         </a:defRPr>
       </a:lvl3pPr>
-      <a:lvl4pPr algn="l" defTabSz="914400" eaLnBrk="1" hangingPunct="1" indent="-228600" latinLnBrk="0" marL="1600200" rtl="0">
+      <a:lvl4pPr marL="1600200" indent="-228600" algn="l" defTabSz="914400" rtl="0" eaLnBrk="1" latinLnBrk="0" hangingPunct="1">
         <a:lnSpc>
           <a:spcPct val="90000"/>
         </a:lnSpc>
         <a:spcBef>
           <a:spcPts val="500"/>
         </a:spcBef>
-        <a:buFont charset="0" panose="020B0604020202020204" pitchFamily="34" typeface="Arial"/>
+        <a:buFont typeface="Arial" panose="020B0604020202020204" pitchFamily="34" charset="0"/>
         <a:buChar char="•"/>
-        <a:defRPr kern="1200" sz="1600">
+        <a:defRPr sz="1600" kern="1200">
           <a:solidFill>
             <a:schemeClr val="tx1"/>
           </a:solidFill>
@@ -2889,16 +2889,16 @@
           <a:cs typeface="+mn-cs"/>
         </a:defRPr>
       </a:lvl4pPr>
-      <a:lvl5pPr algn="l" defTabSz="914400" eaLnBrk="1" hangingPunct="1" indent="-228600" latinLnBrk="0" marL="2057400" rtl="0">
+      <a:lvl5pPr marL="2057400" indent="-228600" algn="l" defTabSz="914400" rtl="0" eaLnBrk="1" latinLnBrk="0" hangingPunct="1">
         <a:lnSpc>
           <a:spcPct val="90000"/>
         </a:lnSpc>
         <a:spcBef>
           <a:spcPts val="500"/>
         </a:spcBef>
-        <a:buFont charset="0" panose="020B0604020202020204" pitchFamily="34" typeface="Arial"/>
+        <a:buFont typeface="Arial" panose="020B0604020202020204" pitchFamily="34" charset="0"/>
         <a:buChar char="•"/>
-        <a:defRPr kern="1200" sz="1400">
+        <a:defRPr sz="1400" kern="1200">
           <a:solidFill>
             <a:schemeClr val="tx1"/>
           </a:solidFill>
@@ -2907,16 +2907,16 @@
           <a:cs typeface="+mn-cs"/>
         </a:defRPr>
       </a:lvl5pPr>
-      <a:lvl6pPr algn="l" defTabSz="914400" eaLnBrk="1" hangingPunct="1" indent="-228600" latinLnBrk="0" marL="2514600" rtl="0">
+      <a:lvl6pPr marL="2514600" indent="-228600" algn="l" defTabSz="914400" rtl="0" eaLnBrk="1" latinLnBrk="0" hangingPunct="1">
         <a:lnSpc>
           <a:spcPct val="90000"/>
         </a:lnSpc>
         <a:spcBef>
           <a:spcPts val="500"/>
         </a:spcBef>
-        <a:buFont charset="0" panose="020B0604020202020204" pitchFamily="34" typeface="Arial"/>
+        <a:buFont typeface="Arial" panose="020B0604020202020204" pitchFamily="34" charset="0"/>
         <a:buChar char="•"/>
-        <a:defRPr kern="1200" sz="1800">
+        <a:defRPr sz="1800" kern="1200">
           <a:solidFill>
             <a:schemeClr val="tx1"/>
           </a:solidFill>
@@ -2925,16 +2925,16 @@
           <a:cs typeface="+mn-cs"/>
         </a:defRPr>
       </a:lvl6pPr>
-      <a:lvl7pPr algn="l" defTabSz="914400" eaLnBrk="1" hangingPunct="1" indent="-228600" latinLnBrk="0" marL="2971800" rtl="0">
+      <a:lvl7pPr marL="2971800" indent="-228600" algn="l" defTabSz="914400" rtl="0" eaLnBrk="1" latinLnBrk="0" hangingPunct="1">
         <a:lnSpc>
           <a:spcPct val="90000"/>
         </a:lnSpc>
         <a:spcBef>
           <a:spcPts val="500"/>
         </a:spcBef>
-        <a:buFont charset="0" panose="020B0604020202020204" pitchFamily="34" typeface="Arial"/>
+        <a:buFont typeface="Arial" panose="020B0604020202020204" pitchFamily="34" charset="0"/>
         <a:buChar char="•"/>
-        <a:defRPr kern="1200" sz="1800">
+        <a:defRPr sz="1800" kern="1200">
           <a:solidFill>
             <a:schemeClr val="tx1"/>
           </a:solidFill>
@@ -2943,16 +2943,16 @@
           <a:cs typeface="+mn-cs"/>
         </a:defRPr>
       </a:lvl7pPr>
-      <a:lvl8pPr algn="l" defTabSz="914400" eaLnBrk="1" hangingPunct="1" indent="-228600" latinLnBrk="0" marL="3429000" rtl="0">
+      <a:lvl8pPr marL="3429000" indent="-228600" algn="l" defTabSz="914400" rtl="0" eaLnBrk="1" latinLnBrk="0" hangingPunct="1">
         <a:lnSpc>
           <a:spcPct val="90000"/>
         </a:lnSpc>
         <a:spcBef>
           <a:spcPts val="500"/>
         </a:spcBef>
-        <a:buFont charset="0" panose="020B0604020202020204" pitchFamily="34" typeface="Arial"/>
+        <a:buFont typeface="Arial" panose="020B0604020202020204" pitchFamily="34" charset="0"/>
         <a:buChar char="•"/>
-        <a:defRPr kern="1200" sz="1800">
+        <a:defRPr sz="1800" kern="1200">
           <a:solidFill>
             <a:schemeClr val="tx1"/>
           </a:solidFill>
@@ -2961,16 +2961,16 @@
           <a:cs typeface="+mn-cs"/>
         </a:defRPr>
       </a:lvl8pPr>
-      <a:lvl9pPr algn="l" defTabSz="914400" eaLnBrk="1" hangingPunct="1" indent="-228600" latinLnBrk="0" marL="3886200" rtl="0">
+      <a:lvl9pPr marL="3886200" indent="-228600" algn="l" defTabSz="914400" rtl="0" eaLnBrk="1" latinLnBrk="0" hangingPunct="1">
         <a:lnSpc>
           <a:spcPct val="90000"/>
         </a:lnSpc>
         <a:spcBef>
           <a:spcPts val="500"/>
         </a:spcBef>
-        <a:buFont charset="0" panose="020B0604020202020204" pitchFamily="34" typeface="Arial"/>
+        <a:buFont typeface="Arial" panose="020B0604020202020204" pitchFamily="34" charset="0"/>
         <a:buChar char="•"/>
-        <a:defRPr kern="1200" sz="1800">
+        <a:defRPr sz="1800" kern="1200">
           <a:solidFill>
             <a:schemeClr val="tx1"/>
           </a:solidFill>
@@ -2984,8 +2984,8 @@
       <a:defPPr>
         <a:defRPr lang="en-US"/>
       </a:defPPr>
-      <a:lvl1pPr algn="l" defTabSz="914400" eaLnBrk="1" hangingPunct="1" latinLnBrk="0" marL="0" rtl="0">
-        <a:defRPr kern="1200" sz="1800">
+      <a:lvl1pPr marL="0" algn="l" defTabSz="914400" rtl="0" eaLnBrk="1" latinLnBrk="0" hangingPunct="1">
+        <a:defRPr sz="1800" kern="1200">
           <a:solidFill>
             <a:schemeClr val="tx1"/>
           </a:solidFill>
@@ -2994,8 +2994,8 @@
           <a:cs typeface="+mn-cs"/>
         </a:defRPr>
       </a:lvl1pPr>
-      <a:lvl2pPr algn="l" defTabSz="914400" eaLnBrk="1" hangingPunct="1" latinLnBrk="0" marL="457200" rtl="0">
-        <a:defRPr kern="1200" sz="1800">
+      <a:lvl2pPr marL="457200" algn="l" defTabSz="914400" rtl="0" eaLnBrk="1" latinLnBrk="0" hangingPunct="1">
+        <a:defRPr sz="1800" kern="1200">
           <a:solidFill>
             <a:schemeClr val="tx1"/>
           </a:solidFill>
@@ -3004,8 +3004,8 @@
           <a:cs typeface="+mn-cs"/>
         </a:defRPr>
       </a:lvl2pPr>
-      <a:lvl3pPr algn="l" defTabSz="914400" eaLnBrk="1" hangingPunct="1" latinLnBrk="0" marL="914400" rtl="0">
-        <a:defRPr kern="1200" sz="1800">
+      <a:lvl3pPr marL="914400" algn="l" defTabSz="914400" rtl="0" eaLnBrk="1" latinLnBrk="0" hangingPunct="1">
+        <a:defRPr sz="1800" kern="1200">
           <a:solidFill>
             <a:schemeClr val="tx1"/>
           </a:solidFill>
@@ -3014,8 +3014,8 @@
           <a:cs typeface="+mn-cs"/>
         </a:defRPr>
       </a:lvl3pPr>
-      <a:lvl4pPr algn="l" defTabSz="914400" eaLnBrk="1" hangingPunct="1" latinLnBrk="0" marL="1371600" rtl="0">
-        <a:defRPr kern="1200" sz="1800">
+      <a:lvl4pPr marL="1371600" algn="l" defTabSz="914400" rtl="0" eaLnBrk="1" latinLnBrk="0" hangingPunct="1">
+        <a:defRPr sz="1800" kern="1200">
           <a:solidFill>
             <a:schemeClr val="tx1"/>
           </a:solidFill>
@@ -3024,8 +3024,8 @@
           <a:cs typeface="+mn-cs"/>
         </a:defRPr>
       </a:lvl4pPr>
-      <a:lvl5pPr algn="l" defTabSz="914400" eaLnBrk="1" hangingPunct="1" latinLnBrk="0" marL="1828800" rtl="0">
-        <a:defRPr kern="1200" sz="1800">
+      <a:lvl5pPr marL="1828800" algn="l" defTabSz="914400" rtl="0" eaLnBrk="1" latinLnBrk="0" hangingPunct="1">
+        <a:defRPr sz="1800" kern="1200">
           <a:solidFill>
             <a:schemeClr val="tx1"/>
           </a:solidFill>
@@ -3034,8 +3034,8 @@
           <a:cs typeface="+mn-cs"/>
         </a:defRPr>
       </a:lvl5pPr>
-      <a:lvl6pPr algn="l" defTabSz="914400" eaLnBrk="1" hangingPunct="1" latinLnBrk="0" marL="2286000" rtl="0">
-        <a:defRPr kern="1200" sz="1800">
+      <a:lvl6pPr marL="2286000" algn="l" defTabSz="914400" rtl="0" eaLnBrk="1" latinLnBrk="0" hangingPunct="1">
+        <a:defRPr sz="1800" kern="1200">
           <a:solidFill>
             <a:schemeClr val="tx1"/>
           </a:solidFill>
@@ -3044,8 +3044,8 @@
           <a:cs typeface="+mn-cs"/>
         </a:defRPr>
       </a:lvl6pPr>
-      <a:lvl7pPr algn="l" defTabSz="914400" eaLnBrk="1" hangingPunct="1" latinLnBrk="0" marL="2743200" rtl="0">
-        <a:defRPr kern="1200" sz="1800">
+      <a:lvl7pPr marL="2743200" algn="l" defTabSz="914400" rtl="0" eaLnBrk="1" latinLnBrk="0" hangingPunct="1">
+        <a:defRPr sz="1800" kern="1200">
           <a:solidFill>
             <a:schemeClr val="tx1"/>
           </a:solidFill>
@@ -3054,8 +3054,8 @@
           <a:cs typeface="+mn-cs"/>
         </a:defRPr>
       </a:lvl7pPr>
-      <a:lvl8pPr algn="l" defTabSz="914400" eaLnBrk="1" hangingPunct="1" latinLnBrk="0" marL="3200400" rtl="0">
-        <a:defRPr kern="1200" sz="1800">
+      <a:lvl8pPr marL="3200400" algn="l" defTabSz="914400" rtl="0" eaLnBrk="1" latinLnBrk="0" hangingPunct="1">
+        <a:defRPr sz="1800" kern="1200">
           <a:solidFill>
             <a:schemeClr val="tx1"/>
           </a:solidFill>
@@ -3064,8 +3064,8 @@
           <a:cs typeface="+mn-cs"/>
         </a:defRPr>
       </a:lvl8pPr>
-      <a:lvl9pPr algn="l" defTabSz="914400" eaLnBrk="1" hangingPunct="1" latinLnBrk="0" marL="3657600" rtl="0">
-        <a:defRPr kern="1200" sz="1800">
+      <a:lvl9pPr marL="3657600" algn="l" defTabSz="914400" rtl="0" eaLnBrk="1" latinLnBrk="0" hangingPunct="1">
+        <a:defRPr sz="1800" kern="1200">
           <a:solidFill>
             <a:schemeClr val="tx1"/>
           </a:solidFill>
@@ -3122,11 +3122,10 @@
           <a:bodyPr/>
           <a:lstStyle/>
           <a:p>
-            <a:pPr lvl="0" indent="0" marL="0">
-              <a:buNone/>
-            </a:pPr>
-            <a:r>
-              <a:rPr/>
+            <a:pPr marL="0" lvl="0" indent="0">
+              <a:buNone/>
+            </a:pPr>
+            <a:r>
               <a:t>Statistics and R short course</a:t>
             </a:r>
           </a:p>
@@ -3145,7 +3144,7 @@
             <a:spLocks noGrp="1"/>
           </p:cNvSpPr>
           <p:nvPr>
-            <p:ph idx="1" type="subTitle"/>
+            <p:ph type="subTitle" idx="1"/>
           </p:nvPr>
         </p:nvSpPr>
         <p:spPr>
@@ -3158,17 +3157,15 @@
           <a:bodyPr/>
           <a:lstStyle/>
           <a:p>
-            <a:pPr lvl="0" indent="0" marL="0">
-              <a:buNone/>
-            </a:pPr>
-            <a:r>
-              <a:rPr/>
+            <a:pPr marL="0" lvl="0" indent="0">
+              <a:buNone/>
+            </a:pPr>
+            <a:r>
               <a:t>Session 6: Reproducible research with R</a:t>
             </a:r>
             <a:br/>
             <a:br/>
             <a:r>
-              <a:rPr/>
               <a:t>Marc Henrion, James Chirombo, Eva Kudowa</a:t>
             </a:r>
           </a:p>
@@ -3187,7 +3184,7 @@
             <a:spLocks noGrp="1"/>
           </p:cNvSpPr>
           <p:nvPr>
-            <p:ph idx="2" sz="half" type="dt"/>
+            <p:ph type="dt" sz="half" idx="2"/>
           </p:nvPr>
         </p:nvSpPr>
         <p:spPr>
@@ -3203,11 +3200,10 @@
           <a:bodyPr/>
           <a:lstStyle/>
           <a:p>
-            <a:pPr lvl="0" indent="0" marL="0">
-              <a:buNone/>
-            </a:pPr>
-            <a:r>
-              <a:rPr/>
+            <a:pPr marL="0" lvl="0" indent="0">
+              <a:buNone/>
+            </a:pPr>
+            <a:r>
               <a:t>2023-11-29</a:t>
             </a:r>
           </a:p>
@@ -3226,7 +3222,7 @@
             <a:spLocks noGrp="1"/>
           </p:cNvSpPr>
           <p:nvPr>
-            <p:ph idx="12" sz="quarter" type="sldNum"/>
+            <p:ph type="sldNum" sz="quarter" idx="12"/>
           </p:nvPr>
         </p:nvSpPr>
         <p:spPr/>
@@ -3236,7 +3232,7 @@
           <a:p>
             <a:fld id="{E1C5CB42-CF14-4293-8971-6DCD1AAE8BE7}" type="slidenum">
               <a:rPr lang="en-GB" smtClean="0"/>
-              <a:t>‹#›</a:t>
+              <a:t>1</a:t>
             </a:fld>
             <a:endParaRPr lang="en-GB"/>
           </a:p>
@@ -3244,6 +3240,9 @@
       </p:sp>
     </p:spTree>
   </p:cSld>
+  <p:clrMapOvr>
+    <a:masterClrMapping/>
+  </p:clrMapOvr>
 </p:sld>
 </file>
 
@@ -3285,174 +3284,170 @@
           <a:bodyPr/>
           <a:lstStyle/>
           <a:p>
-            <a:pPr lvl="0" indent="0" marL="0">
-              <a:buNone/>
-            </a:pPr>
-            <a:r>
-              <a:rPr/>
+            <a:pPr marL="0" lvl="0" indent="0">
+              <a:buNone/>
+            </a:pPr>
+            <a:r>
               <a:t>Open Science</a:t>
             </a:r>
           </a:p>
         </p:txBody>
       </p:sp>
-      <mc:AlternateContent xmlns:mc="http://schemas.openxmlformats.org/markup-compatibility/2006">
-        <mc:Choice xmlns:a14="http://schemas.microsoft.com/office/drawing/2010/main" Requires="a14">
-          <p:sp>
-            <p:nvSpPr>
-              <p:cNvPr id="3" name="Content Placeholder 2">
-                <a:extLst>
-                  <a:ext uri="{FF2B5EF4-FFF2-40B4-BE49-F238E27FC236}">
-                    <a16:creationId xmlns:a16="http://schemas.microsoft.com/office/drawing/2014/main" id="{288BC91F-1C76-43AE-8B2A-956D48B768BE}"/>
-                  </a:ext>
-                </a:extLst>
-              </p:cNvPr>
-              <p:cNvSpPr>
-                <a:spLocks noGrp="1"/>
-              </p:cNvSpPr>
-              <p:nvPr>
-                <p:ph idx="1"/>
-              </p:nvPr>
-            </p:nvSpPr>
-            <p:spPr/>
-            <p:txBody>
-              <a:bodyPr/>
-              <a:lstStyle/>
-              <a:p>
-                <a:pPr lvl="0" indent="0" marL="0">
-                  <a:buNone/>
-                </a:pPr>
-                <a:r>
-                  <a:rPr/>
-                  <a:t>6 principles:</a:t>
-                </a:r>
-              </a:p>
-              <a:p>
-                <a:pPr lvl="0" indent="0" marL="0">
-                  <a:buNone/>
-                </a:pPr>
-                <a14:m>
-                  <m:oMathPara xmlns:m="http://schemas.openxmlformats.org/officeDocument/2006/math">
-                    <m:oMathParaPr>
-                      <m:jc m:val="center"/>
-                    </m:oMathParaPr>
-                    <m:oMath>
-                      <m:r>
-                        <m:t> </m:t>
-                      </m:r>
-                    </m:oMath>
-                  </m:oMathPara>
-                </a14:m>
-              </a:p>
-              <a:p>
-                <a:pPr lvl="0" indent="-457200" marL="457200">
-                  <a:buAutoNum type="arabicPeriod"/>
-                </a:pPr>
-                <a:r>
-                  <a:rPr b="1"/>
-                  <a:t>Open methodology</a:t>
-                </a:r>
-                <a:r>
-                  <a:rPr/>
-                  <a:t> - document the entire research process.</a:t>
-                </a:r>
-              </a:p>
-              <a:p>
-                <a:pPr lvl="0" indent="-457200" marL="457200">
-                  <a:buAutoNum type="arabicPeriod"/>
-                </a:pPr>
-                <a:r>
-                  <a:rPr b="1"/>
-                  <a:t>Open source</a:t>
-                </a:r>
-                <a:r>
-                  <a:rPr/>
-                  <a:t> - use open source technology only.</a:t>
-                </a:r>
-              </a:p>
-              <a:p>
-                <a:pPr lvl="0" indent="-457200" marL="457200">
-                  <a:buAutoNum type="arabicPeriod"/>
-                </a:pPr>
-                <a:r>
-                  <a:rPr b="1"/>
-                  <a:t>Open data</a:t>
-                </a:r>
-                <a:r>
-                  <a:rPr/>
-                  <a:t> - make generated data publicly available.</a:t>
-                </a:r>
-              </a:p>
-              <a:p>
-                <a:pPr lvl="0" indent="-457200" marL="457200">
-                  <a:buAutoNum type="arabicPeriod"/>
-                </a:pPr>
-                <a:r>
-                  <a:rPr b="1"/>
-                  <a:t>Open access</a:t>
-                </a:r>
-                <a:r>
-                  <a:rPr/>
-                  <a:t> - make results and data accessible by anybody.</a:t>
-                </a:r>
-              </a:p>
-              <a:p>
-                <a:pPr lvl="0" indent="-457200" marL="457200">
-                  <a:buAutoNum type="arabicPeriod"/>
-                </a:pPr>
-                <a:r>
-                  <a:rPr b="1"/>
-                  <a:t>Open peer review</a:t>
-                </a:r>
-                <a:r>
-                  <a:rPr/>
-                  <a:t> - transparent, published quality assurance.</a:t>
-                </a:r>
-              </a:p>
-              <a:p>
-                <a:pPr lvl="0" indent="-457200" marL="457200">
-                  <a:buAutoNum type="arabicPeriod"/>
-                </a:pPr>
-                <a:r>
-                  <a:rPr b="1"/>
-                  <a:t>Open educational resources</a:t>
-                </a:r>
-                <a:r>
-                  <a:rPr/>
-                  <a:t> - use / generate free, open training resources.</a:t>
-                </a:r>
-              </a:p>
-              <a:p>
-                <a:pPr lvl="0" indent="0" marL="0">
-                  <a:buNone/>
-                </a:pPr>
-                <a14:m>
-                  <m:oMathPara xmlns:m="http://schemas.openxmlformats.org/officeDocument/2006/math">
-                    <m:oMathParaPr>
-                      <m:jc m:val="center"/>
-                    </m:oMathParaPr>
-                    <m:oMath>
-                      <m:r>
-                        <m:t> </m:t>
-                      </m:r>
-                    </m:oMath>
-                  </m:oMathPara>
-                </a14:m>
-              </a:p>
-              <a:p>
-                <a:pPr lvl="0" indent="0" marL="0">
-                  <a:buNone/>
-                </a:pPr>
-                <a:r>
-                  <a:rPr>
-                    <a:hlinkClick r:id="rId2"/>
-                  </a:rPr>
-                  <a:t>http://openscienceasap.org/open-science</a:t>
-                </a:r>
-              </a:p>
-            </p:txBody>
-          </p:sp>
-        </mc:Choice>
-      </mc:AlternateContent>
+      <p:sp>
+        <p:nvSpPr>
+          <p:cNvPr id="3" name="Content Placeholder 2">
+            <a:extLst>
+              <a:ext uri="{FF2B5EF4-FFF2-40B4-BE49-F238E27FC236}">
+                <a16:creationId xmlns:a16="http://schemas.microsoft.com/office/drawing/2014/main" id="{288BC91F-1C76-43AE-8B2A-956D48B768BE}"/>
+              </a:ext>
+            </a:extLst>
+          </p:cNvPr>
+          <p:cNvSpPr>
+            <a:spLocks noGrp="1"/>
+          </p:cNvSpPr>
+          <p:nvPr>
+            <p:ph idx="1"/>
+          </p:nvPr>
+        </p:nvSpPr>
+        <p:spPr/>
+        <p:txBody>
+          <a:bodyPr/>
+          <a:lstStyle/>
+          <a:p>
+            <a:pPr marL="0" lvl="0" indent="0">
+              <a:buNone/>
+            </a:pPr>
+            <a:r>
+              <a:t>6 principles:</a:t>
+            </a:r>
+          </a:p>
+          <a:p>
+            <a:pPr marL="0" lvl="0" indent="0">
+              <a:buNone/>
+            </a:pPr>
+            <a14:m xmlns:a14="http://schemas.microsoft.com/office/drawing/2010/main">
+              <m:oMathPara xmlns:m="http://schemas.openxmlformats.org/officeDocument/2006/math">
+                <m:oMathParaPr>
+                  <m:jc m:val="center"/>
+                </m:oMathParaPr>
+                <m:oMath xmlns:m="http://schemas.openxmlformats.org/officeDocument/2006/math">
+                  <m:r>
+                    <a:rPr>
+                      <a:latin typeface="Cambria Math" panose="02040503050406030204" pitchFamily="18" charset="0"/>
+                    </a:rPr>
+                    <m:t> </m:t>
+                  </m:r>
+                </m:oMath>
+              </m:oMathPara>
+            </a14:m>
+            <a:endParaRPr/>
+          </a:p>
+          <a:p>
+            <a:pPr marL="457200" lvl="0" indent="-457200">
+              <a:buAutoNum type="arabicPeriod"/>
+            </a:pPr>
+            <a:r>
+              <a:rPr b="1"/>
+              <a:t>Open methodology</a:t>
+            </a:r>
+            <a:r>
+              <a:t> - document the entire research process.</a:t>
+            </a:r>
+          </a:p>
+          <a:p>
+            <a:pPr marL="457200" lvl="0" indent="-457200">
+              <a:buAutoNum type="arabicPeriod"/>
+            </a:pPr>
+            <a:r>
+              <a:rPr b="1"/>
+              <a:t>Open source</a:t>
+            </a:r>
+            <a:r>
+              <a:t> - use open source technology only.</a:t>
+            </a:r>
+          </a:p>
+          <a:p>
+            <a:pPr marL="457200" lvl="0" indent="-457200">
+              <a:buAutoNum type="arabicPeriod"/>
+            </a:pPr>
+            <a:r>
+              <a:rPr b="1"/>
+              <a:t>Open data</a:t>
+            </a:r>
+            <a:r>
+              <a:t> - make generated data publicly available.</a:t>
+            </a:r>
+          </a:p>
+          <a:p>
+            <a:pPr marL="457200" lvl="0" indent="-457200">
+              <a:buAutoNum type="arabicPeriod"/>
+            </a:pPr>
+            <a:r>
+              <a:rPr b="1"/>
+              <a:t>Open access</a:t>
+            </a:r>
+            <a:r>
+              <a:t> - make results and data accessible by anybody.</a:t>
+            </a:r>
+          </a:p>
+          <a:p>
+            <a:pPr marL="457200" lvl="0" indent="-457200">
+              <a:buAutoNum type="arabicPeriod"/>
+            </a:pPr>
+            <a:r>
+              <a:rPr b="1"/>
+              <a:t>Open peer review</a:t>
+            </a:r>
+            <a:r>
+              <a:t> - transparent, published quality assurance.</a:t>
+            </a:r>
+          </a:p>
+          <a:p>
+            <a:pPr marL="457200" lvl="0" indent="-457200">
+              <a:buAutoNum type="arabicPeriod"/>
+            </a:pPr>
+            <a:r>
+              <a:rPr b="1"/>
+              <a:t>Open educational resources</a:t>
+            </a:r>
+            <a:r>
+              <a:t> - use / generate free, open training resources.</a:t>
+            </a:r>
+          </a:p>
+          <a:p>
+            <a:pPr marL="0" lvl="0" indent="0">
+              <a:buNone/>
+            </a:pPr>
+            <a14:m xmlns:a14="http://schemas.microsoft.com/office/drawing/2010/main">
+              <m:oMathPara xmlns:m="http://schemas.openxmlformats.org/officeDocument/2006/math">
+                <m:oMathParaPr>
+                  <m:jc m:val="center"/>
+                </m:oMathParaPr>
+                <m:oMath xmlns:m="http://schemas.openxmlformats.org/officeDocument/2006/math">
+                  <m:r>
+                    <a:rPr>
+                      <a:latin typeface="Cambria Math" panose="02040503050406030204" pitchFamily="18" charset="0"/>
+                    </a:rPr>
+                    <m:t> </m:t>
+                  </m:r>
+                </m:oMath>
+              </m:oMathPara>
+            </a14:m>
+            <a:endParaRPr/>
+          </a:p>
+          <a:p>
+            <a:pPr marL="0" lvl="0" indent="0">
+              <a:buNone/>
+            </a:pPr>
+            <a:r>
+              <a:rPr>
+                <a:hlinkClick r:id="rId2"/>
+              </a:rPr>
+              <a:t>http://openscienceasap.org/open-science</a:t>
+            </a:r>
+          </a:p>
+        </p:txBody>
+      </p:sp>
       <p:sp>
         <p:nvSpPr>
           <p:cNvPr id="6" name="Slide Number Placeholder 5">
@@ -3466,7 +3461,7 @@
             <a:spLocks noGrp="1"/>
           </p:cNvSpPr>
           <p:nvPr>
-            <p:ph idx="12" sz="quarter" type="sldNum"/>
+            <p:ph type="sldNum" sz="quarter" idx="12"/>
           </p:nvPr>
         </p:nvSpPr>
         <p:spPr/>
@@ -3476,7 +3471,7 @@
           <a:p>
             <a:fld id="{E1C5CB42-CF14-4293-8971-6DCD1AAE8BE7}" type="slidenum">
               <a:rPr lang="en-GB" smtClean="0"/>
-              <a:t>‹#›</a:t>
+              <a:t>10</a:t>
             </a:fld>
             <a:endParaRPr lang="en-GB"/>
           </a:p>
@@ -3484,6 +3479,9 @@
       </p:sp>
     </p:spTree>
   </p:cSld>
+  <p:clrMapOvr>
+    <a:masterClrMapping/>
+  </p:clrMapOvr>
 </p:sld>
 </file>
 
@@ -3525,133 +3523,135 @@
           <a:bodyPr/>
           <a:lstStyle/>
           <a:p>
-            <a:pPr lvl="0" indent="0" marL="0">
-              <a:buNone/>
-            </a:pPr>
-            <a:r>
-              <a:rPr/>
+            <a:pPr marL="0" lvl="0" indent="0">
+              <a:buNone/>
+            </a:pPr>
+            <a:r>
               <a:t>Open Science</a:t>
             </a:r>
           </a:p>
         </p:txBody>
       </p:sp>
-      <mc:AlternateContent xmlns:mc="http://schemas.openxmlformats.org/markup-compatibility/2006">
-        <mc:Choice xmlns:a14="http://schemas.microsoft.com/office/drawing/2010/main" Requires="a14">
-          <p:sp>
-            <p:nvSpPr>
-              <p:cNvPr id="3" name="Content Placeholder 2">
-                <a:extLst>
-                  <a:ext uri="{FF2B5EF4-FFF2-40B4-BE49-F238E27FC236}">
-                    <a16:creationId xmlns:a16="http://schemas.microsoft.com/office/drawing/2014/main" id="{288BC91F-1C76-43AE-8B2A-956D48B768BE}"/>
-                  </a:ext>
-                </a:extLst>
-              </p:cNvPr>
-              <p:cNvSpPr>
-                <a:spLocks noGrp="1"/>
-              </p:cNvSpPr>
-              <p:nvPr>
-                <p:ph idx="1"/>
-              </p:nvPr>
-            </p:nvSpPr>
-            <p:spPr/>
-            <p:txBody>
-              <a:bodyPr/>
-              <a:lstStyle/>
-              <a:p>
-                <a:pPr lvl="0" indent="0" marL="0">
-                  <a:buNone/>
-                </a:pPr>
-                <a:r>
-                  <a:rPr/>
-                  <a:t>Limits (?)</a:t>
-                </a:r>
-              </a:p>
-              <a:p>
-                <a:pPr lvl="0" indent="0" marL="0">
-                  <a:buNone/>
-                </a:pPr>
-                <a14:m>
-                  <m:oMathPara xmlns:m="http://schemas.openxmlformats.org/officeDocument/2006/math">
-                    <m:oMathParaPr>
-                      <m:jc m:val="center"/>
-                    </m:oMathParaPr>
-                    <m:oMath>
-                      <m:r>
-                        <m:t> </m:t>
-                      </m:r>
-                    </m:oMath>
-                  </m:oMathPara>
-                </a14:m>
-              </a:p>
-              <a:p>
-                <a:pPr lvl="0"/>
-                <a:r>
-                  <a:rPr/>
-                  <a:t>Confidential, sensitive, identifiable data –&gt; GDPR, HIPAA etc. Some data may need to access controlled (e.g. human genomic data –&gt; dbGaP).</a:t>
-                </a:r>
-              </a:p>
-              <a:p>
-                <a:pPr lvl="0" indent="0" marL="0">
-                  <a:buNone/>
-                </a:pPr>
-                <a14:m>
-                  <m:oMathPara xmlns:m="http://schemas.openxmlformats.org/officeDocument/2006/math">
-                    <m:oMathParaPr>
-                      <m:jc m:val="center"/>
-                    </m:oMathParaPr>
-                    <m:oMath>
-                      <m:r>
-                        <m:t> </m:t>
-                      </m:r>
-                    </m:oMath>
-                  </m:oMathPara>
-                </a14:m>
-              </a:p>
-              <a:p>
-                <a:pPr lvl="0"/>
-                <a:r>
-                  <a:rPr/>
-                  <a:t>Dangerous technology liable to misuse (e.g. H5N1 transmission studies in ferrets</a:t>
-                </a:r>
-                <a:r>
-                  <a:rPr baseline="30000">
-                    <a:hlinkClick r:id="rId2" action="ppaction://hlinksldjump"/>
-                  </a:rPr>
-                  <a:t>2</a:t>
-                </a:r>
-                <a:r>
-                  <a:rPr/>
-                  <a:t>) - a false argument?</a:t>
-                </a:r>
-              </a:p>
-              <a:p>
-                <a:pPr lvl="0" indent="0" marL="0">
-                  <a:buNone/>
-                </a:pPr>
-                <a14:m>
-                  <m:oMathPara xmlns:m="http://schemas.openxmlformats.org/officeDocument/2006/math">
-                    <m:oMathParaPr>
-                      <m:jc m:val="center"/>
-                    </m:oMathParaPr>
-                    <m:oMath>
-                      <m:r>
-                        <m:t> </m:t>
-                      </m:r>
-                    </m:oMath>
-                  </m:oMathPara>
-                </a14:m>
-              </a:p>
-              <a:p>
-                <a:pPr lvl="0"/>
-                <a:r>
-                  <a:rPr/>
-                  <a:t>After fake news, fake science?</a:t>
-                </a:r>
-              </a:p>
-            </p:txBody>
-          </p:sp>
-        </mc:Choice>
-      </mc:AlternateContent>
+      <p:sp>
+        <p:nvSpPr>
+          <p:cNvPr id="3" name="Content Placeholder 2">
+            <a:extLst>
+              <a:ext uri="{FF2B5EF4-FFF2-40B4-BE49-F238E27FC236}">
+                <a16:creationId xmlns:a16="http://schemas.microsoft.com/office/drawing/2014/main" id="{288BC91F-1C76-43AE-8B2A-956D48B768BE}"/>
+              </a:ext>
+            </a:extLst>
+          </p:cNvPr>
+          <p:cNvSpPr>
+            <a:spLocks noGrp="1"/>
+          </p:cNvSpPr>
+          <p:nvPr>
+            <p:ph idx="1"/>
+          </p:nvPr>
+        </p:nvSpPr>
+        <p:spPr/>
+        <p:txBody>
+          <a:bodyPr/>
+          <a:lstStyle/>
+          <a:p>
+            <a:pPr marL="0" lvl="0" indent="0">
+              <a:buNone/>
+            </a:pPr>
+            <a:r>
+              <a:t>Limits (?)</a:t>
+            </a:r>
+          </a:p>
+          <a:p>
+            <a:pPr marL="0" lvl="0" indent="0">
+              <a:buNone/>
+            </a:pPr>
+            <a14:m xmlns:a14="http://schemas.microsoft.com/office/drawing/2010/main">
+              <m:oMathPara xmlns:m="http://schemas.openxmlformats.org/officeDocument/2006/math">
+                <m:oMathParaPr>
+                  <m:jc m:val="center"/>
+                </m:oMathParaPr>
+                <m:oMath xmlns:m="http://schemas.openxmlformats.org/officeDocument/2006/math">
+                  <m:r>
+                    <a:rPr>
+                      <a:latin typeface="Cambria Math" panose="02040503050406030204" pitchFamily="18" charset="0"/>
+                    </a:rPr>
+                    <m:t> </m:t>
+                  </m:r>
+                </m:oMath>
+              </m:oMathPara>
+            </a14:m>
+            <a:endParaRPr/>
+          </a:p>
+          <a:p>
+            <a:pPr lvl="0"/>
+            <a:r>
+              <a:t>Confidential, sensitive, identifiable data –&gt; GDPR, HIPAA etc. Some data may need to access controlled (e.g. human genomic data –&gt; dbGaP).</a:t>
+            </a:r>
+          </a:p>
+          <a:p>
+            <a:pPr marL="0" lvl="0" indent="0">
+              <a:buNone/>
+            </a:pPr>
+            <a14:m xmlns:a14="http://schemas.microsoft.com/office/drawing/2010/main">
+              <m:oMathPara xmlns:m="http://schemas.openxmlformats.org/officeDocument/2006/math">
+                <m:oMathParaPr>
+                  <m:jc m:val="center"/>
+                </m:oMathParaPr>
+                <m:oMath xmlns:m="http://schemas.openxmlformats.org/officeDocument/2006/math">
+                  <m:r>
+                    <a:rPr>
+                      <a:latin typeface="Cambria Math" panose="02040503050406030204" pitchFamily="18" charset="0"/>
+                    </a:rPr>
+                    <m:t> </m:t>
+                  </m:r>
+                </m:oMath>
+              </m:oMathPara>
+            </a14:m>
+            <a:endParaRPr/>
+          </a:p>
+          <a:p>
+            <a:pPr lvl="0"/>
+            <a:r>
+              <a:t>Dangerous technology liable to misuse (e.g. H5N1 transmission studies in ferrets</a:t>
+            </a:r>
+            <a:r>
+              <a:rPr baseline="30000">
+                <a:hlinkClick r:id="rId2" action="ppaction://hlinksldjump"/>
+              </a:rPr>
+              <a:t>2</a:t>
+            </a:r>
+            <a:r>
+              <a:t>) - a false argument?</a:t>
+            </a:r>
+          </a:p>
+          <a:p>
+            <a:pPr marL="0" lvl="0" indent="0">
+              <a:buNone/>
+            </a:pPr>
+            <a14:m xmlns:a14="http://schemas.microsoft.com/office/drawing/2010/main">
+              <m:oMathPara xmlns:m="http://schemas.openxmlformats.org/officeDocument/2006/math">
+                <m:oMathParaPr>
+                  <m:jc m:val="center"/>
+                </m:oMathParaPr>
+                <m:oMath xmlns:m="http://schemas.openxmlformats.org/officeDocument/2006/math">
+                  <m:r>
+                    <a:rPr>
+                      <a:latin typeface="Cambria Math" panose="02040503050406030204" pitchFamily="18" charset="0"/>
+                    </a:rPr>
+                    <m:t> </m:t>
+                  </m:r>
+                </m:oMath>
+              </m:oMathPara>
+            </a14:m>
+            <a:endParaRPr/>
+          </a:p>
+          <a:p>
+            <a:pPr lvl="0"/>
+            <a:r>
+              <a:t>After fake news, fake science?</a:t>
+            </a:r>
+          </a:p>
+        </p:txBody>
+      </p:sp>
       <p:sp>
         <p:nvSpPr>
           <p:cNvPr id="6" name="Slide Number Placeholder 5">
@@ -3665,7 +3665,7 @@
             <a:spLocks noGrp="1"/>
           </p:cNvSpPr>
           <p:nvPr>
-            <p:ph idx="12" sz="quarter" type="sldNum"/>
+            <p:ph type="sldNum" sz="quarter" idx="12"/>
           </p:nvPr>
         </p:nvSpPr>
         <p:spPr/>
@@ -3675,7 +3675,7 @@
           <a:p>
             <a:fld id="{E1C5CB42-CF14-4293-8971-6DCD1AAE8BE7}" type="slidenum">
               <a:rPr lang="en-GB" smtClean="0"/>
-              <a:t>‹#›</a:t>
+              <a:t>11</a:t>
             </a:fld>
             <a:endParaRPr lang="en-GB"/>
           </a:p>
@@ -3683,6 +3683,9 @@
       </p:sp>
     </p:spTree>
   </p:cSld>
+  <p:clrMapOvr>
+    <a:masterClrMapping/>
+  </p:clrMapOvr>
 </p:sld>
 </file>
 
@@ -3729,11 +3732,10 @@
           <a:bodyPr/>
           <a:lstStyle/>
           <a:p>
-            <a:pPr lvl="0" indent="0" marL="0">
-              <a:buNone/>
-            </a:pPr>
-            <a:r>
-              <a:rPr/>
+            <a:pPr marL="0" lvl="0" indent="0">
+              <a:buNone/>
+            </a:pPr>
+            <a:r>
               <a:t>Quarto / R markdown</a:t>
             </a:r>
           </a:p>
@@ -3752,7 +3754,7 @@
             <a:spLocks noGrp="1"/>
           </p:cNvSpPr>
           <p:nvPr>
-            <p:ph idx="12" sz="quarter" type="sldNum"/>
+            <p:ph type="sldNum" sz="quarter" idx="12"/>
           </p:nvPr>
         </p:nvSpPr>
         <p:spPr/>
@@ -3762,7 +3764,7 @@
           <a:p>
             <a:fld id="{E1C5CB42-CF14-4293-8971-6DCD1AAE8BE7}" type="slidenum">
               <a:rPr lang="en-GB" smtClean="0"/>
-              <a:t>‹#›</a:t>
+              <a:t>12</a:t>
             </a:fld>
             <a:endParaRPr lang="en-GB"/>
           </a:p>
@@ -3770,6 +3772,9 @@
       </p:sp>
     </p:spTree>
   </p:cSld>
+  <p:clrMapOvr>
+    <a:masterClrMapping/>
+  </p:clrMapOvr>
 </p:sld>
 </file>
 
@@ -3811,104 +3816,98 @@
           <a:bodyPr/>
           <a:lstStyle/>
           <a:p>
-            <a:pPr lvl="0" indent="0" marL="0">
-              <a:buNone/>
-            </a:pPr>
-            <a:r>
-              <a:rPr/>
+            <a:pPr marL="0" lvl="0" indent="0">
+              <a:buNone/>
+            </a:pPr>
+            <a:r>
               <a:t>Quarto / R markdown</a:t>
             </a:r>
           </a:p>
         </p:txBody>
       </p:sp>
-      <mc:AlternateContent xmlns:mc="http://schemas.openxmlformats.org/markup-compatibility/2006">
-        <mc:Choice xmlns:a14="http://schemas.microsoft.com/office/drawing/2010/main" Requires="a14">
-          <p:sp>
-            <p:nvSpPr>
-              <p:cNvPr id="3" name="Content Placeholder 2">
-                <a:extLst>
-                  <a:ext uri="{FF2B5EF4-FFF2-40B4-BE49-F238E27FC236}">
-                    <a16:creationId xmlns:a16="http://schemas.microsoft.com/office/drawing/2014/main" id="{288BC91F-1C76-43AE-8B2A-956D48B768BE}"/>
-                  </a:ext>
-                </a:extLst>
-              </p:cNvPr>
-              <p:cNvSpPr>
-                <a:spLocks noGrp="1"/>
-              </p:cNvSpPr>
-              <p:nvPr>
-                <p:ph idx="1"/>
-              </p:nvPr>
-            </p:nvSpPr>
-            <p:spPr/>
-            <p:txBody>
-              <a:bodyPr/>
-              <a:lstStyle/>
-              <a:p>
-                <a:pPr lvl="0" indent="0" marL="0">
-                  <a:buNone/>
-                </a:pPr>
-                <a:r>
-                  <a:rPr/>
-                  <a:t>As a researcher it is important that you can effectively </a:t>
-                </a:r>
-                <a:r>
-                  <a:rPr b="1"/>
-                  <a:t>communicate</a:t>
-                </a:r>
-                <a:r>
-                  <a:rPr/>
-                  <a:t> your results.</a:t>
-                </a:r>
-              </a:p>
-              <a:p>
-                <a:pPr lvl="0" indent="0" marL="0">
-                  <a:buNone/>
-                </a:pPr>
-                <a:r>
-                  <a:rPr/>
-                  <a:t>Quarto and R markdown are open-source science and technical publishing systems, both relying on Pandoc (a universal document converter). Both are markdown languages.</a:t>
-                </a:r>
-              </a:p>
-              <a:p>
-                <a:pPr lvl="0" indent="0" marL="0">
-                  <a:buNone/>
-                </a:pPr>
-                <a14:m>
-                  <m:oMathPara xmlns:m="http://schemas.openxmlformats.org/officeDocument/2006/math">
-                    <m:oMathParaPr>
-                      <m:jc m:val="center"/>
-                    </m:oMathParaPr>
-                    <m:oMath>
-                      <m:r>
-                        <m:t> </m:t>
-                      </m:r>
-                    </m:oMath>
-                  </m:oMathPara>
-                </a14:m>
-              </a:p>
-              <a:p>
-                <a:pPr lvl="0" indent="0" marL="0">
-                  <a:buNone/>
-                </a:pPr>
-                <a:r>
-                  <a:rPr/>
-                  <a:t>Quarto and R markdown allow creating reports that combine R code with the analysis output. R markdown, and quarto, is a “unified authoring framework for data science, combining your code, its results and your prose commentary”</a:t>
-                </a:r>
-                <a:r>
-                  <a:rPr baseline="30000">
-                    <a:hlinkClick r:id="rId2" action="ppaction://hlinksldjump"/>
-                  </a:rPr>
-                  <a:t>3</a:t>
-                </a:r>
-                <a:r>
-                  <a:rPr/>
-                  <a:t>.</a:t>
-                </a:r>
-              </a:p>
-            </p:txBody>
-          </p:sp>
-        </mc:Choice>
-      </mc:AlternateContent>
+      <p:sp>
+        <p:nvSpPr>
+          <p:cNvPr id="3" name="Content Placeholder 2">
+            <a:extLst>
+              <a:ext uri="{FF2B5EF4-FFF2-40B4-BE49-F238E27FC236}">
+                <a16:creationId xmlns:a16="http://schemas.microsoft.com/office/drawing/2014/main" id="{288BC91F-1C76-43AE-8B2A-956D48B768BE}"/>
+              </a:ext>
+            </a:extLst>
+          </p:cNvPr>
+          <p:cNvSpPr>
+            <a:spLocks noGrp="1"/>
+          </p:cNvSpPr>
+          <p:nvPr>
+            <p:ph idx="1"/>
+          </p:nvPr>
+        </p:nvSpPr>
+        <p:spPr/>
+        <p:txBody>
+          <a:bodyPr/>
+          <a:lstStyle/>
+          <a:p>
+            <a:pPr marL="0" lvl="0" indent="0">
+              <a:buNone/>
+            </a:pPr>
+            <a:r>
+              <a:t>As a researcher it is important that you can effectively </a:t>
+            </a:r>
+            <a:r>
+              <a:rPr b="1"/>
+              <a:t>communicate</a:t>
+            </a:r>
+            <a:r>
+              <a:t> your results.</a:t>
+            </a:r>
+          </a:p>
+          <a:p>
+            <a:pPr marL="0" lvl="0" indent="0">
+              <a:buNone/>
+            </a:pPr>
+            <a:r>
+              <a:t>Quarto and R markdown are open-source science and technical publishing systems, both relying on Pandoc (a universal document converter). Both are markdown languages.</a:t>
+            </a:r>
+          </a:p>
+          <a:p>
+            <a:pPr marL="0" lvl="0" indent="0">
+              <a:buNone/>
+            </a:pPr>
+            <a14:m xmlns:a14="http://schemas.microsoft.com/office/drawing/2010/main">
+              <m:oMathPara xmlns:m="http://schemas.openxmlformats.org/officeDocument/2006/math">
+                <m:oMathParaPr>
+                  <m:jc m:val="center"/>
+                </m:oMathParaPr>
+                <m:oMath xmlns:m="http://schemas.openxmlformats.org/officeDocument/2006/math">
+                  <m:r>
+                    <a:rPr>
+                      <a:latin typeface="Cambria Math" panose="02040503050406030204" pitchFamily="18" charset="0"/>
+                    </a:rPr>
+                    <m:t> </m:t>
+                  </m:r>
+                </m:oMath>
+              </m:oMathPara>
+            </a14:m>
+            <a:endParaRPr/>
+          </a:p>
+          <a:p>
+            <a:pPr marL="0" lvl="0" indent="0">
+              <a:buNone/>
+            </a:pPr>
+            <a:r>
+              <a:t>Quarto and R markdown allow creating reports that combine R code with the analysis output. R markdown, and quarto, is a “unified authoring framework for data science, combining your code, its results and your prose commentary”</a:t>
+            </a:r>
+            <a:r>
+              <a:rPr baseline="30000">
+                <a:hlinkClick r:id="rId2" action="ppaction://hlinksldjump"/>
+              </a:rPr>
+              <a:t>3</a:t>
+            </a:r>
+            <a:r>
+              <a:t>.</a:t>
+            </a:r>
+          </a:p>
+        </p:txBody>
+      </p:sp>
       <p:sp>
         <p:nvSpPr>
           <p:cNvPr id="6" name="Slide Number Placeholder 5">
@@ -3922,7 +3921,7 @@
             <a:spLocks noGrp="1"/>
           </p:cNvSpPr>
           <p:nvPr>
-            <p:ph idx="12" sz="quarter" type="sldNum"/>
+            <p:ph type="sldNum" sz="quarter" idx="12"/>
           </p:nvPr>
         </p:nvSpPr>
         <p:spPr/>
@@ -3932,7 +3931,7 @@
           <a:p>
             <a:fld id="{E1C5CB42-CF14-4293-8971-6DCD1AAE8BE7}" type="slidenum">
               <a:rPr lang="en-GB" smtClean="0"/>
-              <a:t>‹#›</a:t>
+              <a:t>13</a:t>
             </a:fld>
             <a:endParaRPr lang="en-GB"/>
           </a:p>
@@ -3940,6 +3939,9 @@
       </p:sp>
     </p:spTree>
   </p:cSld>
+  <p:clrMapOvr>
+    <a:masterClrMapping/>
+  </p:clrMapOvr>
 </p:sld>
 </file>
 
@@ -3981,98 +3983,92 @@
           <a:bodyPr/>
           <a:lstStyle/>
           <a:p>
-            <a:pPr lvl="0" indent="0" marL="0">
-              <a:buNone/>
-            </a:pPr>
-            <a:r>
-              <a:rPr/>
+            <a:pPr marL="0" lvl="0" indent="0">
+              <a:buNone/>
+            </a:pPr>
+            <a:r>
               <a:t>Quarto / R markdown</a:t>
             </a:r>
           </a:p>
         </p:txBody>
       </p:sp>
-      <mc:AlternateContent xmlns:mc="http://schemas.openxmlformats.org/markup-compatibility/2006">
-        <mc:Choice xmlns:a14="http://schemas.microsoft.com/office/drawing/2010/main" Requires="a14">
-          <p:sp>
-            <p:nvSpPr>
-              <p:cNvPr id="3" name="Content Placeholder 2">
-                <a:extLst>
-                  <a:ext uri="{FF2B5EF4-FFF2-40B4-BE49-F238E27FC236}">
-                    <a16:creationId xmlns:a16="http://schemas.microsoft.com/office/drawing/2014/main" id="{288BC91F-1C76-43AE-8B2A-956D48B768BE}"/>
-                  </a:ext>
-                </a:extLst>
-              </p:cNvPr>
-              <p:cNvSpPr>
-                <a:spLocks noGrp="1"/>
-              </p:cNvSpPr>
-              <p:nvPr>
-                <p:ph idx="1"/>
-              </p:nvPr>
-            </p:nvSpPr>
-            <p:spPr/>
-            <p:txBody>
-              <a:bodyPr/>
-              <a:lstStyle/>
-              <a:p>
-                <a:pPr lvl="0" indent="0" marL="0">
-                  <a:buNone/>
-                </a:pPr>
-                <a:r>
-                  <a:rPr/>
-                  <a:t>Quarto allows you to tell a story and share a report that transparently lists the code the generated your results. Markdown documents are fully reproducible (up to a point!) and support a number of output format: html, pdf, docx, pptx…</a:t>
-                </a:r>
-              </a:p>
-              <a:p>
-                <a:pPr lvl="0" indent="0" marL="0">
-                  <a:buNone/>
-                </a:pPr>
-                <a14:m>
-                  <m:oMathPara xmlns:m="http://schemas.openxmlformats.org/officeDocument/2006/math">
-                    <m:oMathParaPr>
-                      <m:jc m:val="center"/>
-                    </m:oMathParaPr>
-                    <m:oMath>
-                      <m:r>
-                        <m:t> </m:t>
-                      </m:r>
-                    </m:oMath>
-                  </m:oMathPara>
-                </a14:m>
-              </a:p>
-              <a:p>
-                <a:pPr lvl="0" indent="0" marL="0">
-                  <a:buNone/>
-                </a:pPr>
-                <a:r>
-                  <a:rPr/>
-                  <a:t>Quarto is meant to achieve 3 things:</a:t>
-                </a:r>
-              </a:p>
-              <a:p>
-                <a:pPr lvl="0"/>
-                <a:r>
-                  <a:rPr/>
-                  <a:t>Communicate with stakeholders.</a:t>
-                </a:r>
-              </a:p>
-              <a:p>
-                <a:pPr lvl="0"/>
-                <a:r>
-                  <a:rPr/>
-                  <a:t>Collaborate with other researchers.</a:t>
-                </a:r>
-              </a:p>
-              <a:p>
-                <a:pPr lvl="0"/>
-                <a:r>
-                  <a:rPr/>
-                  <a:t>A framework within which to do data science (like a modern-day lab notebook).</a:t>
-                </a:r>
-              </a:p>
-            </p:txBody>
-          </p:sp>
-        </mc:Choice>
-      </mc:AlternateContent>
+      <p:sp>
+        <p:nvSpPr>
+          <p:cNvPr id="3" name="Content Placeholder 2">
+            <a:extLst>
+              <a:ext uri="{FF2B5EF4-FFF2-40B4-BE49-F238E27FC236}">
+                <a16:creationId xmlns:a16="http://schemas.microsoft.com/office/drawing/2014/main" id="{288BC91F-1C76-43AE-8B2A-956D48B768BE}"/>
+              </a:ext>
+            </a:extLst>
+          </p:cNvPr>
+          <p:cNvSpPr>
+            <a:spLocks noGrp="1"/>
+          </p:cNvSpPr>
+          <p:nvPr>
+            <p:ph idx="1"/>
+          </p:nvPr>
+        </p:nvSpPr>
+        <p:spPr/>
+        <p:txBody>
+          <a:bodyPr/>
+          <a:lstStyle/>
+          <a:p>
+            <a:pPr marL="0" lvl="0" indent="0">
+              <a:buNone/>
+            </a:pPr>
+            <a:r>
+              <a:t>Quarto allows you to tell a story and share a report that transparently lists the code the generated your results. Markdown documents are fully reproducible (up to a point!) and support a number of output format: html, pdf, docx, pptx…</a:t>
+            </a:r>
+          </a:p>
+          <a:p>
+            <a:pPr marL="0" lvl="0" indent="0">
+              <a:buNone/>
+            </a:pPr>
+            <a14:m xmlns:a14="http://schemas.microsoft.com/office/drawing/2010/main">
+              <m:oMathPara xmlns:m="http://schemas.openxmlformats.org/officeDocument/2006/math">
+                <m:oMathParaPr>
+                  <m:jc m:val="center"/>
+                </m:oMathParaPr>
+                <m:oMath xmlns:m="http://schemas.openxmlformats.org/officeDocument/2006/math">
+                  <m:r>
+                    <a:rPr>
+                      <a:latin typeface="Cambria Math" panose="02040503050406030204" pitchFamily="18" charset="0"/>
+                    </a:rPr>
+                    <m:t> </m:t>
+                  </m:r>
+                </m:oMath>
+              </m:oMathPara>
+            </a14:m>
+            <a:endParaRPr/>
+          </a:p>
+          <a:p>
+            <a:pPr marL="0" lvl="0" indent="0">
+              <a:buNone/>
+            </a:pPr>
+            <a:r>
+              <a:t>Quarto is meant to achieve 3 things:</a:t>
+            </a:r>
+          </a:p>
+          <a:p>
+            <a:pPr lvl="0"/>
+            <a:r>
+              <a:t>Communicate with stakeholders.</a:t>
+            </a:r>
+          </a:p>
+          <a:p>
+            <a:pPr lvl="0"/>
+            <a:r>
+              <a:t>Collaborate with other researchers.</a:t>
+            </a:r>
+          </a:p>
+          <a:p>
+            <a:pPr lvl="0"/>
+            <a:r>
+              <a:t>A framework within which to do data science (like a modern-day lab notebook).</a:t>
+            </a:r>
+          </a:p>
+        </p:txBody>
+      </p:sp>
       <p:sp>
         <p:nvSpPr>
           <p:cNvPr id="6" name="Slide Number Placeholder 5">
@@ -4086,7 +4082,7 @@
             <a:spLocks noGrp="1"/>
           </p:cNvSpPr>
           <p:nvPr>
-            <p:ph idx="12" sz="quarter" type="sldNum"/>
+            <p:ph type="sldNum" sz="quarter" idx="12"/>
           </p:nvPr>
         </p:nvSpPr>
         <p:spPr/>
@@ -4096,7 +4092,7 @@
           <a:p>
             <a:fld id="{E1C5CB42-CF14-4293-8971-6DCD1AAE8BE7}" type="slidenum">
               <a:rPr lang="en-GB" smtClean="0"/>
-              <a:t>‹#›</a:t>
+              <a:t>14</a:t>
             </a:fld>
             <a:endParaRPr lang="en-GB"/>
           </a:p>
@@ -4104,6 +4100,9 @@
       </p:sp>
     </p:spTree>
   </p:cSld>
+  <p:clrMapOvr>
+    <a:masterClrMapping/>
+  </p:clrMapOvr>
 </p:sld>
 </file>
 
@@ -4145,11 +4144,10 @@
           <a:bodyPr/>
           <a:lstStyle/>
           <a:p>
-            <a:pPr lvl="0" indent="0" marL="0">
-              <a:buNone/>
-            </a:pPr>
-            <a:r>
-              <a:rPr/>
+            <a:pPr marL="0" lvl="0" indent="0">
+              <a:buNone/>
+            </a:pPr>
+            <a:r>
               <a:t>Quarto / R mardown</a:t>
             </a:r>
           </a:p>
@@ -4176,39 +4174,34 @@
           <a:bodyPr/>
           <a:lstStyle/>
           <a:p>
-            <a:pPr lvl="0" indent="0" marL="0">
-              <a:buNone/>
-            </a:pPr>
-            <a:r>
-              <a:rPr/>
+            <a:pPr marL="0" lvl="0" indent="0">
+              <a:buNone/>
+            </a:pPr>
+            <a:r>
               <a:t>Main differences between quarto and R markdown:</a:t>
             </a:r>
           </a:p>
           <a:p>
             <a:pPr lvl="0"/>
             <a:r>
-              <a:rPr/>
               <a:t>Quarto is newer and will probably supersede R markdown - so best to just learn quarto (but both are almost identical to use).</a:t>
             </a:r>
           </a:p>
           <a:p>
             <a:pPr lvl="0"/>
             <a:r>
-              <a:rPr/>
               <a:t>Quarto is independent of R and works with many other programming languages (python, Julia, …)</a:t>
             </a:r>
           </a:p>
           <a:p>
             <a:pPr lvl="0"/>
             <a:r>
-              <a:rPr/>
               <a:t>Slight differences in YAML header specification.</a:t>
             </a:r>
           </a:p>
           <a:p>
             <a:pPr lvl="0"/>
             <a:r>
-              <a:rPr/>
               <a:t>Slightly different layout &amp; style of final document.</a:t>
             </a:r>
           </a:p>
@@ -4227,7 +4220,7 @@
             <a:spLocks noGrp="1"/>
           </p:cNvSpPr>
           <p:nvPr>
-            <p:ph idx="12" sz="quarter" type="sldNum"/>
+            <p:ph type="sldNum" sz="quarter" idx="12"/>
           </p:nvPr>
         </p:nvSpPr>
         <p:spPr/>
@@ -4237,7 +4230,7 @@
           <a:p>
             <a:fld id="{E1C5CB42-CF14-4293-8971-6DCD1AAE8BE7}" type="slidenum">
               <a:rPr lang="en-GB" smtClean="0"/>
-              <a:t>‹#›</a:t>
+              <a:t>15</a:t>
             </a:fld>
             <a:endParaRPr lang="en-GB"/>
           </a:p>
@@ -4245,6 +4238,9 @@
       </p:sp>
     </p:spTree>
   </p:cSld>
+  <p:clrMapOvr>
+    <a:masterClrMapping/>
+  </p:clrMapOvr>
 </p:sld>
 </file>
 
@@ -4286,135 +4282,132 @@
           <a:bodyPr/>
           <a:lstStyle/>
           <a:p>
-            <a:pPr lvl="0" indent="0" marL="0">
-              <a:buNone/>
-            </a:pPr>
-            <a:r>
-              <a:rPr/>
+            <a:pPr marL="0" lvl="0" indent="0">
+              <a:buNone/>
+            </a:pPr>
+            <a:r>
               <a:t>Quarto / R markdown</a:t>
             </a:r>
           </a:p>
         </p:txBody>
       </p:sp>
-      <mc:AlternateContent xmlns:mc="http://schemas.openxmlformats.org/markup-compatibility/2006">
-        <mc:Choice xmlns:a14="http://schemas.microsoft.com/office/drawing/2010/main" Requires="a14">
-          <p:sp>
-            <p:nvSpPr>
-              <p:cNvPr id="3" name="Content Placeholder 2">
-                <a:extLst>
-                  <a:ext uri="{FF2B5EF4-FFF2-40B4-BE49-F238E27FC236}">
-                    <a16:creationId xmlns:a16="http://schemas.microsoft.com/office/drawing/2014/main" id="{7E89358A-6410-47DE-B7D5-0F708CD13DF5}"/>
-                  </a:ext>
-                </a:extLst>
-              </p:cNvPr>
-              <p:cNvSpPr>
-                <a:spLocks noGrp="1"/>
-              </p:cNvSpPr>
-              <p:nvPr>
-                <p:ph idx="1" sz="half"/>
-              </p:nvPr>
-            </p:nvSpPr>
-            <p:spPr/>
-            <p:txBody>
-              <a:bodyPr/>
-              <a:lstStyle/>
-              <a:p>
-                <a:pPr lvl="0" indent="0" marL="0">
-                  <a:buNone/>
-                </a:pPr>
-                <a:r>
-                  <a:rPr/>
-                  <a:t>There are 3 building blocks to a markdown document:</a:t>
-                </a:r>
-              </a:p>
-              <a:p>
-                <a:pPr lvl="0" indent="-457200" marL="457200">
-                  <a:buAutoNum type="arabicPeriod"/>
-                </a:pPr>
-                <a:r>
-                  <a:rPr/>
-                  <a:t>A YAML header.</a:t>
-                </a:r>
-              </a:p>
-              <a:p>
-                <a:pPr lvl="0" indent="0" marL="0">
-                  <a:buNone/>
-                </a:pPr>
-                <a14:m>
-                  <m:oMathPara xmlns:m="http://schemas.openxmlformats.org/officeDocument/2006/math">
-                    <m:oMathParaPr>
-                      <m:jc m:val="center"/>
-                    </m:oMathParaPr>
-                    <m:oMath>
-                      <m:r>
-                        <m:t> </m:t>
-                      </m:r>
-                    </m:oMath>
-                  </m:oMathPara>
-                </a14:m>
-              </a:p>
-              <a:p>
-                <a:pPr lvl="0" indent="-457200" marL="457200">
-                  <a:buAutoNum startAt="2" type="arabicPeriod"/>
-                </a:pPr>
-                <a:r>
-                  <a:rPr/>
-                  <a:t>Chunks of R code (if you want to strip out all chunks of R code within a markdown document to write a pure R script, you can use the </a:t>
-                </a:r>
-                <a:r>
-                  <a:rPr>
-                    <a:latin typeface="Courier"/>
-                  </a:rPr>
-                  <a:t>purl()</a:t>
-                </a:r>
-                <a:r>
-                  <a:rPr/>
-                  <a:t> function from the </a:t>
-                </a:r>
-                <a:r>
-                  <a:rPr>
-                    <a:latin typeface="Courier"/>
-                  </a:rPr>
-                  <a:t>knitr</a:t>
-                </a:r>
-                <a:r>
-                  <a:rPr/>
-                  <a:t> package).</a:t>
-                </a:r>
-              </a:p>
-              <a:p>
-                <a:pPr lvl="0" indent="0" marL="0">
-                  <a:buNone/>
-                </a:pPr>
-                <a14:m>
-                  <m:oMathPara xmlns:m="http://schemas.openxmlformats.org/officeDocument/2006/math">
-                    <m:oMathParaPr>
-                      <m:jc m:val="center"/>
-                    </m:oMathParaPr>
-                    <m:oMath>
-                      <m:r>
-                        <m:t> </m:t>
-                      </m:r>
-                    </m:oMath>
-                  </m:oMathPara>
-                </a14:m>
-              </a:p>
-              <a:p>
-                <a:pPr lvl="0" indent="-457200" marL="457200">
-                  <a:buAutoNum startAt="3" type="arabicPeriod"/>
-                </a:pPr>
-                <a:r>
-                  <a:rPr/>
-                  <a:t>Narrative, formatted text.</a:t>
-                </a:r>
-              </a:p>
-            </p:txBody>
-          </p:sp>
-        </mc:Choice>
-      </mc:AlternateContent>
+      <p:sp>
+        <p:nvSpPr>
+          <p:cNvPr id="3" name="Content Placeholder 2">
+            <a:extLst>
+              <a:ext uri="{FF2B5EF4-FFF2-40B4-BE49-F238E27FC236}">
+                <a16:creationId xmlns:a16="http://schemas.microsoft.com/office/drawing/2014/main" id="{7E89358A-6410-47DE-B7D5-0F708CD13DF5}"/>
+              </a:ext>
+            </a:extLst>
+          </p:cNvPr>
+          <p:cNvSpPr>
+            <a:spLocks noGrp="1"/>
+          </p:cNvSpPr>
+          <p:nvPr>
+            <p:ph sz="half" idx="1"/>
+          </p:nvPr>
+        </p:nvSpPr>
+        <p:spPr/>
+        <p:txBody>
+          <a:bodyPr/>
+          <a:lstStyle/>
+          <a:p>
+            <a:pPr marL="0" lvl="0" indent="0">
+              <a:buNone/>
+            </a:pPr>
+            <a:r>
+              <a:t>There are 3 building blocks to a markdown document:</a:t>
+            </a:r>
+          </a:p>
+          <a:p>
+            <a:pPr marL="457200" lvl="0" indent="-457200">
+              <a:buAutoNum type="arabicPeriod"/>
+            </a:pPr>
+            <a:r>
+              <a:t>A YAML header.</a:t>
+            </a:r>
+          </a:p>
+          <a:p>
+            <a:pPr marL="0" lvl="0" indent="0">
+              <a:buNone/>
+            </a:pPr>
+            <a14:m xmlns:a14="http://schemas.microsoft.com/office/drawing/2010/main">
+              <m:oMathPara xmlns:m="http://schemas.openxmlformats.org/officeDocument/2006/math">
+                <m:oMathParaPr>
+                  <m:jc m:val="center"/>
+                </m:oMathParaPr>
+                <m:oMath xmlns:m="http://schemas.openxmlformats.org/officeDocument/2006/math">
+                  <m:r>
+                    <a:rPr>
+                      <a:latin typeface="Cambria Math" panose="02040503050406030204" pitchFamily="18" charset="0"/>
+                    </a:rPr>
+                    <m:t> </m:t>
+                  </m:r>
+                </m:oMath>
+              </m:oMathPara>
+            </a14:m>
+            <a:endParaRPr/>
+          </a:p>
+          <a:p>
+            <a:pPr marL="457200" lvl="0" indent="-457200">
+              <a:buAutoNum type="arabicPeriod" startAt="2"/>
+            </a:pPr>
+            <a:r>
+              <a:t>Chunks of R code (if you want to strip out all chunks of R code within a markdown document to write a pure R script, you can use the </a:t>
+            </a:r>
+            <a:r>
+              <a:rPr>
+                <a:latin typeface="Courier"/>
+              </a:rPr>
+              <a:t>purl()</a:t>
+            </a:r>
+            <a:r>
+              <a:t> function from the </a:t>
+            </a:r>
+            <a:r>
+              <a:rPr>
+                <a:latin typeface="Courier"/>
+              </a:rPr>
+              <a:t>knitr</a:t>
+            </a:r>
+            <a:r>
+              <a:t> package).</a:t>
+            </a:r>
+          </a:p>
+          <a:p>
+            <a:pPr marL="0" lvl="0" indent="0">
+              <a:buNone/>
+            </a:pPr>
+            <a14:m xmlns:a14="http://schemas.microsoft.com/office/drawing/2010/main">
+              <m:oMathPara xmlns:m="http://schemas.openxmlformats.org/officeDocument/2006/math">
+                <m:oMathParaPr>
+                  <m:jc m:val="center"/>
+                </m:oMathParaPr>
+                <m:oMath xmlns:m="http://schemas.openxmlformats.org/officeDocument/2006/math">
+                  <m:r>
+                    <a:rPr>
+                      <a:latin typeface="Cambria Math" panose="02040503050406030204" pitchFamily="18" charset="0"/>
+                    </a:rPr>
+                    <m:t> </m:t>
+                  </m:r>
+                </m:oMath>
+              </m:oMathPara>
+            </a14:m>
+            <a:endParaRPr/>
+          </a:p>
+          <a:p>
+            <a:pPr marL="457200" lvl="0" indent="-457200">
+              <a:buAutoNum type="arabicPeriod" startAt="3"/>
+            </a:pPr>
+            <a:r>
+              <a:t>Narrative, formatted text.</a:t>
+            </a:r>
+          </a:p>
+        </p:txBody>
+      </p:sp>
       <p:pic>
         <p:nvPicPr>
-          <p:cNvPr descr="dataAndSupportDocs/yaml_chunk_text.png" id="0" name="Picture 1"/>
+          <p:cNvPr id="4" name="Picture 1" descr="dataAndSupportDocs/yaml_chunk_text.png"/>
           <p:cNvPicPr>
             <a:picLocks noGrp="1" noChangeAspect="1"/>
           </p:cNvPicPr>
@@ -4455,7 +4448,7 @@
             <a:spLocks noGrp="1"/>
           </p:cNvSpPr>
           <p:nvPr>
-            <p:ph idx="12" sz="quarter" type="sldNum"/>
+            <p:ph type="sldNum" sz="quarter" idx="12"/>
           </p:nvPr>
         </p:nvSpPr>
         <p:spPr/>
@@ -4465,7 +4458,7 @@
           <a:p>
             <a:fld id="{E1C5CB42-CF14-4293-8971-6DCD1AAE8BE7}" type="slidenum">
               <a:rPr lang="en-GB" smtClean="0"/>
-              <a:t>‹#›</a:t>
+              <a:t>16</a:t>
             </a:fld>
             <a:endParaRPr lang="en-GB"/>
           </a:p>
@@ -4473,6 +4466,9 @@
       </p:sp>
     </p:spTree>
   </p:cSld>
+  <p:clrMapOvr>
+    <a:masterClrMapping/>
+  </p:clrMapOvr>
 </p:sld>
 </file>
 
@@ -4514,12 +4510,2794 @@
           <a:bodyPr/>
           <a:lstStyle/>
           <a:p>
-            <a:pPr lvl="0" indent="0" marL="0">
-              <a:buNone/>
-            </a:pPr>
-            <a:r>
-              <a:rPr/>
+            <a:pPr marL="0" lvl="0" indent="0">
+              <a:buNone/>
+            </a:pPr>
+            <a:r>
               <a:t>Quarto / R markdown</a:t>
+            </a:r>
+          </a:p>
+        </p:txBody>
+      </p:sp>
+      <p:sp>
+        <p:nvSpPr>
+          <p:cNvPr id="3" name="Content Placeholder 2">
+            <a:extLst>
+              <a:ext uri="{FF2B5EF4-FFF2-40B4-BE49-F238E27FC236}">
+                <a16:creationId xmlns:a16="http://schemas.microsoft.com/office/drawing/2014/main" id="{288BC91F-1C76-43AE-8B2A-956D48B768BE}"/>
+              </a:ext>
+            </a:extLst>
+          </p:cNvPr>
+          <p:cNvSpPr>
+            <a:spLocks noGrp="1"/>
+          </p:cNvSpPr>
+          <p:nvPr>
+            <p:ph idx="1"/>
+          </p:nvPr>
+        </p:nvSpPr>
+        <p:spPr/>
+        <p:txBody>
+          <a:bodyPr/>
+          <a:lstStyle/>
+          <a:p>
+            <a:pPr marL="0" lvl="0" indent="0">
+              <a:buNone/>
+            </a:pPr>
+            <a14:m xmlns:a14="http://schemas.microsoft.com/office/drawing/2010/main">
+              <m:oMathPara xmlns:m="http://schemas.openxmlformats.org/officeDocument/2006/math">
+                <m:oMathParaPr>
+                  <m:jc m:val="center"/>
+                </m:oMathParaPr>
+                <m:oMath xmlns:m="http://schemas.openxmlformats.org/officeDocument/2006/math">
+                  <m:r>
+                    <a:rPr>
+                      <a:latin typeface="Cambria Math" panose="02040503050406030204" pitchFamily="18" charset="0"/>
+                    </a:rPr>
+                    <m:t> </m:t>
+                  </m:r>
+                </m:oMath>
+              </m:oMathPara>
+            </a14:m>
+            <a:endParaRPr/>
+          </a:p>
+          <a:p>
+            <a:pPr marL="0" lvl="0" indent="0">
+              <a:buNone/>
+            </a:pPr>
+            <a:r>
+              <a:rPr b="1"/>
+              <a:t>Exercise</a:t>
+            </a:r>
+          </a:p>
+          <a:p>
+            <a:pPr marL="0" lvl="0" indent="0">
+              <a:buNone/>
+            </a:pPr>
+            <a14:m xmlns:a14="http://schemas.microsoft.com/office/drawing/2010/main">
+              <m:oMathPara xmlns:m="http://schemas.openxmlformats.org/officeDocument/2006/math">
+                <m:oMathParaPr>
+                  <m:jc m:val="center"/>
+                </m:oMathParaPr>
+                <m:oMath xmlns:m="http://schemas.openxmlformats.org/officeDocument/2006/math">
+                  <m:r>
+                    <a:rPr>
+                      <a:latin typeface="Cambria Math" panose="02040503050406030204" pitchFamily="18" charset="0"/>
+                    </a:rPr>
+                    <m:t> </m:t>
+                  </m:r>
+                </m:oMath>
+              </m:oMathPara>
+            </a14:m>
+            <a:endParaRPr b="1"/>
+          </a:p>
+          <a:p>
+            <a:pPr marL="457200" lvl="0" indent="-457200">
+              <a:buAutoNum type="arabicPeriod"/>
+            </a:pPr>
+            <a:r>
+              <a:t>Simulate a dataset and save it as a binary R data file (*.rda or *.RData).</a:t>
+            </a:r>
+          </a:p>
+          <a:p>
+            <a:pPr marL="457200" lvl="0" indent="-457200">
+              <a:buAutoNum type="arabicPeriod"/>
+            </a:pPr>
+            <a:r>
+              <a:t>(In RStudio): File –&gt; New File –&gt; Quarto document… –&gt; (select type of output; choose html; untick the ‘use visual markdown editor’ box), then click on ‘Render’ in the script editor panel.</a:t>
+            </a:r>
+          </a:p>
+          <a:p>
+            <a:pPr marL="457200" lvl="0" indent="-457200">
+              <a:buAutoNum type="arabicPeriod"/>
+            </a:pPr>
+            <a:r>
+              <a:t>Write a new quarto document which:</a:t>
+            </a:r>
+          </a:p>
+          <a:p>
+            <a:pPr lvl="0"/>
+            <a:r>
+              <a:t>Loads the simulated data.</a:t>
+            </a:r>
+          </a:p>
+          <a:p>
+            <a:pPr lvl="0"/>
+            <a:r>
+              <a:t>Performs a basic analysis and produces a table with results.</a:t>
+            </a:r>
+          </a:p>
+          <a:p>
+            <a:pPr lvl="0"/>
+            <a:r>
+              <a:t>Displays a graph.</a:t>
+            </a:r>
+          </a:p>
+          <a:p>
+            <a:pPr marL="0" lvl="0" indent="0">
+              <a:buNone/>
+            </a:pPr>
+            <a:r>
+              <a:t>Make sure to use quarto’s capability of providing a </a:t>
+            </a:r>
+            <a:r>
+              <a:rPr i="1"/>
+              <a:t>commentary</a:t>
+            </a:r>
+            <a:r>
+              <a:t> along with your analysis.</a:t>
+            </a:r>
+          </a:p>
+        </p:txBody>
+      </p:sp>
+      <p:sp>
+        <p:nvSpPr>
+          <p:cNvPr id="6" name="Slide Number Placeholder 5">
+            <a:extLst>
+              <a:ext uri="{FF2B5EF4-FFF2-40B4-BE49-F238E27FC236}">
+                <a16:creationId xmlns:a16="http://schemas.microsoft.com/office/drawing/2014/main" id="{C03F998A-2A5E-471F-9FEB-2559B0A7F93D}"/>
+              </a:ext>
+            </a:extLst>
+          </p:cNvPr>
+          <p:cNvSpPr>
+            <a:spLocks noGrp="1"/>
+          </p:cNvSpPr>
+          <p:nvPr>
+            <p:ph type="sldNum" sz="quarter" idx="12"/>
+          </p:nvPr>
+        </p:nvSpPr>
+        <p:spPr/>
+        <p:txBody>
+          <a:bodyPr/>
+          <a:lstStyle/>
+          <a:p>
+            <a:fld id="{E1C5CB42-CF14-4293-8971-6DCD1AAE8BE7}" type="slidenum">
+              <a:rPr lang="en-GB" smtClean="0"/>
+              <a:t>17</a:t>
+            </a:fld>
+            <a:endParaRPr lang="en-GB"/>
+          </a:p>
+        </p:txBody>
+      </p:sp>
+    </p:spTree>
+  </p:cSld>
+  <p:clrMapOvr>
+    <a:masterClrMapping/>
+  </p:clrMapOvr>
+</p:sld>
+</file>
+
+<file path=ppt/slides/slide18.xml><?xml version="1.0" encoding="utf-8"?>
+<p:sld xmlns:a="http://schemas.openxmlformats.org/drawingml/2006/main" xmlns:r="http://schemas.openxmlformats.org/officeDocument/2006/relationships" xmlns:p="http://schemas.openxmlformats.org/presentationml/2006/main">
+  <p:cSld>
+    <p:spTree>
+      <p:nvGrpSpPr>
+        <p:cNvPr id="1" name=""/>
+        <p:cNvGrpSpPr/>
+        <p:nvPr/>
+      </p:nvGrpSpPr>
+      <p:grpSpPr>
+        <a:xfrm>
+          <a:off x="0" y="0"/>
+          <a:ext cx="0" cy="0"/>
+          <a:chOff x="0" y="0"/>
+          <a:chExt cx="0" cy="0"/>
+        </a:xfrm>
+      </p:grpSpPr>
+      <p:sp>
+        <p:nvSpPr>
+          <p:cNvPr id="2" name="Title 1">
+            <a:extLst>
+              <a:ext uri="{FF2B5EF4-FFF2-40B4-BE49-F238E27FC236}">
+                <a16:creationId xmlns:a16="http://schemas.microsoft.com/office/drawing/2014/main" id="{D6AA89D5-560C-4369-A313-7C24EDF028A0}"/>
+              </a:ext>
+            </a:extLst>
+          </p:cNvPr>
+          <p:cNvSpPr>
+            <a:spLocks noGrp="1"/>
+          </p:cNvSpPr>
+          <p:nvPr>
+            <p:ph type="title"/>
+          </p:nvPr>
+        </p:nvSpPr>
+        <p:spPr/>
+        <p:txBody>
+          <a:bodyPr/>
+          <a:lstStyle/>
+          <a:p>
+            <a:pPr marL="0" lvl="0" indent="0">
+              <a:buNone/>
+            </a:pPr>
+            <a:r>
+              <a:t>Quarto / R markdown</a:t>
+            </a:r>
+          </a:p>
+        </p:txBody>
+      </p:sp>
+      <p:sp>
+        <p:nvSpPr>
+          <p:cNvPr id="3" name="Content Placeholder 2">
+            <a:extLst>
+              <a:ext uri="{FF2B5EF4-FFF2-40B4-BE49-F238E27FC236}">
+                <a16:creationId xmlns:a16="http://schemas.microsoft.com/office/drawing/2014/main" id="{288BC91F-1C76-43AE-8B2A-956D48B768BE}"/>
+              </a:ext>
+            </a:extLst>
+          </p:cNvPr>
+          <p:cNvSpPr>
+            <a:spLocks noGrp="1"/>
+          </p:cNvSpPr>
+          <p:nvPr>
+            <p:ph idx="1"/>
+          </p:nvPr>
+        </p:nvSpPr>
+        <p:spPr/>
+        <p:txBody>
+          <a:bodyPr/>
+          <a:lstStyle/>
+          <a:p>
+            <a:pPr marL="0" lvl="0" indent="0">
+              <a:buNone/>
+            </a:pPr>
+            <a:r>
+              <a:t>Simulated data (as an example):</a:t>
+            </a:r>
+          </a:p>
+          <a:p>
+            <a:pPr lvl="0" indent="0">
+              <a:buNone/>
+            </a:pPr>
+            <a:r>
+              <a:rPr>
+                <a:solidFill>
+                  <a:srgbClr val="003B4F"/>
+                </a:solidFill>
+                <a:latin typeface="Courier"/>
+              </a:rPr>
+              <a:t>dat&lt;-</a:t>
+            </a:r>
+            <a:r>
+              <a:rPr>
+                <a:solidFill>
+                  <a:srgbClr val="4758AB"/>
+                </a:solidFill>
+                <a:latin typeface="Courier"/>
+              </a:rPr>
+              <a:t>data.frame</a:t>
+            </a:r>
+            <a:r>
+              <a:rPr>
+                <a:solidFill>
+                  <a:srgbClr val="003B4F"/>
+                </a:solidFill>
+                <a:latin typeface="Courier"/>
+              </a:rPr>
+              <a:t>(</a:t>
+            </a:r>
+            <a:br/>
+            <a:r>
+              <a:rPr>
+                <a:solidFill>
+                  <a:srgbClr val="003B4F"/>
+                </a:solidFill>
+                <a:latin typeface="Courier"/>
+              </a:rPr>
+              <a:t>  </a:t>
+            </a:r>
+            <a:r>
+              <a:rPr>
+                <a:solidFill>
+                  <a:srgbClr val="657422"/>
+                </a:solidFill>
+                <a:latin typeface="Courier"/>
+              </a:rPr>
+              <a:t>type=</a:t>
+            </a:r>
+            <a:r>
+              <a:rPr>
+                <a:solidFill>
+                  <a:srgbClr val="4758AB"/>
+                </a:solidFill>
+                <a:latin typeface="Courier"/>
+              </a:rPr>
+              <a:t>sample</a:t>
+            </a:r>
+            <a:r>
+              <a:rPr>
+                <a:solidFill>
+                  <a:srgbClr val="003B4F"/>
+                </a:solidFill>
+                <a:latin typeface="Courier"/>
+              </a:rPr>
+              <a:t>(</a:t>
+            </a:r>
+            <a:r>
+              <a:rPr>
+                <a:solidFill>
+                  <a:srgbClr val="4758AB"/>
+                </a:solidFill>
+                <a:latin typeface="Courier"/>
+              </a:rPr>
+              <a:t>c</a:t>
+            </a:r>
+            <a:r>
+              <a:rPr>
+                <a:solidFill>
+                  <a:srgbClr val="003B4F"/>
+                </a:solidFill>
+                <a:latin typeface="Courier"/>
+              </a:rPr>
+              <a:t>(</a:t>
+            </a:r>
+            <a:r>
+              <a:rPr>
+                <a:solidFill>
+                  <a:srgbClr val="20794D"/>
+                </a:solidFill>
+                <a:latin typeface="Courier"/>
+              </a:rPr>
+              <a:t>"A"</a:t>
+            </a:r>
+            <a:r>
+              <a:rPr>
+                <a:solidFill>
+                  <a:srgbClr val="003B4F"/>
+                </a:solidFill>
+                <a:latin typeface="Courier"/>
+              </a:rPr>
+              <a:t>,</a:t>
+            </a:r>
+            <a:r>
+              <a:rPr>
+                <a:solidFill>
+                  <a:srgbClr val="20794D"/>
+                </a:solidFill>
+                <a:latin typeface="Courier"/>
+              </a:rPr>
+              <a:t>"B"</a:t>
+            </a:r>
+            <a:r>
+              <a:rPr>
+                <a:solidFill>
+                  <a:srgbClr val="003B4F"/>
+                </a:solidFill>
+                <a:latin typeface="Courier"/>
+              </a:rPr>
+              <a:t>),</a:t>
+            </a:r>
+            <a:r>
+              <a:rPr>
+                <a:solidFill>
+                  <a:srgbClr val="657422"/>
+                </a:solidFill>
+                <a:latin typeface="Courier"/>
+              </a:rPr>
+              <a:t>size=</a:t>
+            </a:r>
+            <a:r>
+              <a:rPr>
+                <a:solidFill>
+                  <a:srgbClr val="AD0000"/>
+                </a:solidFill>
+                <a:latin typeface="Courier"/>
+              </a:rPr>
+              <a:t>100</a:t>
+            </a:r>
+            <a:r>
+              <a:rPr>
+                <a:solidFill>
+                  <a:srgbClr val="003B4F"/>
+                </a:solidFill>
+                <a:latin typeface="Courier"/>
+              </a:rPr>
+              <a:t>,</a:t>
+            </a:r>
+            <a:r>
+              <a:rPr>
+                <a:solidFill>
+                  <a:srgbClr val="657422"/>
+                </a:solidFill>
+                <a:latin typeface="Courier"/>
+              </a:rPr>
+              <a:t>prob=</a:t>
+            </a:r>
+            <a:r>
+              <a:rPr>
+                <a:solidFill>
+                  <a:srgbClr val="4758AB"/>
+                </a:solidFill>
+                <a:latin typeface="Courier"/>
+              </a:rPr>
+              <a:t>c</a:t>
+            </a:r>
+            <a:r>
+              <a:rPr>
+                <a:solidFill>
+                  <a:srgbClr val="003B4F"/>
+                </a:solidFill>
+                <a:latin typeface="Courier"/>
+              </a:rPr>
+              <a:t>(</a:t>
+            </a:r>
+            <a:r>
+              <a:rPr>
+                <a:solidFill>
+                  <a:srgbClr val="AD0000"/>
+                </a:solidFill>
+                <a:latin typeface="Courier"/>
+              </a:rPr>
+              <a:t>0.6</a:t>
+            </a:r>
+            <a:r>
+              <a:rPr>
+                <a:solidFill>
+                  <a:srgbClr val="003B4F"/>
+                </a:solidFill>
+                <a:latin typeface="Courier"/>
+              </a:rPr>
+              <a:t>,</a:t>
+            </a:r>
+            <a:r>
+              <a:rPr>
+                <a:solidFill>
+                  <a:srgbClr val="AD0000"/>
+                </a:solidFill>
+                <a:latin typeface="Courier"/>
+              </a:rPr>
+              <a:t>0.4</a:t>
+            </a:r>
+            <a:r>
+              <a:rPr>
+                <a:solidFill>
+                  <a:srgbClr val="003B4F"/>
+                </a:solidFill>
+                <a:latin typeface="Courier"/>
+              </a:rPr>
+              <a:t>),</a:t>
+            </a:r>
+            <a:r>
+              <a:rPr>
+                <a:solidFill>
+                  <a:srgbClr val="657422"/>
+                </a:solidFill>
+                <a:latin typeface="Courier"/>
+              </a:rPr>
+              <a:t>replace=</a:t>
+            </a:r>
+            <a:r>
+              <a:rPr>
+                <a:solidFill>
+                  <a:srgbClr val="003B4F"/>
+                </a:solidFill>
+                <a:latin typeface="Courier"/>
+              </a:rPr>
+              <a:t>T),</a:t>
+            </a:r>
+            <a:br/>
+            <a:r>
+              <a:rPr>
+                <a:solidFill>
+                  <a:srgbClr val="003B4F"/>
+                </a:solidFill>
+                <a:latin typeface="Courier"/>
+              </a:rPr>
+              <a:t>  </a:t>
+            </a:r>
+            <a:r>
+              <a:rPr>
+                <a:solidFill>
+                  <a:srgbClr val="657422"/>
+                </a:solidFill>
+                <a:latin typeface="Courier"/>
+              </a:rPr>
+              <a:t>x=</a:t>
+            </a:r>
+            <a:r>
+              <a:rPr>
+                <a:solidFill>
+                  <a:srgbClr val="4758AB"/>
+                </a:solidFill>
+                <a:latin typeface="Courier"/>
+              </a:rPr>
+              <a:t>rnorm</a:t>
+            </a:r>
+            <a:r>
+              <a:rPr>
+                <a:solidFill>
+                  <a:srgbClr val="003B4F"/>
+                </a:solidFill>
+                <a:latin typeface="Courier"/>
+              </a:rPr>
+              <a:t>(</a:t>
+            </a:r>
+            <a:r>
+              <a:rPr>
+                <a:solidFill>
+                  <a:srgbClr val="AD0000"/>
+                </a:solidFill>
+                <a:latin typeface="Courier"/>
+              </a:rPr>
+              <a:t>100</a:t>
+            </a:r>
+            <a:r>
+              <a:rPr>
+                <a:solidFill>
+                  <a:srgbClr val="003B4F"/>
+                </a:solidFill>
+                <a:latin typeface="Courier"/>
+              </a:rPr>
+              <a:t>,</a:t>
+            </a:r>
+            <a:r>
+              <a:rPr>
+                <a:solidFill>
+                  <a:srgbClr val="657422"/>
+                </a:solidFill>
+                <a:latin typeface="Courier"/>
+              </a:rPr>
+              <a:t>sd=</a:t>
+            </a:r>
+            <a:r>
+              <a:rPr>
+                <a:solidFill>
+                  <a:srgbClr val="AD0000"/>
+                </a:solidFill>
+                <a:latin typeface="Courier"/>
+              </a:rPr>
+              <a:t>5</a:t>
+            </a:r>
+            <a:r>
+              <a:rPr>
+                <a:solidFill>
+                  <a:srgbClr val="003B4F"/>
+                </a:solidFill>
+                <a:latin typeface="Courier"/>
+              </a:rPr>
+              <a:t>),</a:t>
+            </a:r>
+            <a:br/>
+            <a:r>
+              <a:rPr>
+                <a:solidFill>
+                  <a:srgbClr val="003B4F"/>
+                </a:solidFill>
+                <a:latin typeface="Courier"/>
+              </a:rPr>
+              <a:t>  </a:t>
+            </a:r>
+            <a:r>
+              <a:rPr>
+                <a:solidFill>
+                  <a:srgbClr val="657422"/>
+                </a:solidFill>
+                <a:latin typeface="Courier"/>
+              </a:rPr>
+              <a:t>y=</a:t>
+            </a:r>
+            <a:r>
+              <a:rPr>
+                <a:solidFill>
+                  <a:srgbClr val="4758AB"/>
+                </a:solidFill>
+                <a:latin typeface="Courier"/>
+              </a:rPr>
+              <a:t>rexp</a:t>
+            </a:r>
+            <a:r>
+              <a:rPr>
+                <a:solidFill>
+                  <a:srgbClr val="003B4F"/>
+                </a:solidFill>
+                <a:latin typeface="Courier"/>
+              </a:rPr>
+              <a:t>(</a:t>
+            </a:r>
+            <a:r>
+              <a:rPr>
+                <a:solidFill>
+                  <a:srgbClr val="AD0000"/>
+                </a:solidFill>
+                <a:latin typeface="Courier"/>
+              </a:rPr>
+              <a:t>100</a:t>
+            </a:r>
+            <a:r>
+              <a:rPr>
+                <a:solidFill>
+                  <a:srgbClr val="003B4F"/>
+                </a:solidFill>
+                <a:latin typeface="Courier"/>
+              </a:rPr>
+              <a:t>)</a:t>
+            </a:r>
+            <a:br/>
+            <a:r>
+              <a:rPr>
+                <a:solidFill>
+                  <a:srgbClr val="003B4F"/>
+                </a:solidFill>
+                <a:latin typeface="Courier"/>
+              </a:rPr>
+              <a:t>) </a:t>
+            </a:r>
+            <a:r>
+              <a:rPr>
+                <a:solidFill>
+                  <a:srgbClr val="5E5E5E"/>
+                </a:solidFill>
+                <a:latin typeface="Courier"/>
+              </a:rPr>
+              <a:t>%&gt;%</a:t>
+            </a:r>
+            <a:br/>
+            <a:r>
+              <a:rPr>
+                <a:solidFill>
+                  <a:srgbClr val="003B4F"/>
+                </a:solidFill>
+                <a:latin typeface="Courier"/>
+              </a:rPr>
+              <a:t>  dplyr</a:t>
+            </a:r>
+            <a:r>
+              <a:rPr>
+                <a:solidFill>
+                  <a:srgbClr val="5E5E5E"/>
+                </a:solidFill>
+                <a:latin typeface="Courier"/>
+              </a:rPr>
+              <a:t>::</a:t>
+            </a:r>
+            <a:r>
+              <a:rPr>
+                <a:solidFill>
+                  <a:srgbClr val="4758AB"/>
+                </a:solidFill>
+                <a:latin typeface="Courier"/>
+              </a:rPr>
+              <a:t>mutate</a:t>
+            </a:r>
+            <a:r>
+              <a:rPr>
+                <a:solidFill>
+                  <a:srgbClr val="003B4F"/>
+                </a:solidFill>
+                <a:latin typeface="Courier"/>
+              </a:rPr>
+              <a:t>(</a:t>
+            </a:r>
+            <a:br/>
+            <a:r>
+              <a:rPr>
+                <a:solidFill>
+                  <a:srgbClr val="003B4F"/>
+                </a:solidFill>
+                <a:latin typeface="Courier"/>
+              </a:rPr>
+              <a:t>    </a:t>
+            </a:r>
+            <a:r>
+              <a:rPr>
+                <a:solidFill>
+                  <a:srgbClr val="657422"/>
+                </a:solidFill>
+                <a:latin typeface="Courier"/>
+              </a:rPr>
+              <a:t>z=</a:t>
+            </a:r>
+            <a:r>
+              <a:rPr>
+                <a:solidFill>
+                  <a:srgbClr val="4758AB"/>
+                </a:solidFill>
+                <a:latin typeface="Courier"/>
+              </a:rPr>
+              <a:t>ifelse</a:t>
+            </a:r>
+            <a:r>
+              <a:rPr>
+                <a:solidFill>
+                  <a:srgbClr val="003B4F"/>
+                </a:solidFill>
+                <a:latin typeface="Courier"/>
+              </a:rPr>
+              <a:t>(type</a:t>
+            </a:r>
+            <a:r>
+              <a:rPr>
+                <a:solidFill>
+                  <a:srgbClr val="5E5E5E"/>
+                </a:solidFill>
+                <a:latin typeface="Courier"/>
+              </a:rPr>
+              <a:t>==</a:t>
+            </a:r>
+            <a:r>
+              <a:rPr>
+                <a:solidFill>
+                  <a:srgbClr val="20794D"/>
+                </a:solidFill>
+                <a:latin typeface="Courier"/>
+              </a:rPr>
+              <a:t>"A"</a:t>
+            </a:r>
+            <a:r>
+              <a:rPr>
+                <a:solidFill>
+                  <a:srgbClr val="003B4F"/>
+                </a:solidFill>
+                <a:latin typeface="Courier"/>
+              </a:rPr>
+              <a:t>, </a:t>
+            </a:r>
+            <a:r>
+              <a:rPr>
+                <a:solidFill>
+                  <a:srgbClr val="AD0000"/>
+                </a:solidFill>
+                <a:latin typeface="Courier"/>
+              </a:rPr>
+              <a:t>2</a:t>
+            </a:r>
+            <a:r>
+              <a:rPr>
+                <a:solidFill>
+                  <a:srgbClr val="5E5E5E"/>
+                </a:solidFill>
+                <a:latin typeface="Courier"/>
+              </a:rPr>
+              <a:t>*</a:t>
+            </a:r>
+            <a:r>
+              <a:rPr>
+                <a:solidFill>
+                  <a:srgbClr val="003B4F"/>
+                </a:solidFill>
+                <a:latin typeface="Courier"/>
+              </a:rPr>
+              <a:t>x</a:t>
+            </a:r>
+            <a:r>
+              <a:rPr>
+                <a:solidFill>
+                  <a:srgbClr val="5E5E5E"/>
+                </a:solidFill>
+                <a:latin typeface="Courier"/>
+              </a:rPr>
+              <a:t>-</a:t>
+            </a:r>
+            <a:r>
+              <a:rPr>
+                <a:solidFill>
+                  <a:srgbClr val="003B4F"/>
+                </a:solidFill>
+                <a:latin typeface="Courier"/>
+              </a:rPr>
+              <a:t>y</a:t>
+            </a:r>
+            <a:r>
+              <a:rPr>
+                <a:solidFill>
+                  <a:srgbClr val="5E5E5E"/>
+                </a:solidFill>
+                <a:latin typeface="Courier"/>
+              </a:rPr>
+              <a:t>+</a:t>
+            </a:r>
+            <a:r>
+              <a:rPr>
+                <a:solidFill>
+                  <a:srgbClr val="AD0000"/>
+                </a:solidFill>
+                <a:latin typeface="Courier"/>
+              </a:rPr>
+              <a:t>5</a:t>
+            </a:r>
+            <a:r>
+              <a:rPr>
+                <a:solidFill>
+                  <a:srgbClr val="003B4F"/>
+                </a:solidFill>
+                <a:latin typeface="Courier"/>
+              </a:rPr>
+              <a:t>, </a:t>
+            </a:r>
+            <a:r>
+              <a:rPr>
+                <a:solidFill>
+                  <a:srgbClr val="AD0000"/>
+                </a:solidFill>
+                <a:latin typeface="Courier"/>
+              </a:rPr>
+              <a:t>1.25</a:t>
+            </a:r>
+            <a:r>
+              <a:rPr>
+                <a:solidFill>
+                  <a:srgbClr val="5E5E5E"/>
+                </a:solidFill>
+                <a:latin typeface="Courier"/>
+              </a:rPr>
+              <a:t>*</a:t>
+            </a:r>
+            <a:r>
+              <a:rPr>
+                <a:solidFill>
+                  <a:srgbClr val="003B4F"/>
+                </a:solidFill>
+                <a:latin typeface="Courier"/>
+              </a:rPr>
+              <a:t>x</a:t>
+            </a:r>
+            <a:r>
+              <a:rPr>
+                <a:solidFill>
+                  <a:srgbClr val="AD0000"/>
+                </a:solidFill>
+                <a:latin typeface="Courier"/>
+              </a:rPr>
+              <a:t>-0.5</a:t>
+            </a:r>
+            <a:r>
+              <a:rPr>
+                <a:solidFill>
+                  <a:srgbClr val="5E5E5E"/>
+                </a:solidFill>
+                <a:latin typeface="Courier"/>
+              </a:rPr>
+              <a:t>*</a:t>
+            </a:r>
+            <a:r>
+              <a:rPr>
+                <a:solidFill>
+                  <a:srgbClr val="003B4F"/>
+                </a:solidFill>
+                <a:latin typeface="Courier"/>
+              </a:rPr>
+              <a:t>y</a:t>
+            </a:r>
+            <a:r>
+              <a:rPr>
+                <a:solidFill>
+                  <a:srgbClr val="5E5E5E"/>
+                </a:solidFill>
+                <a:latin typeface="Courier"/>
+              </a:rPr>
+              <a:t>+</a:t>
+            </a:r>
+            <a:r>
+              <a:rPr>
+                <a:solidFill>
+                  <a:srgbClr val="AD0000"/>
+                </a:solidFill>
+                <a:latin typeface="Courier"/>
+              </a:rPr>
+              <a:t>1</a:t>
+            </a:r>
+            <a:r>
+              <a:rPr>
+                <a:solidFill>
+                  <a:srgbClr val="003B4F"/>
+                </a:solidFill>
+                <a:latin typeface="Courier"/>
+              </a:rPr>
+              <a:t>) </a:t>
+            </a:r>
+            <a:r>
+              <a:rPr>
+                <a:solidFill>
+                  <a:srgbClr val="5E5E5E"/>
+                </a:solidFill>
+                <a:latin typeface="Courier"/>
+              </a:rPr>
+              <a:t>+</a:t>
+            </a:r>
+            <a:r>
+              <a:rPr>
+                <a:solidFill>
+                  <a:srgbClr val="003B4F"/>
+                </a:solidFill>
+                <a:latin typeface="Courier"/>
+              </a:rPr>
+              <a:t> </a:t>
+            </a:r>
+            <a:r>
+              <a:rPr>
+                <a:solidFill>
+                  <a:srgbClr val="4758AB"/>
+                </a:solidFill>
+                <a:latin typeface="Courier"/>
+              </a:rPr>
+              <a:t>rnorm</a:t>
+            </a:r>
+            <a:r>
+              <a:rPr>
+                <a:solidFill>
+                  <a:srgbClr val="003B4F"/>
+                </a:solidFill>
+                <a:latin typeface="Courier"/>
+              </a:rPr>
+              <a:t>(</a:t>
+            </a:r>
+            <a:r>
+              <a:rPr>
+                <a:solidFill>
+                  <a:srgbClr val="AD0000"/>
+                </a:solidFill>
+                <a:latin typeface="Courier"/>
+              </a:rPr>
+              <a:t>100</a:t>
+            </a:r>
+            <a:r>
+              <a:rPr>
+                <a:solidFill>
+                  <a:srgbClr val="003B4F"/>
+                </a:solidFill>
+                <a:latin typeface="Courier"/>
+              </a:rPr>
+              <a:t>,</a:t>
+            </a:r>
+            <a:r>
+              <a:rPr>
+                <a:solidFill>
+                  <a:srgbClr val="657422"/>
+                </a:solidFill>
+                <a:latin typeface="Courier"/>
+              </a:rPr>
+              <a:t>sd=</a:t>
+            </a:r>
+            <a:r>
+              <a:rPr>
+                <a:solidFill>
+                  <a:srgbClr val="AD0000"/>
+                </a:solidFill>
+                <a:latin typeface="Courier"/>
+              </a:rPr>
+              <a:t>1.25</a:t>
+            </a:r>
+            <a:r>
+              <a:rPr>
+                <a:solidFill>
+                  <a:srgbClr val="003B4F"/>
+                </a:solidFill>
+                <a:latin typeface="Courier"/>
+              </a:rPr>
+              <a:t>)</a:t>
+            </a:r>
+            <a:br/>
+            <a:r>
+              <a:rPr>
+                <a:solidFill>
+                  <a:srgbClr val="003B4F"/>
+                </a:solidFill>
+                <a:latin typeface="Courier"/>
+              </a:rPr>
+              <a:t>  )</a:t>
+            </a:r>
+          </a:p>
+        </p:txBody>
+      </p:sp>
+      <p:sp>
+        <p:nvSpPr>
+          <p:cNvPr id="6" name="Slide Number Placeholder 5">
+            <a:extLst>
+              <a:ext uri="{FF2B5EF4-FFF2-40B4-BE49-F238E27FC236}">
+                <a16:creationId xmlns:a16="http://schemas.microsoft.com/office/drawing/2014/main" id="{C03F998A-2A5E-471F-9FEB-2559B0A7F93D}"/>
+              </a:ext>
+            </a:extLst>
+          </p:cNvPr>
+          <p:cNvSpPr>
+            <a:spLocks noGrp="1"/>
+          </p:cNvSpPr>
+          <p:nvPr>
+            <p:ph type="sldNum" sz="quarter" idx="12"/>
+          </p:nvPr>
+        </p:nvSpPr>
+        <p:spPr/>
+        <p:txBody>
+          <a:bodyPr/>
+          <a:lstStyle/>
+          <a:p>
+            <a:fld id="{E1C5CB42-CF14-4293-8971-6DCD1AAE8BE7}" type="slidenum">
+              <a:rPr lang="en-GB" smtClean="0"/>
+              <a:t>18</a:t>
+            </a:fld>
+            <a:endParaRPr lang="en-GB"/>
+          </a:p>
+        </p:txBody>
+      </p:sp>
+    </p:spTree>
+  </p:cSld>
+  <p:clrMapOvr>
+    <a:masterClrMapping/>
+  </p:clrMapOvr>
+</p:sld>
+</file>
+
+<file path=ppt/slides/slide19.xml><?xml version="1.0" encoding="utf-8"?>
+<p:sld xmlns:a="http://schemas.openxmlformats.org/drawingml/2006/main" xmlns:r="http://schemas.openxmlformats.org/officeDocument/2006/relationships" xmlns:p="http://schemas.openxmlformats.org/presentationml/2006/main">
+  <p:cSld>
+    <p:spTree>
+      <p:nvGrpSpPr>
+        <p:cNvPr id="1" name=""/>
+        <p:cNvGrpSpPr/>
+        <p:nvPr/>
+      </p:nvGrpSpPr>
+      <p:grpSpPr>
+        <a:xfrm>
+          <a:off x="0" y="0"/>
+          <a:ext cx="0" cy="0"/>
+          <a:chOff x="0" y="0"/>
+          <a:chExt cx="0" cy="0"/>
+        </a:xfrm>
+      </p:grpSpPr>
+      <p:sp>
+        <p:nvSpPr>
+          <p:cNvPr id="2" name="Title 1">
+            <a:extLst>
+              <a:ext uri="{FF2B5EF4-FFF2-40B4-BE49-F238E27FC236}">
+                <a16:creationId xmlns:a16="http://schemas.microsoft.com/office/drawing/2014/main" id="{D6AA89D5-560C-4369-A313-7C24EDF028A0}"/>
+              </a:ext>
+            </a:extLst>
+          </p:cNvPr>
+          <p:cNvSpPr>
+            <a:spLocks noGrp="1"/>
+          </p:cNvSpPr>
+          <p:nvPr>
+            <p:ph type="title"/>
+          </p:nvPr>
+        </p:nvSpPr>
+        <p:spPr/>
+        <p:txBody>
+          <a:bodyPr/>
+          <a:lstStyle/>
+          <a:p>
+            <a:pPr marL="0" lvl="0" indent="0">
+              <a:buNone/>
+            </a:pPr>
+            <a:r>
+              <a:t>Quarto / R markdown</a:t>
+            </a:r>
+          </a:p>
+        </p:txBody>
+      </p:sp>
+      <p:sp>
+        <p:nvSpPr>
+          <p:cNvPr id="3" name="Content Placeholder 2">
+            <a:extLst>
+              <a:ext uri="{FF2B5EF4-FFF2-40B4-BE49-F238E27FC236}">
+                <a16:creationId xmlns:a16="http://schemas.microsoft.com/office/drawing/2014/main" id="{288BC91F-1C76-43AE-8B2A-956D48B768BE}"/>
+              </a:ext>
+            </a:extLst>
+          </p:cNvPr>
+          <p:cNvSpPr>
+            <a:spLocks noGrp="1"/>
+          </p:cNvSpPr>
+          <p:nvPr>
+            <p:ph idx="1"/>
+          </p:nvPr>
+        </p:nvSpPr>
+        <p:spPr/>
+        <p:txBody>
+          <a:bodyPr/>
+          <a:lstStyle/>
+          <a:p>
+            <a:pPr marL="0" lvl="0" indent="0">
+              <a:buNone/>
+            </a:pPr>
+            <a:r>
+              <a:t>Analysis (as an example):</a:t>
+            </a:r>
+          </a:p>
+          <a:p>
+            <a:pPr lvl="0"/>
+            <a:r>
+              <a:t>t-test comparing variable z between types A &amp; B.</a:t>
+            </a:r>
+          </a:p>
+          <a:p>
+            <a:pPr lvl="0"/>
+            <a:r>
+              <a:t>Linear regression of z against x.</a:t>
+            </a:r>
+          </a:p>
+          <a:p>
+            <a:pPr marL="0" lvl="0" indent="0">
+              <a:buNone/>
+            </a:pPr>
+            <a14:m xmlns:a14="http://schemas.microsoft.com/office/drawing/2010/main">
+              <m:oMathPara xmlns:m="http://schemas.openxmlformats.org/officeDocument/2006/math">
+                <m:oMathParaPr>
+                  <m:jc m:val="center"/>
+                </m:oMathParaPr>
+                <m:oMath xmlns:m="http://schemas.openxmlformats.org/officeDocument/2006/math">
+                  <m:r>
+                    <a:rPr>
+                      <a:latin typeface="Cambria Math" panose="02040503050406030204" pitchFamily="18" charset="0"/>
+                    </a:rPr>
+                    <m:t> </m:t>
+                  </m:r>
+                </m:oMath>
+              </m:oMathPara>
+            </a14:m>
+            <a:endParaRPr/>
+          </a:p>
+          <a:p>
+            <a:pPr marL="0" lvl="0" indent="0">
+              <a:buNone/>
+            </a:pPr>
+            <a:r>
+              <a:t>Graph (as an example):</a:t>
+            </a:r>
+          </a:p>
+          <a:p>
+            <a:pPr lvl="0"/>
+            <a:r>
+              <a:t>Scatterplot of z against x, stratified by type.</a:t>
+            </a:r>
+          </a:p>
+          <a:p>
+            <a:pPr lvl="0"/>
+            <a:r>
+              <a:t>Boxplot of z values by type.</a:t>
+            </a:r>
+          </a:p>
+          <a:p>
+            <a:pPr lvl="0"/>
+            <a:r>
+              <a:t>Barplot of type.</a:t>
+            </a:r>
+          </a:p>
+        </p:txBody>
+      </p:sp>
+      <p:sp>
+        <p:nvSpPr>
+          <p:cNvPr id="6" name="Slide Number Placeholder 5">
+            <a:extLst>
+              <a:ext uri="{FF2B5EF4-FFF2-40B4-BE49-F238E27FC236}">
+                <a16:creationId xmlns:a16="http://schemas.microsoft.com/office/drawing/2014/main" id="{C03F998A-2A5E-471F-9FEB-2559B0A7F93D}"/>
+              </a:ext>
+            </a:extLst>
+          </p:cNvPr>
+          <p:cNvSpPr>
+            <a:spLocks noGrp="1"/>
+          </p:cNvSpPr>
+          <p:nvPr>
+            <p:ph type="sldNum" sz="quarter" idx="12"/>
+          </p:nvPr>
+        </p:nvSpPr>
+        <p:spPr/>
+        <p:txBody>
+          <a:bodyPr/>
+          <a:lstStyle/>
+          <a:p>
+            <a:fld id="{E1C5CB42-CF14-4293-8971-6DCD1AAE8BE7}" type="slidenum">
+              <a:rPr lang="en-GB" smtClean="0"/>
+              <a:t>19</a:t>
+            </a:fld>
+            <a:endParaRPr lang="en-GB"/>
+          </a:p>
+        </p:txBody>
+      </p:sp>
+    </p:spTree>
+  </p:cSld>
+  <p:clrMapOvr>
+    <a:masterClrMapping/>
+  </p:clrMapOvr>
+</p:sld>
+</file>
+
+<file path=ppt/slides/slide2.xml><?xml version="1.0" encoding="utf-8"?>
+<p:sld xmlns:a="http://schemas.openxmlformats.org/drawingml/2006/main" xmlns:r="http://schemas.openxmlformats.org/officeDocument/2006/relationships" xmlns:p="http://schemas.openxmlformats.org/presentationml/2006/main">
+  <p:cSld>
+    <p:spTree>
+      <p:nvGrpSpPr>
+        <p:cNvPr id="1" name=""/>
+        <p:cNvGrpSpPr/>
+        <p:nvPr/>
+      </p:nvGrpSpPr>
+      <p:grpSpPr>
+        <a:xfrm>
+          <a:off x="0" y="0"/>
+          <a:ext cx="0" cy="0"/>
+          <a:chOff x="0" y="0"/>
+          <a:chExt cx="0" cy="0"/>
+        </a:xfrm>
+      </p:grpSpPr>
+      <p:sp>
+        <p:nvSpPr>
+          <p:cNvPr id="2" name="Title 1">
+            <a:extLst>
+              <a:ext uri="{FF2B5EF4-FFF2-40B4-BE49-F238E27FC236}">
+                <a16:creationId xmlns:a16="http://schemas.microsoft.com/office/drawing/2014/main" id="{08511042-BDFA-4708-84AB-F848A1D5D4A0}"/>
+              </a:ext>
+            </a:extLst>
+          </p:cNvPr>
+          <p:cNvSpPr>
+            <a:spLocks noGrp="1"/>
+          </p:cNvSpPr>
+          <p:nvPr>
+            <p:ph type="title"/>
+          </p:nvPr>
+        </p:nvSpPr>
+        <p:spPr>
+          <a:xfrm>
+            <a:off x="831850" y="1709738"/>
+            <a:ext cx="10515600" cy="2852737"/>
+          </a:xfrm>
+        </p:spPr>
+        <p:txBody>
+          <a:bodyPr/>
+          <a:lstStyle/>
+          <a:p>
+            <a:pPr marL="0" lvl="0" indent="0">
+              <a:buNone/>
+            </a:pPr>
+            <a:r>
+              <a:t>Introduction</a:t>
+            </a:r>
+          </a:p>
+        </p:txBody>
+      </p:sp>
+      <p:sp>
+        <p:nvSpPr>
+          <p:cNvPr id="6" name="Slide Number Placeholder 5">
+            <a:extLst>
+              <a:ext uri="{FF2B5EF4-FFF2-40B4-BE49-F238E27FC236}">
+                <a16:creationId xmlns:a16="http://schemas.microsoft.com/office/drawing/2014/main" id="{910AAC92-EEED-4232-ACDE-84003A6476BB}"/>
+              </a:ext>
+            </a:extLst>
+          </p:cNvPr>
+          <p:cNvSpPr>
+            <a:spLocks noGrp="1"/>
+          </p:cNvSpPr>
+          <p:nvPr>
+            <p:ph type="sldNum" sz="quarter" idx="12"/>
+          </p:nvPr>
+        </p:nvSpPr>
+        <p:spPr/>
+        <p:txBody>
+          <a:bodyPr/>
+          <a:lstStyle/>
+          <a:p>
+            <a:fld id="{E1C5CB42-CF14-4293-8971-6DCD1AAE8BE7}" type="slidenum">
+              <a:rPr lang="en-GB" smtClean="0"/>
+              <a:t>2</a:t>
+            </a:fld>
+            <a:endParaRPr lang="en-GB"/>
+          </a:p>
+        </p:txBody>
+      </p:sp>
+    </p:spTree>
+  </p:cSld>
+  <p:clrMapOvr>
+    <a:masterClrMapping/>
+  </p:clrMapOvr>
+</p:sld>
+</file>
+
+<file path=ppt/slides/slide20.xml><?xml version="1.0" encoding="utf-8"?>
+<p:sld xmlns:a="http://schemas.openxmlformats.org/drawingml/2006/main" xmlns:r="http://schemas.openxmlformats.org/officeDocument/2006/relationships" xmlns:p="http://schemas.openxmlformats.org/presentationml/2006/main">
+  <p:cSld>
+    <p:spTree>
+      <p:nvGrpSpPr>
+        <p:cNvPr id="1" name=""/>
+        <p:cNvGrpSpPr/>
+        <p:nvPr/>
+      </p:nvGrpSpPr>
+      <p:grpSpPr>
+        <a:xfrm>
+          <a:off x="0" y="0"/>
+          <a:ext cx="0" cy="0"/>
+          <a:chOff x="0" y="0"/>
+          <a:chExt cx="0" cy="0"/>
+        </a:xfrm>
+      </p:grpSpPr>
+      <p:sp>
+        <p:nvSpPr>
+          <p:cNvPr id="2" name="Title 1">
+            <a:extLst>
+              <a:ext uri="{FF2B5EF4-FFF2-40B4-BE49-F238E27FC236}">
+                <a16:creationId xmlns:a16="http://schemas.microsoft.com/office/drawing/2014/main" id="{08511042-BDFA-4708-84AB-F848A1D5D4A0}"/>
+              </a:ext>
+            </a:extLst>
+          </p:cNvPr>
+          <p:cNvSpPr>
+            <a:spLocks noGrp="1"/>
+          </p:cNvSpPr>
+          <p:nvPr>
+            <p:ph type="title"/>
+          </p:nvPr>
+        </p:nvSpPr>
+        <p:spPr>
+          <a:xfrm>
+            <a:off x="831850" y="1709738"/>
+            <a:ext cx="10515600" cy="2852737"/>
+          </a:xfrm>
+        </p:spPr>
+        <p:txBody>
+          <a:bodyPr/>
+          <a:lstStyle/>
+          <a:p>
+            <a:pPr marL="0" lvl="0" indent="0">
+              <a:buNone/>
+            </a:pPr>
+            <a:r>
+              <a:t>GitHub</a:t>
+            </a:r>
+          </a:p>
+        </p:txBody>
+      </p:sp>
+      <p:sp>
+        <p:nvSpPr>
+          <p:cNvPr id="6" name="Slide Number Placeholder 5">
+            <a:extLst>
+              <a:ext uri="{FF2B5EF4-FFF2-40B4-BE49-F238E27FC236}">
+                <a16:creationId xmlns:a16="http://schemas.microsoft.com/office/drawing/2014/main" id="{910AAC92-EEED-4232-ACDE-84003A6476BB}"/>
+              </a:ext>
+            </a:extLst>
+          </p:cNvPr>
+          <p:cNvSpPr>
+            <a:spLocks noGrp="1"/>
+          </p:cNvSpPr>
+          <p:nvPr>
+            <p:ph type="sldNum" sz="quarter" idx="12"/>
+          </p:nvPr>
+        </p:nvSpPr>
+        <p:spPr/>
+        <p:txBody>
+          <a:bodyPr/>
+          <a:lstStyle/>
+          <a:p>
+            <a:fld id="{E1C5CB42-CF14-4293-8971-6DCD1AAE8BE7}" type="slidenum">
+              <a:rPr lang="en-GB" smtClean="0"/>
+              <a:t>20</a:t>
+            </a:fld>
+            <a:endParaRPr lang="en-GB"/>
+          </a:p>
+        </p:txBody>
+      </p:sp>
+    </p:spTree>
+  </p:cSld>
+  <p:clrMapOvr>
+    <a:masterClrMapping/>
+  </p:clrMapOvr>
+</p:sld>
+</file>
+
+<file path=ppt/slides/slide21.xml><?xml version="1.0" encoding="utf-8"?>
+<p:sld xmlns:a="http://schemas.openxmlformats.org/drawingml/2006/main" xmlns:r="http://schemas.openxmlformats.org/officeDocument/2006/relationships" xmlns:p="http://schemas.openxmlformats.org/presentationml/2006/main">
+  <p:cSld>
+    <p:spTree>
+      <p:nvGrpSpPr>
+        <p:cNvPr id="1" name=""/>
+        <p:cNvGrpSpPr/>
+        <p:nvPr/>
+      </p:nvGrpSpPr>
+      <p:grpSpPr>
+        <a:xfrm>
+          <a:off x="0" y="0"/>
+          <a:ext cx="0" cy="0"/>
+          <a:chOff x="0" y="0"/>
+          <a:chExt cx="0" cy="0"/>
+        </a:xfrm>
+      </p:grpSpPr>
+      <p:sp>
+        <p:nvSpPr>
+          <p:cNvPr id="2" name="Title 1">
+            <a:extLst>
+              <a:ext uri="{FF2B5EF4-FFF2-40B4-BE49-F238E27FC236}">
+                <a16:creationId xmlns:a16="http://schemas.microsoft.com/office/drawing/2014/main" id="{D6AA89D5-560C-4369-A313-7C24EDF028A0}"/>
+              </a:ext>
+            </a:extLst>
+          </p:cNvPr>
+          <p:cNvSpPr>
+            <a:spLocks noGrp="1"/>
+          </p:cNvSpPr>
+          <p:nvPr>
+            <p:ph type="title"/>
+          </p:nvPr>
+        </p:nvSpPr>
+        <p:spPr/>
+        <p:txBody>
+          <a:bodyPr/>
+          <a:lstStyle/>
+          <a:p>
+            <a:pPr marL="0" lvl="0" indent="0">
+              <a:buNone/>
+            </a:pPr>
+            <a:r>
+              <a:t>GitHub</a:t>
+            </a:r>
+          </a:p>
+        </p:txBody>
+      </p:sp>
+      <p:sp>
+        <p:nvSpPr>
+          <p:cNvPr id="3" name="Content Placeholder 2">
+            <a:extLst>
+              <a:ext uri="{FF2B5EF4-FFF2-40B4-BE49-F238E27FC236}">
+                <a16:creationId xmlns:a16="http://schemas.microsoft.com/office/drawing/2014/main" id="{288BC91F-1C76-43AE-8B2A-956D48B768BE}"/>
+              </a:ext>
+            </a:extLst>
+          </p:cNvPr>
+          <p:cNvSpPr>
+            <a:spLocks noGrp="1"/>
+          </p:cNvSpPr>
+          <p:nvPr>
+            <p:ph idx="1"/>
+          </p:nvPr>
+        </p:nvSpPr>
+        <p:spPr/>
+        <p:txBody>
+          <a:bodyPr/>
+          <a:lstStyle/>
+          <a:p>
+            <a:pPr marL="0" lvl="0" indent="0">
+              <a:buNone/>
+            </a:pPr>
+            <a:r>
+              <a:t>While you can use markdown document and R packages as part of your own workflow, if you want to use them as part of an Open Science paradigm, then you really need to </a:t>
+            </a:r>
+            <a:r>
+              <a:rPr b="1"/>
+              <a:t>publish</a:t>
+            </a:r>
+            <a:r>
+              <a:t> them.</a:t>
+            </a:r>
+          </a:p>
+          <a:p>
+            <a:pPr marL="0" lvl="0" indent="0">
+              <a:buNone/>
+            </a:pPr>
+            <a:r>
+              <a:t>The easiest way to do this is using </a:t>
+            </a:r>
+            <a:r>
+              <a:rPr b="1"/>
+              <a:t>GitHub</a:t>
+            </a:r>
+            <a:r>
+              <a:t>.</a:t>
+            </a:r>
+          </a:p>
+          <a:p>
+            <a:pPr marL="0" lvl="0" indent="0">
+              <a:buNone/>
+            </a:pPr>
+            <a:r>
+              <a:t>GitHub is a hosting service for software development and fully integrates with </a:t>
+            </a:r>
+            <a:r>
+              <a:rPr>
+                <a:latin typeface="Courier"/>
+              </a:rPr>
+              <a:t>git</a:t>
+            </a:r>
+            <a:r>
+              <a:t> a powerful, open source version control software (you are </a:t>
+            </a:r>
+            <a:r>
+              <a:rPr i="1"/>
+              <a:t>highly</a:t>
+            </a:r>
+            <a:r>
+              <a:t> encouraged to use git, but we will not cover that here).</a:t>
+            </a:r>
+          </a:p>
+        </p:txBody>
+      </p:sp>
+      <p:sp>
+        <p:nvSpPr>
+          <p:cNvPr id="6" name="Slide Number Placeholder 5">
+            <a:extLst>
+              <a:ext uri="{FF2B5EF4-FFF2-40B4-BE49-F238E27FC236}">
+                <a16:creationId xmlns:a16="http://schemas.microsoft.com/office/drawing/2014/main" id="{C03F998A-2A5E-471F-9FEB-2559B0A7F93D}"/>
+              </a:ext>
+            </a:extLst>
+          </p:cNvPr>
+          <p:cNvSpPr>
+            <a:spLocks noGrp="1"/>
+          </p:cNvSpPr>
+          <p:nvPr>
+            <p:ph type="sldNum" sz="quarter" idx="12"/>
+          </p:nvPr>
+        </p:nvSpPr>
+        <p:spPr/>
+        <p:txBody>
+          <a:bodyPr/>
+          <a:lstStyle/>
+          <a:p>
+            <a:fld id="{E1C5CB42-CF14-4293-8971-6DCD1AAE8BE7}" type="slidenum">
+              <a:rPr lang="en-GB" smtClean="0"/>
+              <a:t>21</a:t>
+            </a:fld>
+            <a:endParaRPr lang="en-GB"/>
+          </a:p>
+        </p:txBody>
+      </p:sp>
+    </p:spTree>
+  </p:cSld>
+  <p:clrMapOvr>
+    <a:masterClrMapping/>
+  </p:clrMapOvr>
+</p:sld>
+</file>
+
+<file path=ppt/slides/slide22.xml><?xml version="1.0" encoding="utf-8"?>
+<p:sld xmlns:a="http://schemas.openxmlformats.org/drawingml/2006/main" xmlns:r="http://schemas.openxmlformats.org/officeDocument/2006/relationships" xmlns:p="http://schemas.openxmlformats.org/presentationml/2006/main">
+  <p:cSld>
+    <p:spTree>
+      <p:nvGrpSpPr>
+        <p:cNvPr id="1" name=""/>
+        <p:cNvGrpSpPr/>
+        <p:nvPr/>
+      </p:nvGrpSpPr>
+      <p:grpSpPr>
+        <a:xfrm>
+          <a:off x="0" y="0"/>
+          <a:ext cx="0" cy="0"/>
+          <a:chOff x="0" y="0"/>
+          <a:chExt cx="0" cy="0"/>
+        </a:xfrm>
+      </p:grpSpPr>
+      <p:sp>
+        <p:nvSpPr>
+          <p:cNvPr id="2" name="Title 1">
+            <a:extLst>
+              <a:ext uri="{FF2B5EF4-FFF2-40B4-BE49-F238E27FC236}">
+                <a16:creationId xmlns:a16="http://schemas.microsoft.com/office/drawing/2014/main" id="{D6AA89D5-560C-4369-A313-7C24EDF028A0}"/>
+              </a:ext>
+            </a:extLst>
+          </p:cNvPr>
+          <p:cNvSpPr>
+            <a:spLocks noGrp="1"/>
+          </p:cNvSpPr>
+          <p:nvPr>
+            <p:ph type="title"/>
+          </p:nvPr>
+        </p:nvSpPr>
+        <p:spPr/>
+        <p:txBody>
+          <a:bodyPr/>
+          <a:lstStyle/>
+          <a:p>
+            <a:pPr marL="0" lvl="0" indent="0">
+              <a:buNone/>
+            </a:pPr>
+            <a:r>
+              <a:t>GitHub</a:t>
+            </a:r>
+          </a:p>
+        </p:txBody>
+      </p:sp>
+      <p:sp>
+        <p:nvSpPr>
+          <p:cNvPr id="3" name="Content Placeholder 2">
+            <a:extLst>
+              <a:ext uri="{FF2B5EF4-FFF2-40B4-BE49-F238E27FC236}">
+                <a16:creationId xmlns:a16="http://schemas.microsoft.com/office/drawing/2014/main" id="{288BC91F-1C76-43AE-8B2A-956D48B768BE}"/>
+              </a:ext>
+            </a:extLst>
+          </p:cNvPr>
+          <p:cNvSpPr>
+            <a:spLocks noGrp="1"/>
+          </p:cNvSpPr>
+          <p:nvPr>
+            <p:ph idx="1"/>
+          </p:nvPr>
+        </p:nvSpPr>
+        <p:spPr/>
+        <p:txBody>
+          <a:bodyPr/>
+          <a:lstStyle/>
+          <a:p>
+            <a:pPr marL="0" lvl="0" indent="0">
+              <a:buNone/>
+            </a:pPr>
+            <a:r>
+              <a:t>To use GitHub:</a:t>
+            </a:r>
+          </a:p>
+          <a:p>
+            <a:pPr marL="0" lvl="0" indent="0">
+              <a:buNone/>
+            </a:pPr>
+            <a14:m xmlns:a14="http://schemas.microsoft.com/office/drawing/2010/main">
+              <m:oMathPara xmlns:m="http://schemas.openxmlformats.org/officeDocument/2006/math">
+                <m:oMathParaPr>
+                  <m:jc m:val="center"/>
+                </m:oMathParaPr>
+                <m:oMath xmlns:m="http://schemas.openxmlformats.org/officeDocument/2006/math">
+                  <m:r>
+                    <a:rPr>
+                      <a:latin typeface="Cambria Math" panose="02040503050406030204" pitchFamily="18" charset="0"/>
+                    </a:rPr>
+                    <m:t> </m:t>
+                  </m:r>
+                </m:oMath>
+              </m:oMathPara>
+            </a14:m>
+            <a:endParaRPr/>
+          </a:p>
+          <a:p>
+            <a:pPr lvl="0"/>
+            <a:r>
+              <a:t>Create a GitHub account if you have not done so already.</a:t>
+            </a:r>
+          </a:p>
+          <a:p>
+            <a:pPr lvl="0"/>
+            <a:r>
+              <a:t>Create a repository on GitHub and upload your package files (either using </a:t>
+            </a:r>
+            <a:r>
+              <a:rPr>
+                <a:latin typeface="Courier"/>
+              </a:rPr>
+              <a:t>git</a:t>
+            </a:r>
+            <a:r>
+              <a:t> or through the GitHub direct website upload feature).</a:t>
+            </a:r>
+          </a:p>
+          <a:p>
+            <a:pPr lvl="0"/>
+            <a:r>
+              <a:t>Make sure your branch is called </a:t>
+            </a:r>
+            <a:r>
+              <a:rPr b="1"/>
+              <a:t>main</a:t>
+            </a:r>
+            <a:r>
+              <a:t> (previously the main branch was called </a:t>
+            </a:r>
+            <a:r>
+              <a:rPr i="1"/>
+              <a:t>master</a:t>
+            </a:r>
+            <a:r>
+              <a:t>).</a:t>
+            </a:r>
+          </a:p>
+          <a:p>
+            <a:pPr lvl="0"/>
+            <a:r>
+              <a:t>Upload files using either the upload function or using git directly on your computer.</a:t>
+            </a:r>
+          </a:p>
+        </p:txBody>
+      </p:sp>
+      <p:sp>
+        <p:nvSpPr>
+          <p:cNvPr id="6" name="Slide Number Placeholder 5">
+            <a:extLst>
+              <a:ext uri="{FF2B5EF4-FFF2-40B4-BE49-F238E27FC236}">
+                <a16:creationId xmlns:a16="http://schemas.microsoft.com/office/drawing/2014/main" id="{C03F998A-2A5E-471F-9FEB-2559B0A7F93D}"/>
+              </a:ext>
+            </a:extLst>
+          </p:cNvPr>
+          <p:cNvSpPr>
+            <a:spLocks noGrp="1"/>
+          </p:cNvSpPr>
+          <p:nvPr>
+            <p:ph type="sldNum" sz="quarter" idx="12"/>
+          </p:nvPr>
+        </p:nvSpPr>
+        <p:spPr/>
+        <p:txBody>
+          <a:bodyPr/>
+          <a:lstStyle/>
+          <a:p>
+            <a:fld id="{E1C5CB42-CF14-4293-8971-6DCD1AAE8BE7}" type="slidenum">
+              <a:rPr lang="en-GB" smtClean="0"/>
+              <a:t>22</a:t>
+            </a:fld>
+            <a:endParaRPr lang="en-GB"/>
+          </a:p>
+        </p:txBody>
+      </p:sp>
+    </p:spTree>
+  </p:cSld>
+  <p:clrMapOvr>
+    <a:masterClrMapping/>
+  </p:clrMapOvr>
+</p:sld>
+</file>
+
+<file path=ppt/slides/slide23.xml><?xml version="1.0" encoding="utf-8"?>
+<p:sld xmlns:a="http://schemas.openxmlformats.org/drawingml/2006/main" xmlns:r="http://schemas.openxmlformats.org/officeDocument/2006/relationships" xmlns:p="http://schemas.openxmlformats.org/presentationml/2006/main">
+  <p:cSld>
+    <p:spTree>
+      <p:nvGrpSpPr>
+        <p:cNvPr id="1" name=""/>
+        <p:cNvGrpSpPr/>
+        <p:nvPr/>
+      </p:nvGrpSpPr>
+      <p:grpSpPr>
+        <a:xfrm>
+          <a:off x="0" y="0"/>
+          <a:ext cx="0" cy="0"/>
+          <a:chOff x="0" y="0"/>
+          <a:chExt cx="0" cy="0"/>
+        </a:xfrm>
+      </p:grpSpPr>
+      <p:sp>
+        <p:nvSpPr>
+          <p:cNvPr id="2" name="Title 1">
+            <a:extLst>
+              <a:ext uri="{FF2B5EF4-FFF2-40B4-BE49-F238E27FC236}">
+                <a16:creationId xmlns:a16="http://schemas.microsoft.com/office/drawing/2014/main" id="{D6AA89D5-560C-4369-A313-7C24EDF028A0}"/>
+              </a:ext>
+            </a:extLst>
+          </p:cNvPr>
+          <p:cNvSpPr>
+            <a:spLocks noGrp="1"/>
+          </p:cNvSpPr>
+          <p:nvPr>
+            <p:ph type="title"/>
+          </p:nvPr>
+        </p:nvSpPr>
+        <p:spPr/>
+        <p:txBody>
+          <a:bodyPr/>
+          <a:lstStyle/>
+          <a:p>
+            <a:pPr marL="0" lvl="0" indent="0">
+              <a:buNone/>
+            </a:pPr>
+            <a:r>
+              <a:t>GitHub</a:t>
+            </a:r>
+          </a:p>
+        </p:txBody>
+      </p:sp>
+      <p:sp>
+        <p:nvSpPr>
+          <p:cNvPr id="3" name="Content Placeholder 2">
+            <a:extLst>
+              <a:ext uri="{FF2B5EF4-FFF2-40B4-BE49-F238E27FC236}">
+                <a16:creationId xmlns:a16="http://schemas.microsoft.com/office/drawing/2014/main" id="{288BC91F-1C76-43AE-8B2A-956D48B768BE}"/>
+              </a:ext>
+            </a:extLst>
+          </p:cNvPr>
+          <p:cNvSpPr>
+            <a:spLocks noGrp="1"/>
+          </p:cNvSpPr>
+          <p:nvPr>
+            <p:ph idx="1"/>
+          </p:nvPr>
+        </p:nvSpPr>
+        <p:spPr/>
+        <p:txBody>
+          <a:bodyPr/>
+          <a:lstStyle/>
+          <a:p>
+            <a:pPr marL="0" lvl="0" indent="0">
+              <a:buNone/>
+            </a:pPr>
+            <a:r>
+              <a:t>Alternatives:</a:t>
+            </a:r>
+          </a:p>
+          <a:p>
+            <a:pPr marL="0" lvl="0" indent="0">
+              <a:buNone/>
+            </a:pPr>
+            <a14:m xmlns:a14="http://schemas.microsoft.com/office/drawing/2010/main">
+              <m:oMathPara xmlns:m="http://schemas.openxmlformats.org/officeDocument/2006/math">
+                <m:oMathParaPr>
+                  <m:jc m:val="center"/>
+                </m:oMathParaPr>
+                <m:oMath xmlns:m="http://schemas.openxmlformats.org/officeDocument/2006/math">
+                  <m:r>
+                    <a:rPr>
+                      <a:latin typeface="Cambria Math" panose="02040503050406030204" pitchFamily="18" charset="0"/>
+                    </a:rPr>
+                    <m:t> </m:t>
+                  </m:r>
+                </m:oMath>
+              </m:oMathPara>
+            </a14:m>
+            <a:endParaRPr/>
+          </a:p>
+          <a:p>
+            <a:pPr marL="0" lvl="0" indent="0">
+              <a:buNone/>
+            </a:pPr>
+            <a:r>
+              <a:t>You can also publish markdown documents, script files and data using repositories such as</a:t>
+            </a:r>
+          </a:p>
+          <a:p>
+            <a:pPr lvl="0"/>
+            <a:r>
+              <a:rPr>
+                <a:hlinkClick r:id="rId2"/>
+              </a:rPr>
+              <a:t>figshare</a:t>
+            </a:r>
+          </a:p>
+          <a:p>
+            <a:pPr lvl="0"/>
+            <a:r>
+              <a:rPr>
+                <a:hlinkClick r:id="rId3"/>
+              </a:rPr>
+              <a:t>Zenodo</a:t>
+            </a:r>
+          </a:p>
+        </p:txBody>
+      </p:sp>
+      <p:sp>
+        <p:nvSpPr>
+          <p:cNvPr id="6" name="Slide Number Placeholder 5">
+            <a:extLst>
+              <a:ext uri="{FF2B5EF4-FFF2-40B4-BE49-F238E27FC236}">
+                <a16:creationId xmlns:a16="http://schemas.microsoft.com/office/drawing/2014/main" id="{C03F998A-2A5E-471F-9FEB-2559B0A7F93D}"/>
+              </a:ext>
+            </a:extLst>
+          </p:cNvPr>
+          <p:cNvSpPr>
+            <a:spLocks noGrp="1"/>
+          </p:cNvSpPr>
+          <p:nvPr>
+            <p:ph type="sldNum" sz="quarter" idx="12"/>
+          </p:nvPr>
+        </p:nvSpPr>
+        <p:spPr/>
+        <p:txBody>
+          <a:bodyPr/>
+          <a:lstStyle/>
+          <a:p>
+            <a:fld id="{E1C5CB42-CF14-4293-8971-6DCD1AAE8BE7}" type="slidenum">
+              <a:rPr lang="en-GB" smtClean="0"/>
+              <a:t>23</a:t>
+            </a:fld>
+            <a:endParaRPr lang="en-GB"/>
+          </a:p>
+        </p:txBody>
+      </p:sp>
+    </p:spTree>
+  </p:cSld>
+  <p:clrMapOvr>
+    <a:masterClrMapping/>
+  </p:clrMapOvr>
+</p:sld>
+</file>
+
+<file path=ppt/slides/slide24.xml><?xml version="1.0" encoding="utf-8"?>
+<p:sld xmlns:a="http://schemas.openxmlformats.org/drawingml/2006/main" xmlns:r="http://schemas.openxmlformats.org/officeDocument/2006/relationships" xmlns:p="http://schemas.openxmlformats.org/presentationml/2006/main">
+  <p:cSld>
+    <p:spTree>
+      <p:nvGrpSpPr>
+        <p:cNvPr id="1" name=""/>
+        <p:cNvGrpSpPr/>
+        <p:nvPr/>
+      </p:nvGrpSpPr>
+      <p:grpSpPr>
+        <a:xfrm>
+          <a:off x="0" y="0"/>
+          <a:ext cx="0" cy="0"/>
+          <a:chOff x="0" y="0"/>
+          <a:chExt cx="0" cy="0"/>
+        </a:xfrm>
+      </p:grpSpPr>
+      <p:sp>
+        <p:nvSpPr>
+          <p:cNvPr id="2" name="Title 1">
+            <a:extLst>
+              <a:ext uri="{FF2B5EF4-FFF2-40B4-BE49-F238E27FC236}">
+                <a16:creationId xmlns:a16="http://schemas.microsoft.com/office/drawing/2014/main" id="{08511042-BDFA-4708-84AB-F848A1D5D4A0}"/>
+              </a:ext>
+            </a:extLst>
+          </p:cNvPr>
+          <p:cNvSpPr>
+            <a:spLocks noGrp="1"/>
+          </p:cNvSpPr>
+          <p:nvPr>
+            <p:ph type="title"/>
+          </p:nvPr>
+        </p:nvSpPr>
+        <p:spPr>
+          <a:xfrm>
+            <a:off x="831850" y="1709738"/>
+            <a:ext cx="10515600" cy="2852737"/>
+          </a:xfrm>
+        </p:spPr>
+        <p:txBody>
+          <a:bodyPr/>
+          <a:lstStyle/>
+          <a:p>
+            <a:pPr marL="0" lvl="0" indent="0">
+              <a:buNone/>
+            </a:pPr>
+            <a:r>
+              <a:t>Licenses</a:t>
+            </a:r>
+          </a:p>
+        </p:txBody>
+      </p:sp>
+      <p:sp>
+        <p:nvSpPr>
+          <p:cNvPr id="6" name="Slide Number Placeholder 5">
+            <a:extLst>
+              <a:ext uri="{FF2B5EF4-FFF2-40B4-BE49-F238E27FC236}">
+                <a16:creationId xmlns:a16="http://schemas.microsoft.com/office/drawing/2014/main" id="{910AAC92-EEED-4232-ACDE-84003A6476BB}"/>
+              </a:ext>
+            </a:extLst>
+          </p:cNvPr>
+          <p:cNvSpPr>
+            <a:spLocks noGrp="1"/>
+          </p:cNvSpPr>
+          <p:nvPr>
+            <p:ph type="sldNum" sz="quarter" idx="12"/>
+          </p:nvPr>
+        </p:nvSpPr>
+        <p:spPr/>
+        <p:txBody>
+          <a:bodyPr/>
+          <a:lstStyle/>
+          <a:p>
+            <a:fld id="{E1C5CB42-CF14-4293-8971-6DCD1AAE8BE7}" type="slidenum">
+              <a:rPr lang="en-GB" smtClean="0"/>
+              <a:t>24</a:t>
+            </a:fld>
+            <a:endParaRPr lang="en-GB"/>
+          </a:p>
+        </p:txBody>
+      </p:sp>
+    </p:spTree>
+  </p:cSld>
+  <p:clrMapOvr>
+    <a:masterClrMapping/>
+  </p:clrMapOvr>
+</p:sld>
+</file>
+
+<file path=ppt/slides/slide25.xml><?xml version="1.0" encoding="utf-8"?>
+<p:sld xmlns:a="http://schemas.openxmlformats.org/drawingml/2006/main" xmlns:r="http://schemas.openxmlformats.org/officeDocument/2006/relationships" xmlns:p="http://schemas.openxmlformats.org/presentationml/2006/main">
+  <p:cSld>
+    <p:spTree>
+      <p:nvGrpSpPr>
+        <p:cNvPr id="1" name=""/>
+        <p:cNvGrpSpPr/>
+        <p:nvPr/>
+      </p:nvGrpSpPr>
+      <p:grpSpPr>
+        <a:xfrm>
+          <a:off x="0" y="0"/>
+          <a:ext cx="0" cy="0"/>
+          <a:chOff x="0" y="0"/>
+          <a:chExt cx="0" cy="0"/>
+        </a:xfrm>
+      </p:grpSpPr>
+      <p:sp>
+        <p:nvSpPr>
+          <p:cNvPr id="2" name="Title 1">
+            <a:extLst>
+              <a:ext uri="{FF2B5EF4-FFF2-40B4-BE49-F238E27FC236}">
+                <a16:creationId xmlns:a16="http://schemas.microsoft.com/office/drawing/2014/main" id="{D6AA89D5-560C-4369-A313-7C24EDF028A0}"/>
+              </a:ext>
+            </a:extLst>
+          </p:cNvPr>
+          <p:cNvSpPr>
+            <a:spLocks noGrp="1"/>
+          </p:cNvSpPr>
+          <p:nvPr>
+            <p:ph type="title"/>
+          </p:nvPr>
+        </p:nvSpPr>
+        <p:spPr/>
+        <p:txBody>
+          <a:bodyPr/>
+          <a:lstStyle/>
+          <a:p>
+            <a:pPr marL="0" lvl="0" indent="0">
+              <a:buNone/>
+            </a:pPr>
+            <a:r>
+              <a:t>Licenses</a:t>
+            </a:r>
+          </a:p>
+        </p:txBody>
+      </p:sp>
+      <p:sp>
+        <p:nvSpPr>
+          <p:cNvPr id="3" name="Content Placeholder 2">
+            <a:extLst>
+              <a:ext uri="{FF2B5EF4-FFF2-40B4-BE49-F238E27FC236}">
+                <a16:creationId xmlns:a16="http://schemas.microsoft.com/office/drawing/2014/main" id="{288BC91F-1C76-43AE-8B2A-956D48B768BE}"/>
+              </a:ext>
+            </a:extLst>
+          </p:cNvPr>
+          <p:cNvSpPr>
+            <a:spLocks noGrp="1"/>
+          </p:cNvSpPr>
+          <p:nvPr>
+            <p:ph idx="1"/>
+          </p:nvPr>
+        </p:nvSpPr>
+        <p:spPr/>
+        <p:txBody>
+          <a:bodyPr/>
+          <a:lstStyle/>
+          <a:p>
+            <a:pPr marL="0" lvl="0" indent="0">
+              <a:buNone/>
+            </a:pPr>
+            <a14:m xmlns:a14="http://schemas.microsoft.com/office/drawing/2010/main">
+              <m:oMathPara xmlns:m="http://schemas.openxmlformats.org/officeDocument/2006/math">
+                <m:oMathParaPr>
+                  <m:jc m:val="center"/>
+                </m:oMathParaPr>
+                <m:oMath xmlns:m="http://schemas.openxmlformats.org/officeDocument/2006/math">
+                  <m:r>
+                    <a:rPr>
+                      <a:latin typeface="Cambria Math" panose="02040503050406030204" pitchFamily="18" charset="0"/>
+                    </a:rPr>
+                    <m:t> </m:t>
+                  </m:r>
+                </m:oMath>
+              </m:oMathPara>
+            </a14:m>
+            <a:endParaRPr/>
+          </a:p>
+          <a:p>
+            <a:pPr marL="0" lvl="0" indent="0">
+              <a:buNone/>
+            </a:pPr>
+            <a:r>
+              <a:t>Discuss:</a:t>
+            </a:r>
+          </a:p>
+          <a:p>
+            <a:pPr marL="0" lvl="0" indent="0">
+              <a:buNone/>
+            </a:pPr>
+            <a14:m xmlns:a14="http://schemas.microsoft.com/office/drawing/2010/main">
+              <m:oMathPara xmlns:m="http://schemas.openxmlformats.org/officeDocument/2006/math">
+                <m:oMathParaPr>
+                  <m:jc m:val="center"/>
+                </m:oMathParaPr>
+                <m:oMath xmlns:m="http://schemas.openxmlformats.org/officeDocument/2006/math">
+                  <m:r>
+                    <a:rPr>
+                      <a:latin typeface="Cambria Math" panose="02040503050406030204" pitchFamily="18" charset="0"/>
+                    </a:rPr>
+                    <m:t> </m:t>
+                  </m:r>
+                </m:oMath>
+              </m:oMathPara>
+            </a14:m>
+            <a:endParaRPr/>
+          </a:p>
+          <a:p>
+            <a:pPr marL="0" lvl="0" indent="0">
+              <a:buNone/>
+            </a:pPr>
+            <a:r>
+              <a:t>Why should you use a license to publish content or software?</a:t>
+            </a:r>
+          </a:p>
+        </p:txBody>
+      </p:sp>
+      <p:sp>
+        <p:nvSpPr>
+          <p:cNvPr id="6" name="Slide Number Placeholder 5">
+            <a:extLst>
+              <a:ext uri="{FF2B5EF4-FFF2-40B4-BE49-F238E27FC236}">
+                <a16:creationId xmlns:a16="http://schemas.microsoft.com/office/drawing/2014/main" id="{C03F998A-2A5E-471F-9FEB-2559B0A7F93D}"/>
+              </a:ext>
+            </a:extLst>
+          </p:cNvPr>
+          <p:cNvSpPr>
+            <a:spLocks noGrp="1"/>
+          </p:cNvSpPr>
+          <p:nvPr>
+            <p:ph type="sldNum" sz="quarter" idx="12"/>
+          </p:nvPr>
+        </p:nvSpPr>
+        <p:spPr/>
+        <p:txBody>
+          <a:bodyPr/>
+          <a:lstStyle/>
+          <a:p>
+            <a:fld id="{E1C5CB42-CF14-4293-8971-6DCD1AAE8BE7}" type="slidenum">
+              <a:rPr lang="en-GB" smtClean="0"/>
+              <a:t>25</a:t>
+            </a:fld>
+            <a:endParaRPr lang="en-GB"/>
+          </a:p>
+        </p:txBody>
+      </p:sp>
+    </p:spTree>
+  </p:cSld>
+  <p:clrMapOvr>
+    <a:masterClrMapping/>
+  </p:clrMapOvr>
+</p:sld>
+</file>
+
+<file path=ppt/slides/slide26.xml><?xml version="1.0" encoding="utf-8"?>
+<p:sld xmlns:a="http://schemas.openxmlformats.org/drawingml/2006/main" xmlns:r="http://schemas.openxmlformats.org/officeDocument/2006/relationships" xmlns:p="http://schemas.openxmlformats.org/presentationml/2006/main">
+  <p:cSld>
+    <p:spTree>
+      <p:nvGrpSpPr>
+        <p:cNvPr id="1" name=""/>
+        <p:cNvGrpSpPr/>
+        <p:nvPr/>
+      </p:nvGrpSpPr>
+      <p:grpSpPr>
+        <a:xfrm>
+          <a:off x="0" y="0"/>
+          <a:ext cx="0" cy="0"/>
+          <a:chOff x="0" y="0"/>
+          <a:chExt cx="0" cy="0"/>
+        </a:xfrm>
+      </p:grpSpPr>
+      <p:sp>
+        <p:nvSpPr>
+          <p:cNvPr id="2" name="Title 1">
+            <a:extLst>
+              <a:ext uri="{FF2B5EF4-FFF2-40B4-BE49-F238E27FC236}">
+                <a16:creationId xmlns:a16="http://schemas.microsoft.com/office/drawing/2014/main" id="{D6AA89D5-560C-4369-A313-7C24EDF028A0}"/>
+              </a:ext>
+            </a:extLst>
+          </p:cNvPr>
+          <p:cNvSpPr>
+            <a:spLocks noGrp="1"/>
+          </p:cNvSpPr>
+          <p:nvPr>
+            <p:ph type="title"/>
+          </p:nvPr>
+        </p:nvSpPr>
+        <p:spPr/>
+        <p:txBody>
+          <a:bodyPr/>
+          <a:lstStyle/>
+          <a:p>
+            <a:pPr marL="0" lvl="0" indent="0">
+              <a:buNone/>
+            </a:pPr>
+            <a:r>
+              <a:t>Licenses</a:t>
+            </a:r>
+          </a:p>
+        </p:txBody>
+      </p:sp>
+      <p:sp>
+        <p:nvSpPr>
+          <p:cNvPr id="3" name="Content Placeholder 2">
+            <a:extLst>
+              <a:ext uri="{FF2B5EF4-FFF2-40B4-BE49-F238E27FC236}">
+                <a16:creationId xmlns:a16="http://schemas.microsoft.com/office/drawing/2014/main" id="{288BC91F-1C76-43AE-8B2A-956D48B768BE}"/>
+              </a:ext>
+            </a:extLst>
+          </p:cNvPr>
+          <p:cNvSpPr>
+            <a:spLocks noGrp="1"/>
+          </p:cNvSpPr>
+          <p:nvPr>
+            <p:ph idx="1"/>
+          </p:nvPr>
+        </p:nvSpPr>
+        <p:spPr/>
+        <p:txBody>
+          <a:bodyPr/>
+          <a:lstStyle/>
+          <a:p>
+            <a:pPr marL="0" lvl="0" indent="0">
+              <a:spcBef>
+                <a:spcPts val="3000"/>
+              </a:spcBef>
+              <a:buNone/>
+            </a:pPr>
+            <a:r>
+              <a:rPr b="1"/>
+              <a:t>Why use licenses?</a:t>
+            </a:r>
+          </a:p>
+          <a:p>
+            <a:pPr marL="0" lvl="0" indent="0">
+              <a:buNone/>
+            </a:pPr>
+            <a:r>
+              <a:t>A license is a legal document that will provide you and your institution some protection regarding how your content or software can be used and what attribution / credit needs to be given to your and your co-authors.</a:t>
+            </a:r>
+          </a:p>
+          <a:p>
+            <a:pPr marL="0" lvl="0" indent="0">
+              <a:buNone/>
+            </a:pPr>
+            <a:r>
+              <a:t>While a license or a copyright license can obviously be used to restrict usage, you should still use one for open source documents to clarify wheher your work can be used for commercial purposes, how you should be given credit for your work, etc.</a:t>
+            </a:r>
+          </a:p>
+          <a:p>
+            <a:pPr marL="0" lvl="0" indent="0">
+              <a:buNone/>
+            </a:pPr>
+            <a:r>
+              <a:t>For software, it is generally recommended to have a no-warranty / AS-IS statement in the license to protect you and your organisation from lawsuits from users of your software.</a:t>
+            </a:r>
+          </a:p>
+          <a:p>
+            <a:pPr marL="0" lvl="0" indent="0">
+              <a:spcBef>
+                <a:spcPts val="3000"/>
+              </a:spcBef>
+              <a:buNone/>
+            </a:pPr>
+            <a:r>
+              <a:rPr b="1"/>
+              <a:t>Software vs content</a:t>
+            </a:r>
+          </a:p>
+          <a:p>
+            <a:pPr marL="0" lvl="0" indent="0">
+              <a:buNone/>
+            </a:pPr>
+            <a:r>
+              <a:t>You can use the same license for content and software but it is generally recommended to use content-specific licenses for content and software-specific licenses for computer code.</a:t>
+            </a:r>
+          </a:p>
+        </p:txBody>
+      </p:sp>
+      <p:sp>
+        <p:nvSpPr>
+          <p:cNvPr id="6" name="Slide Number Placeholder 5">
+            <a:extLst>
+              <a:ext uri="{FF2B5EF4-FFF2-40B4-BE49-F238E27FC236}">
+                <a16:creationId xmlns:a16="http://schemas.microsoft.com/office/drawing/2014/main" id="{C03F998A-2A5E-471F-9FEB-2559B0A7F93D}"/>
+              </a:ext>
+            </a:extLst>
+          </p:cNvPr>
+          <p:cNvSpPr>
+            <a:spLocks noGrp="1"/>
+          </p:cNvSpPr>
+          <p:nvPr>
+            <p:ph type="sldNum" sz="quarter" idx="12"/>
+          </p:nvPr>
+        </p:nvSpPr>
+        <p:spPr/>
+        <p:txBody>
+          <a:bodyPr/>
+          <a:lstStyle/>
+          <a:p>
+            <a:fld id="{E1C5CB42-CF14-4293-8971-6DCD1AAE8BE7}" type="slidenum">
+              <a:rPr lang="en-GB" smtClean="0"/>
+              <a:t>26</a:t>
+            </a:fld>
+            <a:endParaRPr lang="en-GB"/>
+          </a:p>
+        </p:txBody>
+      </p:sp>
+    </p:spTree>
+  </p:cSld>
+  <p:clrMapOvr>
+    <a:masterClrMapping/>
+  </p:clrMapOvr>
+</p:sld>
+</file>
+
+<file path=ppt/slides/slide27.xml><?xml version="1.0" encoding="utf-8"?>
+<p:sld xmlns:a="http://schemas.openxmlformats.org/drawingml/2006/main" xmlns:r="http://schemas.openxmlformats.org/officeDocument/2006/relationships" xmlns:p="http://schemas.openxmlformats.org/presentationml/2006/main">
+  <p:cSld>
+    <p:spTree>
+      <p:nvGrpSpPr>
+        <p:cNvPr id="1" name=""/>
+        <p:cNvGrpSpPr/>
+        <p:nvPr/>
+      </p:nvGrpSpPr>
+      <p:grpSpPr>
+        <a:xfrm>
+          <a:off x="0" y="0"/>
+          <a:ext cx="0" cy="0"/>
+          <a:chOff x="0" y="0"/>
+          <a:chExt cx="0" cy="0"/>
+        </a:xfrm>
+      </p:grpSpPr>
+      <p:sp>
+        <p:nvSpPr>
+          <p:cNvPr id="2" name="Title 1">
+            <a:extLst>
+              <a:ext uri="{FF2B5EF4-FFF2-40B4-BE49-F238E27FC236}">
+                <a16:creationId xmlns:a16="http://schemas.microsoft.com/office/drawing/2014/main" id="{D6AA89D5-560C-4369-A313-7C24EDF028A0}"/>
+              </a:ext>
+            </a:extLst>
+          </p:cNvPr>
+          <p:cNvSpPr>
+            <a:spLocks noGrp="1"/>
+          </p:cNvSpPr>
+          <p:nvPr>
+            <p:ph type="title"/>
+          </p:nvPr>
+        </p:nvSpPr>
+        <p:spPr/>
+        <p:txBody>
+          <a:bodyPr/>
+          <a:lstStyle/>
+          <a:p>
+            <a:pPr marL="0" lvl="0" indent="0">
+              <a:buNone/>
+            </a:pPr>
+            <a:r>
+              <a:t>Licenses</a:t>
+            </a:r>
+          </a:p>
+        </p:txBody>
+      </p:sp>
+      <p:sp>
+        <p:nvSpPr>
+          <p:cNvPr id="3" name="Content Placeholder 2">
+            <a:extLst>
+              <a:ext uri="{FF2B5EF4-FFF2-40B4-BE49-F238E27FC236}">
+                <a16:creationId xmlns:a16="http://schemas.microsoft.com/office/drawing/2014/main" id="{288BC91F-1C76-43AE-8B2A-956D48B768BE}"/>
+              </a:ext>
+            </a:extLst>
+          </p:cNvPr>
+          <p:cNvSpPr>
+            <a:spLocks noGrp="1"/>
+          </p:cNvSpPr>
+          <p:nvPr>
+            <p:ph idx="1"/>
+          </p:nvPr>
+        </p:nvSpPr>
+        <p:spPr/>
+        <p:txBody>
+          <a:bodyPr/>
+          <a:lstStyle/>
+          <a:p>
+            <a:pPr marL="0" lvl="0" indent="0">
+              <a:spcBef>
+                <a:spcPts val="3000"/>
+              </a:spcBef>
+              <a:buNone/>
+            </a:pPr>
+            <a:r>
+              <a:rPr b="1"/>
+              <a:t>Common open source software licenses:</a:t>
+            </a:r>
+          </a:p>
+          <a:p>
+            <a:pPr lvl="0"/>
+            <a:r>
+              <a:t>MIT</a:t>
+            </a:r>
+          </a:p>
+          <a:p>
+            <a:pPr lvl="0"/>
+            <a:r>
+              <a:t>GPL-3.0</a:t>
+            </a:r>
+          </a:p>
+          <a:p>
+            <a:pPr lvl="0"/>
+            <a:r>
+              <a:t>See </a:t>
+            </a:r>
+            <a:r>
+              <a:rPr>
+                <a:hlinkClick r:id="rId2"/>
+              </a:rPr>
+              <a:t>https://opensource.org/licenses/alphabetical</a:t>
+            </a:r>
+            <a:r>
+              <a:t> for OSI approved licenses.</a:t>
+            </a:r>
+          </a:p>
+          <a:p>
+            <a:pPr lvl="0"/>
+            <a:r>
+              <a:t>You can select one of several standard licenses on GitHub or upload your own.</a:t>
+            </a:r>
+          </a:p>
+          <a:p>
+            <a:pPr marL="0" lvl="0" indent="0">
+              <a:spcBef>
+                <a:spcPts val="3000"/>
+              </a:spcBef>
+              <a:buNone/>
+            </a:pPr>
+            <a:r>
+              <a:rPr b="1"/>
+              <a:t>Content licenses</a:t>
+            </a:r>
+          </a:p>
+          <a:p>
+            <a:pPr marL="0" lvl="0" indent="0">
+              <a:buNone/>
+            </a:pPr>
+            <a:r>
+              <a:t>The most common here is the Creative Commons Attribution International license, </a:t>
+            </a:r>
+            <a:r>
+              <a:rPr>
+                <a:hlinkClick r:id="rId3"/>
+              </a:rPr>
+              <a:t>CC BY 4.0</a:t>
+            </a:r>
+            <a:r>
+              <a:t>. Wellcome funded research needs to be published using this license.</a:t>
+            </a:r>
+          </a:p>
+          <a:p>
+            <a:pPr marL="0" lvl="0" indent="0">
+              <a:spcBef>
+                <a:spcPts val="3000"/>
+              </a:spcBef>
+              <a:buNone/>
+            </a:pPr>
+            <a:r>
+              <a:rPr b="1"/>
+              <a:t>The Unlicense</a:t>
+            </a:r>
+          </a:p>
+          <a:p>
+            <a:pPr marL="0" lvl="0" indent="0">
+              <a:buNone/>
+            </a:pPr>
+            <a:r>
+              <a:t>This is a public-domain equivalent license, without an attribution clause but with a no-warranty statement. See </a:t>
+            </a:r>
+            <a:r>
+              <a:rPr>
+                <a:hlinkClick r:id="rId4"/>
+              </a:rPr>
+              <a:t>http://unlicense.org</a:t>
+            </a:r>
+            <a:r>
+              <a:t>.</a:t>
+            </a:r>
+          </a:p>
+        </p:txBody>
+      </p:sp>
+      <p:sp>
+        <p:nvSpPr>
+          <p:cNvPr id="6" name="Slide Number Placeholder 5">
+            <a:extLst>
+              <a:ext uri="{FF2B5EF4-FFF2-40B4-BE49-F238E27FC236}">
+                <a16:creationId xmlns:a16="http://schemas.microsoft.com/office/drawing/2014/main" id="{C03F998A-2A5E-471F-9FEB-2559B0A7F93D}"/>
+              </a:ext>
+            </a:extLst>
+          </p:cNvPr>
+          <p:cNvSpPr>
+            <a:spLocks noGrp="1"/>
+          </p:cNvSpPr>
+          <p:nvPr>
+            <p:ph type="sldNum" sz="quarter" idx="12"/>
+          </p:nvPr>
+        </p:nvSpPr>
+        <p:spPr/>
+        <p:txBody>
+          <a:bodyPr/>
+          <a:lstStyle/>
+          <a:p>
+            <a:fld id="{E1C5CB42-CF14-4293-8971-6DCD1AAE8BE7}" type="slidenum">
+              <a:rPr lang="en-GB" smtClean="0"/>
+              <a:t>27</a:t>
+            </a:fld>
+            <a:endParaRPr lang="en-GB"/>
+          </a:p>
+        </p:txBody>
+      </p:sp>
+    </p:spTree>
+  </p:cSld>
+  <p:clrMapOvr>
+    <a:masterClrMapping/>
+  </p:clrMapOvr>
+</p:sld>
+</file>
+
+<file path=ppt/slides/slide28.xml><?xml version="1.0" encoding="utf-8"?>
+<p:sld xmlns:a="http://schemas.openxmlformats.org/drawingml/2006/main" xmlns:r="http://schemas.openxmlformats.org/officeDocument/2006/relationships" xmlns:p="http://schemas.openxmlformats.org/presentationml/2006/main">
+  <p:cSld>
+    <p:spTree>
+      <p:nvGrpSpPr>
+        <p:cNvPr id="1" name=""/>
+        <p:cNvGrpSpPr/>
+        <p:nvPr/>
+      </p:nvGrpSpPr>
+      <p:grpSpPr>
+        <a:xfrm>
+          <a:off x="0" y="0"/>
+          <a:ext cx="0" cy="0"/>
+          <a:chOff x="0" y="0"/>
+          <a:chExt cx="0" cy="0"/>
+        </a:xfrm>
+      </p:grpSpPr>
+      <p:sp>
+        <p:nvSpPr>
+          <p:cNvPr id="3" name="Content Placeholder 2">
+            <a:extLst>
+              <a:ext uri="{FF2B5EF4-FFF2-40B4-BE49-F238E27FC236}">
+                <a16:creationId xmlns:a16="http://schemas.microsoft.com/office/drawing/2014/main" id="{288BC91F-1C76-43AE-8B2A-956D48B768BE}"/>
+              </a:ext>
+            </a:extLst>
+          </p:cNvPr>
+          <p:cNvSpPr>
+            <a:spLocks noGrp="1"/>
+          </p:cNvSpPr>
+          <p:nvPr>
+            <p:ph idx="1"/>
+          </p:nvPr>
+        </p:nvSpPr>
+        <p:spPr/>
+        <p:txBody>
+          <a:bodyPr/>
+          <a:lstStyle/>
+          <a:p>
+            <a:pPr marL="0" lvl="0" indent="0">
+              <a:buNone/>
+            </a:pPr>
+            <a:r>
+              <a:t>[end of Session 6]</a:t>
+            </a:r>
+          </a:p>
+        </p:txBody>
+      </p:sp>
+      <p:sp>
+        <p:nvSpPr>
+          <p:cNvPr id="6" name="Slide Number Placeholder 5">
+            <a:extLst>
+              <a:ext uri="{FF2B5EF4-FFF2-40B4-BE49-F238E27FC236}">
+                <a16:creationId xmlns:a16="http://schemas.microsoft.com/office/drawing/2014/main" id="{C03F998A-2A5E-471F-9FEB-2559B0A7F93D}"/>
+              </a:ext>
+            </a:extLst>
+          </p:cNvPr>
+          <p:cNvSpPr>
+            <a:spLocks noGrp="1"/>
+          </p:cNvSpPr>
+          <p:nvPr>
+            <p:ph type="sldNum" sz="quarter" idx="12"/>
+          </p:nvPr>
+        </p:nvSpPr>
+        <p:spPr/>
+        <p:txBody>
+          <a:bodyPr/>
+          <a:lstStyle/>
+          <a:p>
+            <a:fld id="{E1C5CB42-CF14-4293-8971-6DCD1AAE8BE7}" type="slidenum">
+              <a:rPr lang="en-GB" smtClean="0"/>
+              <a:t>28</a:t>
+            </a:fld>
+            <a:endParaRPr lang="en-GB"/>
+          </a:p>
+        </p:txBody>
+      </p:sp>
+    </p:spTree>
+  </p:cSld>
+  <p:clrMapOvr>
+    <a:masterClrMapping/>
+  </p:clrMapOvr>
+</p:sld>
+</file>
+
+<file path=ppt/slides/slide29.xml><?xml version="1.0" encoding="utf-8"?>
+<p:sld xmlns:a="http://schemas.openxmlformats.org/drawingml/2006/main" xmlns:r="http://schemas.openxmlformats.org/officeDocument/2006/relationships" xmlns:p="http://schemas.openxmlformats.org/presentationml/2006/main">
+  <p:cSld>
+    <p:spTree>
+      <p:nvGrpSpPr>
+        <p:cNvPr id="1" name=""/>
+        <p:cNvGrpSpPr/>
+        <p:nvPr/>
+      </p:nvGrpSpPr>
+      <p:grpSpPr>
+        <a:xfrm>
+          <a:off x="0" y="0"/>
+          <a:ext cx="0" cy="0"/>
+          <a:chOff x="0" y="0"/>
+          <a:chExt cx="0" cy="0"/>
+        </a:xfrm>
+      </p:grpSpPr>
+      <p:sp>
+        <p:nvSpPr>
+          <p:cNvPr id="2" name="Title 1">
+            <a:extLst>
+              <a:ext uri="{FF2B5EF4-FFF2-40B4-BE49-F238E27FC236}">
+                <a16:creationId xmlns:a16="http://schemas.microsoft.com/office/drawing/2014/main" id="{D6AA89D5-560C-4369-A313-7C24EDF028A0}"/>
+              </a:ext>
+            </a:extLst>
+          </p:cNvPr>
+          <p:cNvSpPr>
+            <a:spLocks noGrp="1"/>
+          </p:cNvSpPr>
+          <p:nvPr>
+            <p:ph type="title"/>
+          </p:nvPr>
+        </p:nvSpPr>
+        <p:spPr/>
+        <p:txBody>
+          <a:bodyPr/>
+          <a:lstStyle/>
+          <a:p>
+            <a:pPr marL="0" lvl="0" indent="0">
+              <a:buNone/>
+            </a:pPr>
+            <a:r>
+              <a:t>Notes</a:t>
+            </a:r>
+          </a:p>
+        </p:txBody>
+      </p:sp>
+      <p:sp>
+        <p:nvSpPr>
+          <p:cNvPr id="3" name="Content Placeholder 2">
+            <a:extLst>
+              <a:ext uri="{FF2B5EF4-FFF2-40B4-BE49-F238E27FC236}">
+                <a16:creationId xmlns:a16="http://schemas.microsoft.com/office/drawing/2014/main" id="{288BC91F-1C76-43AE-8B2A-956D48B768BE}"/>
+              </a:ext>
+            </a:extLst>
+          </p:cNvPr>
+          <p:cNvSpPr>
+            <a:spLocks noGrp="1"/>
+          </p:cNvSpPr>
+          <p:nvPr>
+            <p:ph idx="1"/>
+          </p:nvPr>
+        </p:nvSpPr>
+        <p:spPr/>
+        <p:txBody>
+          <a:bodyPr/>
+          <a:lstStyle/>
+          <a:p>
+            <a:pPr marL="0" lvl="0" indent="0">
+              <a:buNone/>
+            </a:pPr>
+            <a:r>
+              <a:rPr sz="1800"/>
+              <a:t>1. Machado, J., </a:t>
+            </a:r>
+            <a:r>
+              <a:rPr sz="1800" i="1"/>
+              <a:t>“Open data and open science”</a:t>
+            </a:r>
+            <a:r>
+              <a:rPr sz="1800"/>
+              <a:t>. In Albagli, Maciel &amp; Abdo, </a:t>
+            </a:r>
+            <a:r>
+              <a:rPr sz="1800" i="1"/>
+              <a:t>“Open Science, Open Questions”</a:t>
+            </a:r>
+            <a:r>
+              <a:rPr sz="1800"/>
+              <a:t> 2015.</a:t>
+            </a:r>
+          </a:p>
+          <a:p>
+            <a:pPr marL="0" lvl="0" indent="0">
+              <a:buNone/>
+            </a:pPr>
+            <a:r>
+              <a:rPr sz="1800"/>
+              <a:t>2. </a:t>
+            </a:r>
+            <a:r>
+              <a:rPr sz="1800">
+                <a:hlinkClick r:id="rId2"/>
+              </a:rPr>
+              <a:t>https://www.sciencemag.org/site/special/h5n1</a:t>
+            </a:r>
+          </a:p>
+          <a:p>
+            <a:pPr marL="0" lvl="0" indent="0">
+              <a:buNone/>
+            </a:pPr>
+            <a:r>
+              <a:rPr sz="1800"/>
+              <a:t>3. </a:t>
+            </a:r>
+            <a:r>
+              <a:rPr sz="1800">
+                <a:hlinkClick r:id="rId3"/>
+              </a:rPr>
+              <a:t>https://r4ds.had.co.nz</a:t>
+            </a:r>
+          </a:p>
+        </p:txBody>
+      </p:sp>
+      <p:sp>
+        <p:nvSpPr>
+          <p:cNvPr id="6" name="Slide Number Placeholder 5">
+            <a:extLst>
+              <a:ext uri="{FF2B5EF4-FFF2-40B4-BE49-F238E27FC236}">
+                <a16:creationId xmlns:a16="http://schemas.microsoft.com/office/drawing/2014/main" id="{C03F998A-2A5E-471F-9FEB-2559B0A7F93D}"/>
+              </a:ext>
+            </a:extLst>
+          </p:cNvPr>
+          <p:cNvSpPr>
+            <a:spLocks noGrp="1"/>
+          </p:cNvSpPr>
+          <p:nvPr>
+            <p:ph type="sldNum" sz="quarter" idx="12"/>
+          </p:nvPr>
+        </p:nvSpPr>
+        <p:spPr/>
+        <p:txBody>
+          <a:bodyPr/>
+          <a:lstStyle/>
+          <a:p>
+            <a:fld id="{E1C5CB42-CF14-4293-8971-6DCD1AAE8BE7}" type="slidenum">
+              <a:rPr lang="en-GB" smtClean="0"/>
+              <a:t>29</a:t>
+            </a:fld>
+            <a:endParaRPr lang="en-GB"/>
+          </a:p>
+        </p:txBody>
+      </p:sp>
+    </p:spTree>
+  </p:cSld>
+  <p:clrMapOvr>
+    <a:masterClrMapping/>
+  </p:clrMapOvr>
+</p:sld>
+</file>
+
+<file path=ppt/slides/slide3.xml><?xml version="1.0" encoding="utf-8"?>
+<p:sld xmlns:a="http://schemas.openxmlformats.org/drawingml/2006/main" xmlns:r="http://schemas.openxmlformats.org/officeDocument/2006/relationships" xmlns:p="http://schemas.openxmlformats.org/presentationml/2006/main">
+  <p:cSld>
+    <p:spTree>
+      <p:nvGrpSpPr>
+        <p:cNvPr id="1" name=""/>
+        <p:cNvGrpSpPr/>
+        <p:nvPr/>
+      </p:nvGrpSpPr>
+      <p:grpSpPr>
+        <a:xfrm>
+          <a:off x="0" y="0"/>
+          <a:ext cx="0" cy="0"/>
+          <a:chOff x="0" y="0"/>
+          <a:chExt cx="0" cy="0"/>
+        </a:xfrm>
+      </p:grpSpPr>
+      <p:sp>
+        <p:nvSpPr>
+          <p:cNvPr id="2" name="Title 1">
+            <a:extLst>
+              <a:ext uri="{FF2B5EF4-FFF2-40B4-BE49-F238E27FC236}">
+                <a16:creationId xmlns:a16="http://schemas.microsoft.com/office/drawing/2014/main" id="{D6AA89D5-560C-4369-A313-7C24EDF028A0}"/>
+              </a:ext>
+            </a:extLst>
+          </p:cNvPr>
+          <p:cNvSpPr>
+            <a:spLocks noGrp="1"/>
+          </p:cNvSpPr>
+          <p:nvPr>
+            <p:ph type="title"/>
+          </p:nvPr>
+        </p:nvSpPr>
+        <p:spPr/>
+        <p:txBody>
+          <a:bodyPr/>
+          <a:lstStyle/>
+          <a:p>
+            <a:pPr marL="0" lvl="0" indent="0">
+              <a:buNone/>
+            </a:pPr>
+            <a:r>
+              <a:t>Preliminaries</a:t>
             </a:r>
           </a:p>
         </p:txBody>
@@ -4544,10 +7322,40 @@
             </p:nvSpPr>
             <p:spPr/>
             <p:txBody>
-              <a:bodyPr/>
+              <a:bodyPr>
+                <a:normAutofit/>
+              </a:bodyPr>
               <a:lstStyle/>
               <a:p>
-                <a:pPr lvl="0" indent="0" marL="0">
+                <a:pPr lvl="0"/>
+                <a:r>
+                  <a:rPr dirty="0"/>
+                  <a:t>Certificates of attendance</a:t>
+                </a:r>
+              </a:p>
+              <a:p>
+                <a:pPr lvl="1"/>
+                <a:r>
+                  <a:rPr dirty="0"/>
+                  <a:t>You need to attend all 6 sessions.</a:t>
+                </a:r>
+              </a:p>
+              <a:p>
+                <a:pPr lvl="1"/>
+                <a:r>
+                  <a:rPr dirty="0"/>
+                  <a:t>Sign in &amp; check spelling of name on the sign-in sheet!</a:t>
+                </a:r>
+              </a:p>
+              <a:p>
+                <a:pPr lvl="1"/>
+                <a:r>
+                  <a:rPr dirty="0"/>
+                  <a:t>Only issued if paid-up and in exchange for completed feedback form.</a:t>
+                </a:r>
+              </a:p>
+              <a:p>
+                <a:pPr marL="0" lvl="0" indent="0">
                   <a:buNone/>
                 </a:pPr>
                 <a14:m>
@@ -4555,25 +7363,33 @@
                     <m:oMathParaPr>
                       <m:jc m:val="center"/>
                     </m:oMathParaPr>
-                    <m:oMath>
+                    <m:oMath xmlns:m="http://schemas.openxmlformats.org/officeDocument/2006/math">
                       <m:r>
+                        <a:rPr sz="400">
+                          <a:latin typeface="Cambria Math" panose="02040503050406030204" pitchFamily="18" charset="0"/>
+                        </a:rPr>
                         <m:t> </m:t>
                       </m:r>
                     </m:oMath>
                   </m:oMathPara>
                 </a14:m>
+                <a:endParaRPr sz="400" dirty="0"/>
               </a:p>
               <a:p>
-                <a:pPr lvl="0" indent="0" marL="0">
-                  <a:buNone/>
-                </a:pPr>
+                <a:pPr lvl="0"/>
                 <a:r>
-                  <a:rPr b="1"/>
-                  <a:t>Exercise</a:t>
+                  <a:rPr dirty="0"/>
+                  <a:t>Course website / GitHub: </a:t>
+                </a:r>
+                <a:r>
+                  <a:rPr dirty="0">
+                    <a:hlinkClick r:id="rId2"/>
+                  </a:rPr>
+                  <a:t>https://github.com/mlw-stats/R_And_Statistics_Training_Autumn2023</a:t>
                 </a:r>
               </a:p>
               <a:p>
-                <a:pPr lvl="0" indent="0" marL="0">
+                <a:pPr marL="0" lvl="0" indent="0">
                   <a:buNone/>
                 </a:pPr>
                 <a14:m>
@@ -4581,966 +7397,94 @@
                     <m:oMathParaPr>
                       <m:jc m:val="center"/>
                     </m:oMathParaPr>
-                    <m:oMath>
+                    <m:oMath xmlns:m="http://schemas.openxmlformats.org/officeDocument/2006/math">
                       <m:r>
+                        <a:rPr sz="400">
+                          <a:latin typeface="Cambria Math" panose="02040503050406030204" pitchFamily="18" charset="0"/>
+                        </a:rPr>
                         <m:t> </m:t>
                       </m:r>
                     </m:oMath>
                   </m:oMathPara>
                 </a14:m>
-              </a:p>
-              <a:p>
-                <a:pPr lvl="0" indent="-457200" marL="457200">
-                  <a:buAutoNum type="arabicPeriod"/>
-                </a:pPr>
-                <a:r>
-                  <a:rPr/>
-                  <a:t>Simulate a dataset and save it as a binary R data file (*.rda or *.RData).</a:t>
-                </a:r>
-              </a:p>
-              <a:p>
-                <a:pPr lvl="0" indent="-457200" marL="457200">
-                  <a:buAutoNum type="arabicPeriod"/>
-                </a:pPr>
-                <a:r>
-                  <a:rPr/>
-                  <a:t>(In RStudio): File –&gt; New File –&gt; Quarto document… –&gt; (select type of output; choose html; untick the ‘use visual markdown editor’ box), then click on ‘Render’ in the script editor panel.</a:t>
-                </a:r>
-              </a:p>
-              <a:p>
-                <a:pPr lvl="0" indent="-457200" marL="457200">
-                  <a:buAutoNum type="arabicPeriod"/>
-                </a:pPr>
-                <a:r>
-                  <a:rPr/>
-                  <a:t>Write a new quarto document which:</a:t>
-                </a:r>
+                <a:endParaRPr sz="400" dirty="0">
+                  <a:hlinkClick r:id="rId2"/>
+                </a:endParaRPr>
               </a:p>
               <a:p>
                 <a:pPr lvl="0"/>
                 <a:r>
-                  <a:rPr/>
-                  <a:t>Loads the simulated data.</a:t>
+                  <a:rPr dirty="0"/>
+                  <a:t>Office hours</a:t>
                 </a:r>
+              </a:p>
+              <a:p>
+                <a:pPr lvl="1"/>
+                <a:r>
+                  <a:rPr dirty="0"/>
+                  <a:t>James - Wednesdays 2.00pm-3.00pm</a:t>
+                </a:r>
+              </a:p>
+              <a:p>
+                <a:pPr lvl="1"/>
+                <a:r>
+                  <a:rPr dirty="0"/>
+                  <a:t>Eva - Wednesdays 3.00pm-4.00pm</a:t>
+                </a:r>
+              </a:p>
+              <a:p>
+                <a:pPr lvl="1"/>
+                <a:r>
+                  <a:rPr dirty="0"/>
+                  <a:t>Marc - Tuesdays 9.00am-10.00am</a:t>
+                </a:r>
+              </a:p>
+              <a:p>
+                <a:pPr marL="0" lvl="0" indent="0">
+                  <a:buNone/>
+                </a:pPr>
+                <a14:m>
+                  <m:oMathPara xmlns:m="http://schemas.openxmlformats.org/officeDocument/2006/math">
+                    <m:oMathParaPr>
+                      <m:jc m:val="center"/>
+                    </m:oMathParaPr>
+                    <m:oMath xmlns:m="http://schemas.openxmlformats.org/officeDocument/2006/math">
+                      <m:r>
+                        <a:rPr sz="400">
+                          <a:latin typeface="Cambria Math" panose="02040503050406030204" pitchFamily="18" charset="0"/>
+                        </a:rPr>
+                        <m:t> </m:t>
+                      </m:r>
+                    </m:oMath>
+                  </m:oMathPara>
+                </a14:m>
+                <a:endParaRPr sz="400" dirty="0"/>
               </a:p>
               <a:p>
                 <a:pPr lvl="0"/>
                 <a:r>
-                  <a:rPr/>
-                  <a:t>Performs a basic analysis and produces a table with results.</a:t>
+                  <a:rPr dirty="0"/>
+                  <a:t>Housekeeping</a:t>
                 </a:r>
               </a:p>
               <a:p>
-                <a:pPr lvl="0"/>
+                <a:pPr lvl="1"/>
                 <a:r>
-                  <a:rPr/>
-                  <a:t>Displays a graph.</a:t>
+                  <a:rPr dirty="0"/>
+                  <a:t>Refreshments (no lunch - sorry)</a:t>
                 </a:r>
               </a:p>
               <a:p>
-                <a:pPr lvl="0" indent="0" marL="0">
-                  <a:buNone/>
-                </a:pPr>
+                <a:pPr lvl="1"/>
                 <a:r>
-                  <a:rPr/>
-                  <a:t>Make sure to use quarto’s capability of providing a </a:t>
-                </a:r>
-                <a:r>
-                  <a:rPr i="1"/>
-                  <a:t>commentary</a:t>
-                </a:r>
-                <a:r>
-                  <a:rPr/>
-                  <a:t> along with your analysis.</a:t>
+                  <a:rPr dirty="0"/>
+                  <a:t>Fire exits &amp; bathrooms</a:t>
                 </a:r>
               </a:p>
             </p:txBody>
           </p:sp>
         </mc:Choice>
-      </mc:AlternateContent>
-      <p:sp>
-        <p:nvSpPr>
-          <p:cNvPr id="6" name="Slide Number Placeholder 5">
-            <a:extLst>
-              <a:ext uri="{FF2B5EF4-FFF2-40B4-BE49-F238E27FC236}">
-                <a16:creationId xmlns:a16="http://schemas.microsoft.com/office/drawing/2014/main" id="{C03F998A-2A5E-471F-9FEB-2559B0A7F93D}"/>
-              </a:ext>
-            </a:extLst>
-          </p:cNvPr>
-          <p:cNvSpPr>
-            <a:spLocks noGrp="1"/>
-          </p:cNvSpPr>
-          <p:nvPr>
-            <p:ph idx="12" sz="quarter" type="sldNum"/>
-          </p:nvPr>
-        </p:nvSpPr>
-        <p:spPr/>
-        <p:txBody>
-          <a:bodyPr/>
-          <a:lstStyle/>
-          <a:p>
-            <a:fld id="{E1C5CB42-CF14-4293-8971-6DCD1AAE8BE7}" type="slidenum">
-              <a:rPr lang="en-GB" smtClean="0"/>
-              <a:t>‹#›</a:t>
-            </a:fld>
-            <a:endParaRPr lang="en-GB"/>
-          </a:p>
-        </p:txBody>
-      </p:sp>
-    </p:spTree>
-  </p:cSld>
-</p:sld>
-</file>
-
-<file path=ppt/slides/slide18.xml><?xml version="1.0" encoding="utf-8"?>
-<p:sld xmlns:a="http://schemas.openxmlformats.org/drawingml/2006/main" xmlns:r="http://schemas.openxmlformats.org/officeDocument/2006/relationships" xmlns:p="http://schemas.openxmlformats.org/presentationml/2006/main">
-  <p:cSld>
-    <p:spTree>
-      <p:nvGrpSpPr>
-        <p:cNvPr id="1" name=""/>
-        <p:cNvGrpSpPr/>
-        <p:nvPr/>
-      </p:nvGrpSpPr>
-      <p:grpSpPr>
-        <a:xfrm>
-          <a:off x="0" y="0"/>
-          <a:ext cx="0" cy="0"/>
-          <a:chOff x="0" y="0"/>
-          <a:chExt cx="0" cy="0"/>
-        </a:xfrm>
-      </p:grpSpPr>
-      <p:sp>
-        <p:nvSpPr>
-          <p:cNvPr id="2" name="Title 1">
-            <a:extLst>
-              <a:ext uri="{FF2B5EF4-FFF2-40B4-BE49-F238E27FC236}">
-                <a16:creationId xmlns:a16="http://schemas.microsoft.com/office/drawing/2014/main" id="{D6AA89D5-560C-4369-A313-7C24EDF028A0}"/>
-              </a:ext>
-            </a:extLst>
-          </p:cNvPr>
-          <p:cNvSpPr>
-            <a:spLocks noGrp="1"/>
-          </p:cNvSpPr>
-          <p:nvPr>
-            <p:ph type="title"/>
-          </p:nvPr>
-        </p:nvSpPr>
-        <p:spPr/>
-        <p:txBody>
-          <a:bodyPr/>
-          <a:lstStyle/>
-          <a:p>
-            <a:pPr lvl="0" indent="0" marL="0">
-              <a:buNone/>
-            </a:pPr>
-            <a:r>
-              <a:rPr/>
-              <a:t>Quarto / R markdown</a:t>
-            </a:r>
-          </a:p>
-        </p:txBody>
-      </p:sp>
-      <p:sp>
-        <p:nvSpPr>
-          <p:cNvPr id="3" name="Content Placeholder 2">
-            <a:extLst>
-              <a:ext uri="{FF2B5EF4-FFF2-40B4-BE49-F238E27FC236}">
-                <a16:creationId xmlns:a16="http://schemas.microsoft.com/office/drawing/2014/main" id="{288BC91F-1C76-43AE-8B2A-956D48B768BE}"/>
-              </a:ext>
-            </a:extLst>
-          </p:cNvPr>
-          <p:cNvSpPr>
-            <a:spLocks noGrp="1"/>
-          </p:cNvSpPr>
-          <p:nvPr>
-            <p:ph idx="1"/>
-          </p:nvPr>
-        </p:nvSpPr>
-        <p:spPr/>
-        <p:txBody>
-          <a:bodyPr/>
-          <a:lstStyle/>
-          <a:p>
-            <a:pPr lvl="0" indent="0" marL="0">
-              <a:buNone/>
-            </a:pPr>
-            <a:r>
-              <a:rPr/>
-              <a:t>Simulated data (as an example):</a:t>
-            </a:r>
-          </a:p>
-          <a:p>
-            <a:pPr lvl="0" indent="0">
-              <a:buNone/>
-            </a:pPr>
-            <a:r>
-              <a:rPr>
-                <a:solidFill>
-                  <a:srgbClr val="003B4F"/>
-                </a:solidFill>
-                <a:latin typeface="Courier"/>
-              </a:rPr>
-              <a:t>dat&lt;-</a:t>
-            </a:r>
-            <a:r>
-              <a:rPr>
-                <a:solidFill>
-                  <a:srgbClr val="4758AB"/>
-                </a:solidFill>
-                <a:latin typeface="Courier"/>
-              </a:rPr>
-              <a:t>data.frame</a:t>
-            </a:r>
-            <a:r>
-              <a:rPr>
-                <a:solidFill>
-                  <a:srgbClr val="003B4F"/>
-                </a:solidFill>
-                <a:latin typeface="Courier"/>
-              </a:rPr>
-              <a:t>(</a:t>
-            </a:r>
-            <a:br/>
-            <a:r>
-              <a:rPr>
-                <a:solidFill>
-                  <a:srgbClr val="003B4F"/>
-                </a:solidFill>
-                <a:latin typeface="Courier"/>
-              </a:rPr>
-              <a:t>  </a:t>
-            </a:r>
-            <a:r>
-              <a:rPr>
-                <a:solidFill>
-                  <a:srgbClr val="657422"/>
-                </a:solidFill>
-                <a:latin typeface="Courier"/>
-              </a:rPr>
-              <a:t>type=</a:t>
-            </a:r>
-            <a:r>
-              <a:rPr>
-                <a:solidFill>
-                  <a:srgbClr val="4758AB"/>
-                </a:solidFill>
-                <a:latin typeface="Courier"/>
-              </a:rPr>
-              <a:t>sample</a:t>
-            </a:r>
-            <a:r>
-              <a:rPr>
-                <a:solidFill>
-                  <a:srgbClr val="003B4F"/>
-                </a:solidFill>
-                <a:latin typeface="Courier"/>
-              </a:rPr>
-              <a:t>(</a:t>
-            </a:r>
-            <a:r>
-              <a:rPr>
-                <a:solidFill>
-                  <a:srgbClr val="4758AB"/>
-                </a:solidFill>
-                <a:latin typeface="Courier"/>
-              </a:rPr>
-              <a:t>c</a:t>
-            </a:r>
-            <a:r>
-              <a:rPr>
-                <a:solidFill>
-                  <a:srgbClr val="003B4F"/>
-                </a:solidFill>
-                <a:latin typeface="Courier"/>
-              </a:rPr>
-              <a:t>(</a:t>
-            </a:r>
-            <a:r>
-              <a:rPr>
-                <a:solidFill>
-                  <a:srgbClr val="20794D"/>
-                </a:solidFill>
-                <a:latin typeface="Courier"/>
-              </a:rPr>
-              <a:t>"A"</a:t>
-            </a:r>
-            <a:r>
-              <a:rPr>
-                <a:solidFill>
-                  <a:srgbClr val="003B4F"/>
-                </a:solidFill>
-                <a:latin typeface="Courier"/>
-              </a:rPr>
-              <a:t>,</a:t>
-            </a:r>
-            <a:r>
-              <a:rPr>
-                <a:solidFill>
-                  <a:srgbClr val="20794D"/>
-                </a:solidFill>
-                <a:latin typeface="Courier"/>
-              </a:rPr>
-              <a:t>"B"</a:t>
-            </a:r>
-            <a:r>
-              <a:rPr>
-                <a:solidFill>
-                  <a:srgbClr val="003B4F"/>
-                </a:solidFill>
-                <a:latin typeface="Courier"/>
-              </a:rPr>
-              <a:t>),</a:t>
-            </a:r>
-            <a:r>
-              <a:rPr>
-                <a:solidFill>
-                  <a:srgbClr val="657422"/>
-                </a:solidFill>
-                <a:latin typeface="Courier"/>
-              </a:rPr>
-              <a:t>size=</a:t>
-            </a:r>
-            <a:r>
-              <a:rPr>
-                <a:solidFill>
-                  <a:srgbClr val="AD0000"/>
-                </a:solidFill>
-                <a:latin typeface="Courier"/>
-              </a:rPr>
-              <a:t>100</a:t>
-            </a:r>
-            <a:r>
-              <a:rPr>
-                <a:solidFill>
-                  <a:srgbClr val="003B4F"/>
-                </a:solidFill>
-                <a:latin typeface="Courier"/>
-              </a:rPr>
-              <a:t>,</a:t>
-            </a:r>
-            <a:r>
-              <a:rPr>
-                <a:solidFill>
-                  <a:srgbClr val="657422"/>
-                </a:solidFill>
-                <a:latin typeface="Courier"/>
-              </a:rPr>
-              <a:t>prob=</a:t>
-            </a:r>
-            <a:r>
-              <a:rPr>
-                <a:solidFill>
-                  <a:srgbClr val="4758AB"/>
-                </a:solidFill>
-                <a:latin typeface="Courier"/>
-              </a:rPr>
-              <a:t>c</a:t>
-            </a:r>
-            <a:r>
-              <a:rPr>
-                <a:solidFill>
-                  <a:srgbClr val="003B4F"/>
-                </a:solidFill>
-                <a:latin typeface="Courier"/>
-              </a:rPr>
-              <a:t>(</a:t>
-            </a:r>
-            <a:r>
-              <a:rPr>
-                <a:solidFill>
-                  <a:srgbClr val="AD0000"/>
-                </a:solidFill>
-                <a:latin typeface="Courier"/>
-              </a:rPr>
-              <a:t>0.6</a:t>
-            </a:r>
-            <a:r>
-              <a:rPr>
-                <a:solidFill>
-                  <a:srgbClr val="003B4F"/>
-                </a:solidFill>
-                <a:latin typeface="Courier"/>
-              </a:rPr>
-              <a:t>,</a:t>
-            </a:r>
-            <a:r>
-              <a:rPr>
-                <a:solidFill>
-                  <a:srgbClr val="AD0000"/>
-                </a:solidFill>
-                <a:latin typeface="Courier"/>
-              </a:rPr>
-              <a:t>0.4</a:t>
-            </a:r>
-            <a:r>
-              <a:rPr>
-                <a:solidFill>
-                  <a:srgbClr val="003B4F"/>
-                </a:solidFill>
-                <a:latin typeface="Courier"/>
-              </a:rPr>
-              <a:t>),</a:t>
-            </a:r>
-            <a:r>
-              <a:rPr>
-                <a:solidFill>
-                  <a:srgbClr val="657422"/>
-                </a:solidFill>
-                <a:latin typeface="Courier"/>
-              </a:rPr>
-              <a:t>replace=</a:t>
-            </a:r>
-            <a:r>
-              <a:rPr>
-                <a:solidFill>
-                  <a:srgbClr val="003B4F"/>
-                </a:solidFill>
-                <a:latin typeface="Courier"/>
-              </a:rPr>
-              <a:t>T),</a:t>
-            </a:r>
-            <a:br/>
-            <a:r>
-              <a:rPr>
-                <a:solidFill>
-                  <a:srgbClr val="003B4F"/>
-                </a:solidFill>
-                <a:latin typeface="Courier"/>
-              </a:rPr>
-              <a:t>  x&lt;-</a:t>
-            </a:r>
-            <a:r>
-              <a:rPr>
-                <a:solidFill>
-                  <a:srgbClr val="4758AB"/>
-                </a:solidFill>
-                <a:latin typeface="Courier"/>
-              </a:rPr>
-              <a:t>rnorm</a:t>
-            </a:r>
-            <a:r>
-              <a:rPr>
-                <a:solidFill>
-                  <a:srgbClr val="003B4F"/>
-                </a:solidFill>
-                <a:latin typeface="Courier"/>
-              </a:rPr>
-              <a:t>(</a:t>
-            </a:r>
-            <a:r>
-              <a:rPr>
-                <a:solidFill>
-                  <a:srgbClr val="AD0000"/>
-                </a:solidFill>
-                <a:latin typeface="Courier"/>
-              </a:rPr>
-              <a:t>100</a:t>
-            </a:r>
-            <a:r>
-              <a:rPr>
-                <a:solidFill>
-                  <a:srgbClr val="003B4F"/>
-                </a:solidFill>
-                <a:latin typeface="Courier"/>
-              </a:rPr>
-              <a:t>,</a:t>
-            </a:r>
-            <a:r>
-              <a:rPr>
-                <a:solidFill>
-                  <a:srgbClr val="657422"/>
-                </a:solidFill>
-                <a:latin typeface="Courier"/>
-              </a:rPr>
-              <a:t>sd=</a:t>
-            </a:r>
-            <a:r>
-              <a:rPr>
-                <a:solidFill>
-                  <a:srgbClr val="AD0000"/>
-                </a:solidFill>
-                <a:latin typeface="Courier"/>
-              </a:rPr>
-              <a:t>5</a:t>
-            </a:r>
-            <a:r>
-              <a:rPr>
-                <a:solidFill>
-                  <a:srgbClr val="003B4F"/>
-                </a:solidFill>
-                <a:latin typeface="Courier"/>
-              </a:rPr>
-              <a:t>),</a:t>
-            </a:r>
-            <a:br/>
-            <a:r>
-              <a:rPr>
-                <a:solidFill>
-                  <a:srgbClr val="003B4F"/>
-                </a:solidFill>
-                <a:latin typeface="Courier"/>
-              </a:rPr>
-              <a:t>  y&lt;-</a:t>
-            </a:r>
-            <a:r>
-              <a:rPr>
-                <a:solidFill>
-                  <a:srgbClr val="4758AB"/>
-                </a:solidFill>
-                <a:latin typeface="Courier"/>
-              </a:rPr>
-              <a:t>rexp</a:t>
-            </a:r>
-            <a:r>
-              <a:rPr>
-                <a:solidFill>
-                  <a:srgbClr val="003B4F"/>
-                </a:solidFill>
-                <a:latin typeface="Courier"/>
-              </a:rPr>
-              <a:t>(</a:t>
-            </a:r>
-            <a:r>
-              <a:rPr>
-                <a:solidFill>
-                  <a:srgbClr val="AD0000"/>
-                </a:solidFill>
-                <a:latin typeface="Courier"/>
-              </a:rPr>
-              <a:t>100</a:t>
-            </a:r>
-            <a:r>
-              <a:rPr>
-                <a:solidFill>
-                  <a:srgbClr val="003B4F"/>
-                </a:solidFill>
-                <a:latin typeface="Courier"/>
-              </a:rPr>
-              <a:t>)</a:t>
-            </a:r>
-            <a:br/>
-            <a:r>
-              <a:rPr>
-                <a:solidFill>
-                  <a:srgbClr val="003B4F"/>
-                </a:solidFill>
-                <a:latin typeface="Courier"/>
-              </a:rPr>
-              <a:t>)</a:t>
-            </a:r>
-            <a:br/>
-            <a:br/>
-            <a:r>
-              <a:rPr>
-                <a:solidFill>
-                  <a:srgbClr val="003B4F"/>
-                </a:solidFill>
-                <a:latin typeface="Courier"/>
-              </a:rPr>
-              <a:t>dat</a:t>
-            </a:r>
-            <a:r>
-              <a:rPr>
-                <a:solidFill>
-                  <a:srgbClr val="5E5E5E"/>
-                </a:solidFill>
-                <a:latin typeface="Courier"/>
-              </a:rPr>
-              <a:t>$</a:t>
-            </a:r>
-            <a:r>
-              <a:rPr>
-                <a:solidFill>
-                  <a:srgbClr val="003B4F"/>
-                </a:solidFill>
-                <a:latin typeface="Courier"/>
-              </a:rPr>
-              <a:t>z&lt;-</a:t>
-            </a:r>
-            <a:r>
-              <a:rPr>
-                <a:solidFill>
-                  <a:srgbClr val="4758AB"/>
-                </a:solidFill>
-                <a:latin typeface="Courier"/>
-              </a:rPr>
-              <a:t>ifelse</a:t>
-            </a:r>
-            <a:r>
-              <a:rPr>
-                <a:solidFill>
-                  <a:srgbClr val="003B4F"/>
-                </a:solidFill>
-                <a:latin typeface="Courier"/>
-              </a:rPr>
-              <a:t>(dat</a:t>
-            </a:r>
-            <a:r>
-              <a:rPr>
-                <a:solidFill>
-                  <a:srgbClr val="5E5E5E"/>
-                </a:solidFill>
-                <a:latin typeface="Courier"/>
-              </a:rPr>
-              <a:t>$</a:t>
-            </a:r>
-            <a:r>
-              <a:rPr>
-                <a:solidFill>
-                  <a:srgbClr val="003B4F"/>
-                </a:solidFill>
-                <a:latin typeface="Courier"/>
-              </a:rPr>
-              <a:t>type</a:t>
-            </a:r>
-            <a:r>
-              <a:rPr>
-                <a:solidFill>
-                  <a:srgbClr val="5E5E5E"/>
-                </a:solidFill>
-                <a:latin typeface="Courier"/>
-              </a:rPr>
-              <a:t>==</a:t>
-            </a:r>
-            <a:r>
-              <a:rPr>
-                <a:solidFill>
-                  <a:srgbClr val="20794D"/>
-                </a:solidFill>
-                <a:latin typeface="Courier"/>
-              </a:rPr>
-              <a:t>"A"</a:t>
-            </a:r>
-            <a:r>
-              <a:rPr>
-                <a:solidFill>
-                  <a:srgbClr val="003B4F"/>
-                </a:solidFill>
-                <a:latin typeface="Courier"/>
-              </a:rPr>
-              <a:t>, </a:t>
-            </a:r>
-            <a:r>
-              <a:rPr>
-                <a:solidFill>
-                  <a:srgbClr val="AD0000"/>
-                </a:solidFill>
-                <a:latin typeface="Courier"/>
-              </a:rPr>
-              <a:t>2</a:t>
-            </a:r>
-            <a:r>
-              <a:rPr>
-                <a:solidFill>
-                  <a:srgbClr val="5E5E5E"/>
-                </a:solidFill>
-                <a:latin typeface="Courier"/>
-              </a:rPr>
-              <a:t>*</a:t>
-            </a:r>
-            <a:r>
-              <a:rPr>
-                <a:solidFill>
-                  <a:srgbClr val="003B4F"/>
-                </a:solidFill>
-                <a:latin typeface="Courier"/>
-              </a:rPr>
-              <a:t>x</a:t>
-            </a:r>
-            <a:r>
-              <a:rPr>
-                <a:solidFill>
-                  <a:srgbClr val="5E5E5E"/>
-                </a:solidFill>
-                <a:latin typeface="Courier"/>
-              </a:rPr>
-              <a:t>-</a:t>
-            </a:r>
-            <a:r>
-              <a:rPr>
-                <a:solidFill>
-                  <a:srgbClr val="003B4F"/>
-                </a:solidFill>
-                <a:latin typeface="Courier"/>
-              </a:rPr>
-              <a:t>y</a:t>
-            </a:r>
-            <a:r>
-              <a:rPr>
-                <a:solidFill>
-                  <a:srgbClr val="5E5E5E"/>
-                </a:solidFill>
-                <a:latin typeface="Courier"/>
-              </a:rPr>
-              <a:t>+</a:t>
-            </a:r>
-            <a:r>
-              <a:rPr>
-                <a:solidFill>
-                  <a:srgbClr val="AD0000"/>
-                </a:solidFill>
-                <a:latin typeface="Courier"/>
-              </a:rPr>
-              <a:t>5</a:t>
-            </a:r>
-            <a:r>
-              <a:rPr>
-                <a:solidFill>
-                  <a:srgbClr val="003B4F"/>
-                </a:solidFill>
-                <a:latin typeface="Courier"/>
-              </a:rPr>
-              <a:t>, </a:t>
-            </a:r>
-            <a:r>
-              <a:rPr>
-                <a:solidFill>
-                  <a:srgbClr val="AD0000"/>
-                </a:solidFill>
-                <a:latin typeface="Courier"/>
-              </a:rPr>
-              <a:t>1.25</a:t>
-            </a:r>
-            <a:r>
-              <a:rPr>
-                <a:solidFill>
-                  <a:srgbClr val="5E5E5E"/>
-                </a:solidFill>
-                <a:latin typeface="Courier"/>
-              </a:rPr>
-              <a:t>*</a:t>
-            </a:r>
-            <a:r>
-              <a:rPr>
-                <a:solidFill>
-                  <a:srgbClr val="003B4F"/>
-                </a:solidFill>
-                <a:latin typeface="Courier"/>
-              </a:rPr>
-              <a:t>x</a:t>
-            </a:r>
-            <a:r>
-              <a:rPr>
-                <a:solidFill>
-                  <a:srgbClr val="AD0000"/>
-                </a:solidFill>
-                <a:latin typeface="Courier"/>
-              </a:rPr>
-              <a:t>-0.5</a:t>
-            </a:r>
-            <a:r>
-              <a:rPr>
-                <a:solidFill>
-                  <a:srgbClr val="5E5E5E"/>
-                </a:solidFill>
-                <a:latin typeface="Courier"/>
-              </a:rPr>
-              <a:t>*</a:t>
-            </a:r>
-            <a:r>
-              <a:rPr>
-                <a:solidFill>
-                  <a:srgbClr val="003B4F"/>
-                </a:solidFill>
-                <a:latin typeface="Courier"/>
-              </a:rPr>
-              <a:t>y</a:t>
-            </a:r>
-            <a:r>
-              <a:rPr>
-                <a:solidFill>
-                  <a:srgbClr val="5E5E5E"/>
-                </a:solidFill>
-                <a:latin typeface="Courier"/>
-              </a:rPr>
-              <a:t>+</a:t>
-            </a:r>
-            <a:r>
-              <a:rPr>
-                <a:solidFill>
-                  <a:srgbClr val="AD0000"/>
-                </a:solidFill>
-                <a:latin typeface="Courier"/>
-              </a:rPr>
-              <a:t>1</a:t>
-            </a:r>
-            <a:r>
-              <a:rPr>
-                <a:solidFill>
-                  <a:srgbClr val="003B4F"/>
-                </a:solidFill>
-                <a:latin typeface="Courier"/>
-              </a:rPr>
-              <a:t>) </a:t>
-            </a:r>
-            <a:r>
-              <a:rPr>
-                <a:solidFill>
-                  <a:srgbClr val="5E5E5E"/>
-                </a:solidFill>
-                <a:latin typeface="Courier"/>
-              </a:rPr>
-              <a:t>+</a:t>
-            </a:r>
-            <a:r>
-              <a:rPr>
-                <a:solidFill>
-                  <a:srgbClr val="003B4F"/>
-                </a:solidFill>
-                <a:latin typeface="Courier"/>
-              </a:rPr>
-              <a:t> </a:t>
-            </a:r>
-            <a:r>
-              <a:rPr>
-                <a:solidFill>
-                  <a:srgbClr val="4758AB"/>
-                </a:solidFill>
-                <a:latin typeface="Courier"/>
-              </a:rPr>
-              <a:t>rnorm</a:t>
-            </a:r>
-            <a:r>
-              <a:rPr>
-                <a:solidFill>
-                  <a:srgbClr val="003B4F"/>
-                </a:solidFill>
-                <a:latin typeface="Courier"/>
-              </a:rPr>
-              <a:t>(</a:t>
-            </a:r>
-            <a:r>
-              <a:rPr>
-                <a:solidFill>
-                  <a:srgbClr val="AD0000"/>
-                </a:solidFill>
-                <a:latin typeface="Courier"/>
-              </a:rPr>
-              <a:t>100</a:t>
-            </a:r>
-            <a:r>
-              <a:rPr>
-                <a:solidFill>
-                  <a:srgbClr val="003B4F"/>
-                </a:solidFill>
-                <a:latin typeface="Courier"/>
-              </a:rPr>
-              <a:t>,</a:t>
-            </a:r>
-            <a:r>
-              <a:rPr>
-                <a:solidFill>
-                  <a:srgbClr val="657422"/>
-                </a:solidFill>
-                <a:latin typeface="Courier"/>
-              </a:rPr>
-              <a:t>sd=</a:t>
-            </a:r>
-            <a:r>
-              <a:rPr>
-                <a:solidFill>
-                  <a:srgbClr val="AD0000"/>
-                </a:solidFill>
-                <a:latin typeface="Courier"/>
-              </a:rPr>
-              <a:t>1.25</a:t>
-            </a:r>
-            <a:r>
-              <a:rPr>
-                <a:solidFill>
-                  <a:srgbClr val="003B4F"/>
-                </a:solidFill>
-                <a:latin typeface="Courier"/>
-              </a:rPr>
-              <a:t>)</a:t>
-            </a:r>
-          </a:p>
-        </p:txBody>
-      </p:sp>
-      <p:sp>
-        <p:nvSpPr>
-          <p:cNvPr id="6" name="Slide Number Placeholder 5">
-            <a:extLst>
-              <a:ext uri="{FF2B5EF4-FFF2-40B4-BE49-F238E27FC236}">
-                <a16:creationId xmlns:a16="http://schemas.microsoft.com/office/drawing/2014/main" id="{C03F998A-2A5E-471F-9FEB-2559B0A7F93D}"/>
-              </a:ext>
-            </a:extLst>
-          </p:cNvPr>
-          <p:cNvSpPr>
-            <a:spLocks noGrp="1"/>
-          </p:cNvSpPr>
-          <p:nvPr>
-            <p:ph idx="12" sz="quarter" type="sldNum"/>
-          </p:nvPr>
-        </p:nvSpPr>
-        <p:spPr/>
-        <p:txBody>
-          <a:bodyPr/>
-          <a:lstStyle/>
-          <a:p>
-            <a:fld id="{E1C5CB42-CF14-4293-8971-6DCD1AAE8BE7}" type="slidenum">
-              <a:rPr lang="en-GB" smtClean="0"/>
-              <a:t>‹#›</a:t>
-            </a:fld>
-            <a:endParaRPr lang="en-GB"/>
-          </a:p>
-        </p:txBody>
-      </p:sp>
-    </p:spTree>
-  </p:cSld>
-</p:sld>
-</file>
-
-<file path=ppt/slides/slide19.xml><?xml version="1.0" encoding="utf-8"?>
-<p:sld xmlns:a="http://schemas.openxmlformats.org/drawingml/2006/main" xmlns:r="http://schemas.openxmlformats.org/officeDocument/2006/relationships" xmlns:p="http://schemas.openxmlformats.org/presentationml/2006/main">
-  <p:cSld>
-    <p:spTree>
-      <p:nvGrpSpPr>
-        <p:cNvPr id="1" name=""/>
-        <p:cNvGrpSpPr/>
-        <p:nvPr/>
-      </p:nvGrpSpPr>
-      <p:grpSpPr>
-        <a:xfrm>
-          <a:off x="0" y="0"/>
-          <a:ext cx="0" cy="0"/>
-          <a:chOff x="0" y="0"/>
-          <a:chExt cx="0" cy="0"/>
-        </a:xfrm>
-      </p:grpSpPr>
-      <p:sp>
-        <p:nvSpPr>
-          <p:cNvPr id="2" name="Title 1">
-            <a:extLst>
-              <a:ext uri="{FF2B5EF4-FFF2-40B4-BE49-F238E27FC236}">
-                <a16:creationId xmlns:a16="http://schemas.microsoft.com/office/drawing/2014/main" id="{D6AA89D5-560C-4369-A313-7C24EDF028A0}"/>
-              </a:ext>
-            </a:extLst>
-          </p:cNvPr>
-          <p:cNvSpPr>
-            <a:spLocks noGrp="1"/>
-          </p:cNvSpPr>
-          <p:nvPr>
-            <p:ph type="title"/>
-          </p:nvPr>
-        </p:nvSpPr>
-        <p:spPr/>
-        <p:txBody>
-          <a:bodyPr/>
-          <a:lstStyle/>
-          <a:p>
-            <a:pPr lvl="0" indent="0" marL="0">
-              <a:buNone/>
-            </a:pPr>
-            <a:r>
-              <a:rPr/>
-              <a:t>Quarto / R markdown</a:t>
-            </a:r>
-          </a:p>
-        </p:txBody>
-      </p:sp>
-      <mc:AlternateContent xmlns:mc="http://schemas.openxmlformats.org/markup-compatibility/2006">
-        <mc:Choice xmlns:a14="http://schemas.microsoft.com/office/drawing/2010/main" Requires="a14">
+        <mc:Fallback>
           <p:sp>
             <p:nvSpPr>
               <p:cNvPr id="3" name="Content Placeholder 2">
@@ -5551,89 +7495,34 @@
                 </a:extLst>
               </p:cNvPr>
               <p:cNvSpPr>
-                <a:spLocks noGrp="1"/>
+                <a:spLocks noGrp="1" noRot="1" noChangeAspect="1" noMove="1" noResize="1" noEditPoints="1" noAdjustHandles="1" noChangeArrowheads="1" noChangeShapeType="1" noTextEdit="1"/>
               </p:cNvSpPr>
               <p:nvPr>
                 <p:ph idx="1"/>
               </p:nvPr>
             </p:nvSpPr>
-            <p:spPr/>
+            <p:spPr>
+              <a:blipFill>
+                <a:blip r:embed="rId3"/>
+                <a:stretch>
+                  <a:fillRect l="-603" t="-1355"/>
+                </a:stretch>
+              </a:blipFill>
+            </p:spPr>
             <p:txBody>
               <a:bodyPr/>
               <a:lstStyle/>
               <a:p>
-                <a:pPr lvl="0" indent="0" marL="0">
-                  <a:buNone/>
-                </a:pPr>
                 <a:r>
-                  <a:rPr/>
-                  <a:t>Analysis (as an example):</a:t>
-                </a:r>
-              </a:p>
-              <a:p>
-                <a:pPr lvl="0"/>
-                <a:r>
-                  <a:rPr/>
-                  <a:t>t-test comparing variable z between types A &amp; B.</a:t>
-                </a:r>
-              </a:p>
-              <a:p>
-                <a:pPr lvl="0"/>
-                <a:r>
-                  <a:rPr/>
-                  <a:t>Linear regression of z against x.</a:t>
-                </a:r>
-              </a:p>
-              <a:p>
-                <a:pPr lvl="0" indent="0" marL="0">
-                  <a:buNone/>
-                </a:pPr>
-                <a14:m>
-                  <m:oMathPara xmlns:m="http://schemas.openxmlformats.org/officeDocument/2006/math">
-                    <m:oMathParaPr>
-                      <m:jc m:val="center"/>
-                    </m:oMathParaPr>
-                    <m:oMath>
-                      <m:r>
-                        <m:t> </m:t>
-                      </m:r>
-                    </m:oMath>
-                  </m:oMathPara>
-                </a14:m>
-              </a:p>
-              <a:p>
-                <a:pPr lvl="0" indent="0" marL="0">
-                  <a:buNone/>
-                </a:pPr>
-                <a:r>
-                  <a:rPr/>
-                  <a:t>Graph (as an example):</a:t>
-                </a:r>
-              </a:p>
-              <a:p>
-                <a:pPr lvl="0"/>
-                <a:r>
-                  <a:rPr/>
-                  <a:t>Scatterplot of z against x, stratified by type.</a:t>
-                </a:r>
-              </a:p>
-              <a:p>
-                <a:pPr lvl="0"/>
-                <a:r>
-                  <a:rPr/>
-                  <a:t>Boxplot of z values by type.</a:t>
-                </a:r>
-              </a:p>
-              <a:p>
-                <a:pPr lvl="0"/>
-                <a:r>
-                  <a:rPr/>
-                  <a:t>Barplot of type.</a:t>
+                  <a:rPr lang="en-US">
+                    <a:noFill/>
+                  </a:rPr>
+                  <a:t> </a:t>
                 </a:r>
               </a:p>
             </p:txBody>
           </p:sp>
-        </mc:Choice>
+        </mc:Fallback>
       </mc:AlternateContent>
       <p:sp>
         <p:nvSpPr>
@@ -5648,7 +7537,7 @@
             <a:spLocks noGrp="1"/>
           </p:cNvSpPr>
           <p:nvPr>
-            <p:ph idx="12" sz="quarter" type="sldNum"/>
+            <p:ph type="sldNum" sz="quarter" idx="12"/>
           </p:nvPr>
         </p:nvSpPr>
         <p:spPr/>
@@ -5658,7 +7547,7 @@
           <a:p>
             <a:fld id="{E1C5CB42-CF14-4293-8971-6DCD1AAE8BE7}" type="slidenum">
               <a:rPr lang="en-GB" smtClean="0"/>
-              <a:t>‹#›</a:t>
+              <a:t>3</a:t>
             </a:fld>
             <a:endParaRPr lang="en-GB"/>
           </a:p>
@@ -5666,1811 +7555,9 @@
       </p:sp>
     </p:spTree>
   </p:cSld>
-</p:sld>
-</file>
-
-<file path=ppt/slides/slide2.xml><?xml version="1.0" encoding="utf-8"?>
-<p:sld xmlns:a="http://schemas.openxmlformats.org/drawingml/2006/main" xmlns:r="http://schemas.openxmlformats.org/officeDocument/2006/relationships" xmlns:p="http://schemas.openxmlformats.org/presentationml/2006/main">
-  <p:cSld>
-    <p:spTree>
-      <p:nvGrpSpPr>
-        <p:cNvPr id="1" name=""/>
-        <p:cNvGrpSpPr/>
-        <p:nvPr/>
-      </p:nvGrpSpPr>
-      <p:grpSpPr>
-        <a:xfrm>
-          <a:off x="0" y="0"/>
-          <a:ext cx="0" cy="0"/>
-          <a:chOff x="0" y="0"/>
-          <a:chExt cx="0" cy="0"/>
-        </a:xfrm>
-      </p:grpSpPr>
-      <p:sp>
-        <p:nvSpPr>
-          <p:cNvPr id="2" name="Title 1">
-            <a:extLst>
-              <a:ext uri="{FF2B5EF4-FFF2-40B4-BE49-F238E27FC236}">
-                <a16:creationId xmlns:a16="http://schemas.microsoft.com/office/drawing/2014/main" id="{08511042-BDFA-4708-84AB-F848A1D5D4A0}"/>
-              </a:ext>
-            </a:extLst>
-          </p:cNvPr>
-          <p:cNvSpPr>
-            <a:spLocks noGrp="1"/>
-          </p:cNvSpPr>
-          <p:nvPr>
-            <p:ph type="title"/>
-          </p:nvPr>
-        </p:nvSpPr>
-        <p:spPr>
-          <a:xfrm>
-            <a:off x="831850" y="1709738"/>
-            <a:ext cx="10515600" cy="2852737"/>
-          </a:xfrm>
-        </p:spPr>
-        <p:txBody>
-          <a:bodyPr/>
-          <a:lstStyle/>
-          <a:p>
-            <a:pPr lvl="0" indent="0" marL="0">
-              <a:buNone/>
-            </a:pPr>
-            <a:r>
-              <a:rPr/>
-              <a:t>Introduction</a:t>
-            </a:r>
-          </a:p>
-        </p:txBody>
-      </p:sp>
-      <p:sp>
-        <p:nvSpPr>
-          <p:cNvPr id="6" name="Slide Number Placeholder 5">
-            <a:extLst>
-              <a:ext uri="{FF2B5EF4-FFF2-40B4-BE49-F238E27FC236}">
-                <a16:creationId xmlns:a16="http://schemas.microsoft.com/office/drawing/2014/main" id="{910AAC92-EEED-4232-ACDE-84003A6476BB}"/>
-              </a:ext>
-            </a:extLst>
-          </p:cNvPr>
-          <p:cNvSpPr>
-            <a:spLocks noGrp="1"/>
-          </p:cNvSpPr>
-          <p:nvPr>
-            <p:ph idx="12" sz="quarter" type="sldNum"/>
-          </p:nvPr>
-        </p:nvSpPr>
-        <p:spPr/>
-        <p:txBody>
-          <a:bodyPr/>
-          <a:lstStyle/>
-          <a:p>
-            <a:fld id="{E1C5CB42-CF14-4293-8971-6DCD1AAE8BE7}" type="slidenum">
-              <a:rPr lang="en-GB" smtClean="0"/>
-              <a:t>‹#›</a:t>
-            </a:fld>
-            <a:endParaRPr lang="en-GB"/>
-          </a:p>
-        </p:txBody>
-      </p:sp>
-    </p:spTree>
-  </p:cSld>
-</p:sld>
-</file>
-
-<file path=ppt/slides/slide20.xml><?xml version="1.0" encoding="utf-8"?>
-<p:sld xmlns:a="http://schemas.openxmlformats.org/drawingml/2006/main" xmlns:r="http://schemas.openxmlformats.org/officeDocument/2006/relationships" xmlns:p="http://schemas.openxmlformats.org/presentationml/2006/main">
-  <p:cSld>
-    <p:spTree>
-      <p:nvGrpSpPr>
-        <p:cNvPr id="1" name=""/>
-        <p:cNvGrpSpPr/>
-        <p:nvPr/>
-      </p:nvGrpSpPr>
-      <p:grpSpPr>
-        <a:xfrm>
-          <a:off x="0" y="0"/>
-          <a:ext cx="0" cy="0"/>
-          <a:chOff x="0" y="0"/>
-          <a:chExt cx="0" cy="0"/>
-        </a:xfrm>
-      </p:grpSpPr>
-      <p:sp>
-        <p:nvSpPr>
-          <p:cNvPr id="2" name="Title 1">
-            <a:extLst>
-              <a:ext uri="{FF2B5EF4-FFF2-40B4-BE49-F238E27FC236}">
-                <a16:creationId xmlns:a16="http://schemas.microsoft.com/office/drawing/2014/main" id="{08511042-BDFA-4708-84AB-F848A1D5D4A0}"/>
-              </a:ext>
-            </a:extLst>
-          </p:cNvPr>
-          <p:cNvSpPr>
-            <a:spLocks noGrp="1"/>
-          </p:cNvSpPr>
-          <p:nvPr>
-            <p:ph type="title"/>
-          </p:nvPr>
-        </p:nvSpPr>
-        <p:spPr>
-          <a:xfrm>
-            <a:off x="831850" y="1709738"/>
-            <a:ext cx="10515600" cy="2852737"/>
-          </a:xfrm>
-        </p:spPr>
-        <p:txBody>
-          <a:bodyPr/>
-          <a:lstStyle/>
-          <a:p>
-            <a:pPr lvl="0" indent="0" marL="0">
-              <a:buNone/>
-            </a:pPr>
-            <a:r>
-              <a:rPr/>
-              <a:t>GitHub</a:t>
-            </a:r>
-          </a:p>
-        </p:txBody>
-      </p:sp>
-      <p:sp>
-        <p:nvSpPr>
-          <p:cNvPr id="6" name="Slide Number Placeholder 5">
-            <a:extLst>
-              <a:ext uri="{FF2B5EF4-FFF2-40B4-BE49-F238E27FC236}">
-                <a16:creationId xmlns:a16="http://schemas.microsoft.com/office/drawing/2014/main" id="{910AAC92-EEED-4232-ACDE-84003A6476BB}"/>
-              </a:ext>
-            </a:extLst>
-          </p:cNvPr>
-          <p:cNvSpPr>
-            <a:spLocks noGrp="1"/>
-          </p:cNvSpPr>
-          <p:nvPr>
-            <p:ph idx="12" sz="quarter" type="sldNum"/>
-          </p:nvPr>
-        </p:nvSpPr>
-        <p:spPr/>
-        <p:txBody>
-          <a:bodyPr/>
-          <a:lstStyle/>
-          <a:p>
-            <a:fld id="{E1C5CB42-CF14-4293-8971-6DCD1AAE8BE7}" type="slidenum">
-              <a:rPr lang="en-GB" smtClean="0"/>
-              <a:t>‹#›</a:t>
-            </a:fld>
-            <a:endParaRPr lang="en-GB"/>
-          </a:p>
-        </p:txBody>
-      </p:sp>
-    </p:spTree>
-  </p:cSld>
-</p:sld>
-</file>
-
-<file path=ppt/slides/slide21.xml><?xml version="1.0" encoding="utf-8"?>
-<p:sld xmlns:a="http://schemas.openxmlformats.org/drawingml/2006/main" xmlns:r="http://schemas.openxmlformats.org/officeDocument/2006/relationships" xmlns:p="http://schemas.openxmlformats.org/presentationml/2006/main">
-  <p:cSld>
-    <p:spTree>
-      <p:nvGrpSpPr>
-        <p:cNvPr id="1" name=""/>
-        <p:cNvGrpSpPr/>
-        <p:nvPr/>
-      </p:nvGrpSpPr>
-      <p:grpSpPr>
-        <a:xfrm>
-          <a:off x="0" y="0"/>
-          <a:ext cx="0" cy="0"/>
-          <a:chOff x="0" y="0"/>
-          <a:chExt cx="0" cy="0"/>
-        </a:xfrm>
-      </p:grpSpPr>
-      <p:sp>
-        <p:nvSpPr>
-          <p:cNvPr id="2" name="Title 1">
-            <a:extLst>
-              <a:ext uri="{FF2B5EF4-FFF2-40B4-BE49-F238E27FC236}">
-                <a16:creationId xmlns:a16="http://schemas.microsoft.com/office/drawing/2014/main" id="{D6AA89D5-560C-4369-A313-7C24EDF028A0}"/>
-              </a:ext>
-            </a:extLst>
-          </p:cNvPr>
-          <p:cNvSpPr>
-            <a:spLocks noGrp="1"/>
-          </p:cNvSpPr>
-          <p:nvPr>
-            <p:ph type="title"/>
-          </p:nvPr>
-        </p:nvSpPr>
-        <p:spPr/>
-        <p:txBody>
-          <a:bodyPr/>
-          <a:lstStyle/>
-          <a:p>
-            <a:pPr lvl="0" indent="0" marL="0">
-              <a:buNone/>
-            </a:pPr>
-            <a:r>
-              <a:rPr/>
-              <a:t>GitHub</a:t>
-            </a:r>
-          </a:p>
-        </p:txBody>
-      </p:sp>
-      <p:sp>
-        <p:nvSpPr>
-          <p:cNvPr id="3" name="Content Placeholder 2">
-            <a:extLst>
-              <a:ext uri="{FF2B5EF4-FFF2-40B4-BE49-F238E27FC236}">
-                <a16:creationId xmlns:a16="http://schemas.microsoft.com/office/drawing/2014/main" id="{288BC91F-1C76-43AE-8B2A-956D48B768BE}"/>
-              </a:ext>
-            </a:extLst>
-          </p:cNvPr>
-          <p:cNvSpPr>
-            <a:spLocks noGrp="1"/>
-          </p:cNvSpPr>
-          <p:nvPr>
-            <p:ph idx="1"/>
-          </p:nvPr>
-        </p:nvSpPr>
-        <p:spPr/>
-        <p:txBody>
-          <a:bodyPr/>
-          <a:lstStyle/>
-          <a:p>
-            <a:pPr lvl="0" indent="0" marL="0">
-              <a:buNone/>
-            </a:pPr>
-            <a:r>
-              <a:rPr/>
-              <a:t>While you can use markdown document and R packages as part of your own workflow, if you want to use them as part of an Open Science paradigm, then you really need to </a:t>
-            </a:r>
-            <a:r>
-              <a:rPr b="1"/>
-              <a:t>publish</a:t>
-            </a:r>
-            <a:r>
-              <a:rPr/>
-              <a:t> them.</a:t>
-            </a:r>
-          </a:p>
-          <a:p>
-            <a:pPr lvl="0" indent="0" marL="0">
-              <a:buNone/>
-            </a:pPr>
-            <a:r>
-              <a:rPr/>
-              <a:t>The easiest way to do this is using </a:t>
-            </a:r>
-            <a:r>
-              <a:rPr b="1"/>
-              <a:t>GitHub</a:t>
-            </a:r>
-            <a:r>
-              <a:rPr/>
-              <a:t>.</a:t>
-            </a:r>
-          </a:p>
-          <a:p>
-            <a:pPr lvl="0" indent="0" marL="0">
-              <a:buNone/>
-            </a:pPr>
-            <a:r>
-              <a:rPr/>
-              <a:t>GitHub is a hosting service for software development and fully integrates with </a:t>
-            </a:r>
-            <a:r>
-              <a:rPr>
-                <a:latin typeface="Courier"/>
-              </a:rPr>
-              <a:t>git</a:t>
-            </a:r>
-            <a:r>
-              <a:rPr/>
-              <a:t> a powerful, open source version control software (you are </a:t>
-            </a:r>
-            <a:r>
-              <a:rPr i="1"/>
-              <a:t>highly</a:t>
-            </a:r>
-            <a:r>
-              <a:rPr/>
-              <a:t> encouraged to use git, but we will not cover that here).</a:t>
-            </a:r>
-          </a:p>
-        </p:txBody>
-      </p:sp>
-      <p:sp>
-        <p:nvSpPr>
-          <p:cNvPr id="6" name="Slide Number Placeholder 5">
-            <a:extLst>
-              <a:ext uri="{FF2B5EF4-FFF2-40B4-BE49-F238E27FC236}">
-                <a16:creationId xmlns:a16="http://schemas.microsoft.com/office/drawing/2014/main" id="{C03F998A-2A5E-471F-9FEB-2559B0A7F93D}"/>
-              </a:ext>
-            </a:extLst>
-          </p:cNvPr>
-          <p:cNvSpPr>
-            <a:spLocks noGrp="1"/>
-          </p:cNvSpPr>
-          <p:nvPr>
-            <p:ph idx="12" sz="quarter" type="sldNum"/>
-          </p:nvPr>
-        </p:nvSpPr>
-        <p:spPr/>
-        <p:txBody>
-          <a:bodyPr/>
-          <a:lstStyle/>
-          <a:p>
-            <a:fld id="{E1C5CB42-CF14-4293-8971-6DCD1AAE8BE7}" type="slidenum">
-              <a:rPr lang="en-GB" smtClean="0"/>
-              <a:t>‹#›</a:t>
-            </a:fld>
-            <a:endParaRPr lang="en-GB"/>
-          </a:p>
-        </p:txBody>
-      </p:sp>
-    </p:spTree>
-  </p:cSld>
-</p:sld>
-</file>
-
-<file path=ppt/slides/slide22.xml><?xml version="1.0" encoding="utf-8"?>
-<p:sld xmlns:a="http://schemas.openxmlformats.org/drawingml/2006/main" xmlns:r="http://schemas.openxmlformats.org/officeDocument/2006/relationships" xmlns:p="http://schemas.openxmlformats.org/presentationml/2006/main">
-  <p:cSld>
-    <p:spTree>
-      <p:nvGrpSpPr>
-        <p:cNvPr id="1" name=""/>
-        <p:cNvGrpSpPr/>
-        <p:nvPr/>
-      </p:nvGrpSpPr>
-      <p:grpSpPr>
-        <a:xfrm>
-          <a:off x="0" y="0"/>
-          <a:ext cx="0" cy="0"/>
-          <a:chOff x="0" y="0"/>
-          <a:chExt cx="0" cy="0"/>
-        </a:xfrm>
-      </p:grpSpPr>
-      <p:sp>
-        <p:nvSpPr>
-          <p:cNvPr id="2" name="Title 1">
-            <a:extLst>
-              <a:ext uri="{FF2B5EF4-FFF2-40B4-BE49-F238E27FC236}">
-                <a16:creationId xmlns:a16="http://schemas.microsoft.com/office/drawing/2014/main" id="{D6AA89D5-560C-4369-A313-7C24EDF028A0}"/>
-              </a:ext>
-            </a:extLst>
-          </p:cNvPr>
-          <p:cNvSpPr>
-            <a:spLocks noGrp="1"/>
-          </p:cNvSpPr>
-          <p:nvPr>
-            <p:ph type="title"/>
-          </p:nvPr>
-        </p:nvSpPr>
-        <p:spPr/>
-        <p:txBody>
-          <a:bodyPr/>
-          <a:lstStyle/>
-          <a:p>
-            <a:pPr lvl="0" indent="0" marL="0">
-              <a:buNone/>
-            </a:pPr>
-            <a:r>
-              <a:rPr/>
-              <a:t>GitHub</a:t>
-            </a:r>
-          </a:p>
-        </p:txBody>
-      </p:sp>
-      <mc:AlternateContent xmlns:mc="http://schemas.openxmlformats.org/markup-compatibility/2006">
-        <mc:Choice xmlns:a14="http://schemas.microsoft.com/office/drawing/2010/main" Requires="a14">
-          <p:sp>
-            <p:nvSpPr>
-              <p:cNvPr id="3" name="Content Placeholder 2">
-                <a:extLst>
-                  <a:ext uri="{FF2B5EF4-FFF2-40B4-BE49-F238E27FC236}">
-                    <a16:creationId xmlns:a16="http://schemas.microsoft.com/office/drawing/2014/main" id="{288BC91F-1C76-43AE-8B2A-956D48B768BE}"/>
-                  </a:ext>
-                </a:extLst>
-              </p:cNvPr>
-              <p:cNvSpPr>
-                <a:spLocks noGrp="1"/>
-              </p:cNvSpPr>
-              <p:nvPr>
-                <p:ph idx="1"/>
-              </p:nvPr>
-            </p:nvSpPr>
-            <p:spPr/>
-            <p:txBody>
-              <a:bodyPr/>
-              <a:lstStyle/>
-              <a:p>
-                <a:pPr lvl="0" indent="0" marL="0">
-                  <a:buNone/>
-                </a:pPr>
-                <a:r>
-                  <a:rPr/>
-                  <a:t>To use GitHub:</a:t>
-                </a:r>
-              </a:p>
-              <a:p>
-                <a:pPr lvl="0" indent="0" marL="0">
-                  <a:buNone/>
-                </a:pPr>
-                <a14:m>
-                  <m:oMathPara xmlns:m="http://schemas.openxmlformats.org/officeDocument/2006/math">
-                    <m:oMathParaPr>
-                      <m:jc m:val="center"/>
-                    </m:oMathParaPr>
-                    <m:oMath>
-                      <m:r>
-                        <m:t> </m:t>
-                      </m:r>
-                    </m:oMath>
-                  </m:oMathPara>
-                </a14:m>
-              </a:p>
-              <a:p>
-                <a:pPr lvl="0"/>
-                <a:r>
-                  <a:rPr/>
-                  <a:t>Create a GitHub account if you have not done so already.</a:t>
-                </a:r>
-              </a:p>
-              <a:p>
-                <a:pPr lvl="0"/>
-                <a:r>
-                  <a:rPr/>
-                  <a:t>Create a repository on GitHub and upload your package files (either using </a:t>
-                </a:r>
-                <a:r>
-                  <a:rPr>
-                    <a:latin typeface="Courier"/>
-                  </a:rPr>
-                  <a:t>git</a:t>
-                </a:r>
-                <a:r>
-                  <a:rPr/>
-                  <a:t> or through the GitHub direct website upload feature).</a:t>
-                </a:r>
-              </a:p>
-              <a:p>
-                <a:pPr lvl="0"/>
-                <a:r>
-                  <a:rPr/>
-                  <a:t>Make sure your branch is called </a:t>
-                </a:r>
-                <a:r>
-                  <a:rPr b="1"/>
-                  <a:t>main</a:t>
-                </a:r>
-                <a:r>
-                  <a:rPr/>
-                  <a:t> (previously the main branch was called </a:t>
-                </a:r>
-                <a:r>
-                  <a:rPr i="1"/>
-                  <a:t>master</a:t>
-                </a:r>
-                <a:r>
-                  <a:rPr/>
-                  <a:t>).</a:t>
-                </a:r>
-              </a:p>
-              <a:p>
-                <a:pPr lvl="0"/>
-                <a:r>
-                  <a:rPr/>
-                  <a:t>Upload files using either the upload function or using git directly on your computer.</a:t>
-                </a:r>
-              </a:p>
-            </p:txBody>
-          </p:sp>
-        </mc:Choice>
-      </mc:AlternateContent>
-      <p:sp>
-        <p:nvSpPr>
-          <p:cNvPr id="6" name="Slide Number Placeholder 5">
-            <a:extLst>
-              <a:ext uri="{FF2B5EF4-FFF2-40B4-BE49-F238E27FC236}">
-                <a16:creationId xmlns:a16="http://schemas.microsoft.com/office/drawing/2014/main" id="{C03F998A-2A5E-471F-9FEB-2559B0A7F93D}"/>
-              </a:ext>
-            </a:extLst>
-          </p:cNvPr>
-          <p:cNvSpPr>
-            <a:spLocks noGrp="1"/>
-          </p:cNvSpPr>
-          <p:nvPr>
-            <p:ph idx="12" sz="quarter" type="sldNum"/>
-          </p:nvPr>
-        </p:nvSpPr>
-        <p:spPr/>
-        <p:txBody>
-          <a:bodyPr/>
-          <a:lstStyle/>
-          <a:p>
-            <a:fld id="{E1C5CB42-CF14-4293-8971-6DCD1AAE8BE7}" type="slidenum">
-              <a:rPr lang="en-GB" smtClean="0"/>
-              <a:t>‹#›</a:t>
-            </a:fld>
-            <a:endParaRPr lang="en-GB"/>
-          </a:p>
-        </p:txBody>
-      </p:sp>
-    </p:spTree>
-  </p:cSld>
-</p:sld>
-</file>
-
-<file path=ppt/slides/slide23.xml><?xml version="1.0" encoding="utf-8"?>
-<p:sld xmlns:a="http://schemas.openxmlformats.org/drawingml/2006/main" xmlns:r="http://schemas.openxmlformats.org/officeDocument/2006/relationships" xmlns:p="http://schemas.openxmlformats.org/presentationml/2006/main">
-  <p:cSld>
-    <p:spTree>
-      <p:nvGrpSpPr>
-        <p:cNvPr id="1" name=""/>
-        <p:cNvGrpSpPr/>
-        <p:nvPr/>
-      </p:nvGrpSpPr>
-      <p:grpSpPr>
-        <a:xfrm>
-          <a:off x="0" y="0"/>
-          <a:ext cx="0" cy="0"/>
-          <a:chOff x="0" y="0"/>
-          <a:chExt cx="0" cy="0"/>
-        </a:xfrm>
-      </p:grpSpPr>
-      <p:sp>
-        <p:nvSpPr>
-          <p:cNvPr id="2" name="Title 1">
-            <a:extLst>
-              <a:ext uri="{FF2B5EF4-FFF2-40B4-BE49-F238E27FC236}">
-                <a16:creationId xmlns:a16="http://schemas.microsoft.com/office/drawing/2014/main" id="{D6AA89D5-560C-4369-A313-7C24EDF028A0}"/>
-              </a:ext>
-            </a:extLst>
-          </p:cNvPr>
-          <p:cNvSpPr>
-            <a:spLocks noGrp="1"/>
-          </p:cNvSpPr>
-          <p:nvPr>
-            <p:ph type="title"/>
-          </p:nvPr>
-        </p:nvSpPr>
-        <p:spPr/>
-        <p:txBody>
-          <a:bodyPr/>
-          <a:lstStyle/>
-          <a:p>
-            <a:pPr lvl="0" indent="0" marL="0">
-              <a:buNone/>
-            </a:pPr>
-            <a:r>
-              <a:rPr/>
-              <a:t>GitHub</a:t>
-            </a:r>
-          </a:p>
-        </p:txBody>
-      </p:sp>
-      <mc:AlternateContent xmlns:mc="http://schemas.openxmlformats.org/markup-compatibility/2006">
-        <mc:Choice xmlns:a14="http://schemas.microsoft.com/office/drawing/2010/main" Requires="a14">
-          <p:sp>
-            <p:nvSpPr>
-              <p:cNvPr id="3" name="Content Placeholder 2">
-                <a:extLst>
-                  <a:ext uri="{FF2B5EF4-FFF2-40B4-BE49-F238E27FC236}">
-                    <a16:creationId xmlns:a16="http://schemas.microsoft.com/office/drawing/2014/main" id="{288BC91F-1C76-43AE-8B2A-956D48B768BE}"/>
-                  </a:ext>
-                </a:extLst>
-              </p:cNvPr>
-              <p:cNvSpPr>
-                <a:spLocks noGrp="1"/>
-              </p:cNvSpPr>
-              <p:nvPr>
-                <p:ph idx="1"/>
-              </p:nvPr>
-            </p:nvSpPr>
-            <p:spPr/>
-            <p:txBody>
-              <a:bodyPr/>
-              <a:lstStyle/>
-              <a:p>
-                <a:pPr lvl="0" indent="0" marL="0">
-                  <a:buNone/>
-                </a:pPr>
-                <a:r>
-                  <a:rPr/>
-                  <a:t>Alternatives:</a:t>
-                </a:r>
-              </a:p>
-              <a:p>
-                <a:pPr lvl="0" indent="0" marL="0">
-                  <a:buNone/>
-                </a:pPr>
-                <a14:m>
-                  <m:oMathPara xmlns:m="http://schemas.openxmlformats.org/officeDocument/2006/math">
-                    <m:oMathParaPr>
-                      <m:jc m:val="center"/>
-                    </m:oMathParaPr>
-                    <m:oMath>
-                      <m:r>
-                        <m:t> </m:t>
-                      </m:r>
-                    </m:oMath>
-                  </m:oMathPara>
-                </a14:m>
-              </a:p>
-              <a:p>
-                <a:pPr lvl="0" indent="0" marL="0">
-                  <a:buNone/>
-                </a:pPr>
-                <a:r>
-                  <a:rPr/>
-                  <a:t>You can also publish markdown documents, script files and data using repositories such as</a:t>
-                </a:r>
-              </a:p>
-              <a:p>
-                <a:pPr lvl="0"/>
-                <a:r>
-                  <a:rPr>
-                    <a:hlinkClick r:id="rId2"/>
-                  </a:rPr>
-                  <a:t>figshare</a:t>
-                </a:r>
-              </a:p>
-              <a:p>
-                <a:pPr lvl="0"/>
-                <a:r>
-                  <a:rPr>
-                    <a:hlinkClick r:id="rId3"/>
-                  </a:rPr>
-                  <a:t>Zenodo</a:t>
-                </a:r>
-              </a:p>
-            </p:txBody>
-          </p:sp>
-        </mc:Choice>
-      </mc:AlternateContent>
-      <p:sp>
-        <p:nvSpPr>
-          <p:cNvPr id="6" name="Slide Number Placeholder 5">
-            <a:extLst>
-              <a:ext uri="{FF2B5EF4-FFF2-40B4-BE49-F238E27FC236}">
-                <a16:creationId xmlns:a16="http://schemas.microsoft.com/office/drawing/2014/main" id="{C03F998A-2A5E-471F-9FEB-2559B0A7F93D}"/>
-              </a:ext>
-            </a:extLst>
-          </p:cNvPr>
-          <p:cNvSpPr>
-            <a:spLocks noGrp="1"/>
-          </p:cNvSpPr>
-          <p:nvPr>
-            <p:ph idx="12" sz="quarter" type="sldNum"/>
-          </p:nvPr>
-        </p:nvSpPr>
-        <p:spPr/>
-        <p:txBody>
-          <a:bodyPr/>
-          <a:lstStyle/>
-          <a:p>
-            <a:fld id="{E1C5CB42-CF14-4293-8971-6DCD1AAE8BE7}" type="slidenum">
-              <a:rPr lang="en-GB" smtClean="0"/>
-              <a:t>‹#›</a:t>
-            </a:fld>
-            <a:endParaRPr lang="en-GB"/>
-          </a:p>
-        </p:txBody>
-      </p:sp>
-    </p:spTree>
-  </p:cSld>
-</p:sld>
-</file>
-
-<file path=ppt/slides/slide24.xml><?xml version="1.0" encoding="utf-8"?>
-<p:sld xmlns:a="http://schemas.openxmlformats.org/drawingml/2006/main" xmlns:r="http://schemas.openxmlformats.org/officeDocument/2006/relationships" xmlns:p="http://schemas.openxmlformats.org/presentationml/2006/main">
-  <p:cSld>
-    <p:spTree>
-      <p:nvGrpSpPr>
-        <p:cNvPr id="1" name=""/>
-        <p:cNvGrpSpPr/>
-        <p:nvPr/>
-      </p:nvGrpSpPr>
-      <p:grpSpPr>
-        <a:xfrm>
-          <a:off x="0" y="0"/>
-          <a:ext cx="0" cy="0"/>
-          <a:chOff x="0" y="0"/>
-          <a:chExt cx="0" cy="0"/>
-        </a:xfrm>
-      </p:grpSpPr>
-      <p:sp>
-        <p:nvSpPr>
-          <p:cNvPr id="2" name="Title 1">
-            <a:extLst>
-              <a:ext uri="{FF2B5EF4-FFF2-40B4-BE49-F238E27FC236}">
-                <a16:creationId xmlns:a16="http://schemas.microsoft.com/office/drawing/2014/main" id="{08511042-BDFA-4708-84AB-F848A1D5D4A0}"/>
-              </a:ext>
-            </a:extLst>
-          </p:cNvPr>
-          <p:cNvSpPr>
-            <a:spLocks noGrp="1"/>
-          </p:cNvSpPr>
-          <p:nvPr>
-            <p:ph type="title"/>
-          </p:nvPr>
-        </p:nvSpPr>
-        <p:spPr>
-          <a:xfrm>
-            <a:off x="831850" y="1709738"/>
-            <a:ext cx="10515600" cy="2852737"/>
-          </a:xfrm>
-        </p:spPr>
-        <p:txBody>
-          <a:bodyPr/>
-          <a:lstStyle/>
-          <a:p>
-            <a:pPr lvl="0" indent="0" marL="0">
-              <a:buNone/>
-            </a:pPr>
-            <a:r>
-              <a:rPr/>
-              <a:t>Licenses</a:t>
-            </a:r>
-          </a:p>
-        </p:txBody>
-      </p:sp>
-      <p:sp>
-        <p:nvSpPr>
-          <p:cNvPr id="6" name="Slide Number Placeholder 5">
-            <a:extLst>
-              <a:ext uri="{FF2B5EF4-FFF2-40B4-BE49-F238E27FC236}">
-                <a16:creationId xmlns:a16="http://schemas.microsoft.com/office/drawing/2014/main" id="{910AAC92-EEED-4232-ACDE-84003A6476BB}"/>
-              </a:ext>
-            </a:extLst>
-          </p:cNvPr>
-          <p:cNvSpPr>
-            <a:spLocks noGrp="1"/>
-          </p:cNvSpPr>
-          <p:nvPr>
-            <p:ph idx="12" sz="quarter" type="sldNum"/>
-          </p:nvPr>
-        </p:nvSpPr>
-        <p:spPr/>
-        <p:txBody>
-          <a:bodyPr/>
-          <a:lstStyle/>
-          <a:p>
-            <a:fld id="{E1C5CB42-CF14-4293-8971-6DCD1AAE8BE7}" type="slidenum">
-              <a:rPr lang="en-GB" smtClean="0"/>
-              <a:t>‹#›</a:t>
-            </a:fld>
-            <a:endParaRPr lang="en-GB"/>
-          </a:p>
-        </p:txBody>
-      </p:sp>
-    </p:spTree>
-  </p:cSld>
-</p:sld>
-</file>
-
-<file path=ppt/slides/slide25.xml><?xml version="1.0" encoding="utf-8"?>
-<p:sld xmlns:a="http://schemas.openxmlformats.org/drawingml/2006/main" xmlns:r="http://schemas.openxmlformats.org/officeDocument/2006/relationships" xmlns:p="http://schemas.openxmlformats.org/presentationml/2006/main">
-  <p:cSld>
-    <p:spTree>
-      <p:nvGrpSpPr>
-        <p:cNvPr id="1" name=""/>
-        <p:cNvGrpSpPr/>
-        <p:nvPr/>
-      </p:nvGrpSpPr>
-      <p:grpSpPr>
-        <a:xfrm>
-          <a:off x="0" y="0"/>
-          <a:ext cx="0" cy="0"/>
-          <a:chOff x="0" y="0"/>
-          <a:chExt cx="0" cy="0"/>
-        </a:xfrm>
-      </p:grpSpPr>
-      <p:sp>
-        <p:nvSpPr>
-          <p:cNvPr id="2" name="Title 1">
-            <a:extLst>
-              <a:ext uri="{FF2B5EF4-FFF2-40B4-BE49-F238E27FC236}">
-                <a16:creationId xmlns:a16="http://schemas.microsoft.com/office/drawing/2014/main" id="{D6AA89D5-560C-4369-A313-7C24EDF028A0}"/>
-              </a:ext>
-            </a:extLst>
-          </p:cNvPr>
-          <p:cNvSpPr>
-            <a:spLocks noGrp="1"/>
-          </p:cNvSpPr>
-          <p:nvPr>
-            <p:ph type="title"/>
-          </p:nvPr>
-        </p:nvSpPr>
-        <p:spPr/>
-        <p:txBody>
-          <a:bodyPr/>
-          <a:lstStyle/>
-          <a:p>
-            <a:pPr lvl="0" indent="0" marL="0">
-              <a:buNone/>
-            </a:pPr>
-            <a:r>
-              <a:rPr/>
-              <a:t>Licenses</a:t>
-            </a:r>
-          </a:p>
-        </p:txBody>
-      </p:sp>
-      <mc:AlternateContent xmlns:mc="http://schemas.openxmlformats.org/markup-compatibility/2006">
-        <mc:Choice xmlns:a14="http://schemas.microsoft.com/office/drawing/2010/main" Requires="a14">
-          <p:sp>
-            <p:nvSpPr>
-              <p:cNvPr id="3" name="Content Placeholder 2">
-                <a:extLst>
-                  <a:ext uri="{FF2B5EF4-FFF2-40B4-BE49-F238E27FC236}">
-                    <a16:creationId xmlns:a16="http://schemas.microsoft.com/office/drawing/2014/main" id="{288BC91F-1C76-43AE-8B2A-956D48B768BE}"/>
-                  </a:ext>
-                </a:extLst>
-              </p:cNvPr>
-              <p:cNvSpPr>
-                <a:spLocks noGrp="1"/>
-              </p:cNvSpPr>
-              <p:nvPr>
-                <p:ph idx="1"/>
-              </p:nvPr>
-            </p:nvSpPr>
-            <p:spPr/>
-            <p:txBody>
-              <a:bodyPr/>
-              <a:lstStyle/>
-              <a:p>
-                <a:pPr lvl="0" indent="0" marL="0">
-                  <a:buNone/>
-                </a:pPr>
-                <a14:m>
-                  <m:oMathPara xmlns:m="http://schemas.openxmlformats.org/officeDocument/2006/math">
-                    <m:oMathParaPr>
-                      <m:jc m:val="center"/>
-                    </m:oMathParaPr>
-                    <m:oMath>
-                      <m:r>
-                        <m:t> </m:t>
-                      </m:r>
-                    </m:oMath>
-                  </m:oMathPara>
-                </a14:m>
-              </a:p>
-              <a:p>
-                <a:pPr lvl="0" indent="0" marL="0">
-                  <a:buNone/>
-                </a:pPr>
-                <a:r>
-                  <a:rPr/>
-                  <a:t>Discuss:</a:t>
-                </a:r>
-              </a:p>
-              <a:p>
-                <a:pPr lvl="0" indent="0" marL="0">
-                  <a:buNone/>
-                </a:pPr>
-                <a14:m>
-                  <m:oMathPara xmlns:m="http://schemas.openxmlformats.org/officeDocument/2006/math">
-                    <m:oMathParaPr>
-                      <m:jc m:val="center"/>
-                    </m:oMathParaPr>
-                    <m:oMath>
-                      <m:r>
-                        <m:t> </m:t>
-                      </m:r>
-                    </m:oMath>
-                  </m:oMathPara>
-                </a14:m>
-              </a:p>
-              <a:p>
-                <a:pPr lvl="0" indent="0" marL="0">
-                  <a:buNone/>
-                </a:pPr>
-                <a:r>
-                  <a:rPr/>
-                  <a:t>Why should you use a license to publish content or software?</a:t>
-                </a:r>
-              </a:p>
-            </p:txBody>
-          </p:sp>
-        </mc:Choice>
-      </mc:AlternateContent>
-      <p:sp>
-        <p:nvSpPr>
-          <p:cNvPr id="6" name="Slide Number Placeholder 5">
-            <a:extLst>
-              <a:ext uri="{FF2B5EF4-FFF2-40B4-BE49-F238E27FC236}">
-                <a16:creationId xmlns:a16="http://schemas.microsoft.com/office/drawing/2014/main" id="{C03F998A-2A5E-471F-9FEB-2559B0A7F93D}"/>
-              </a:ext>
-            </a:extLst>
-          </p:cNvPr>
-          <p:cNvSpPr>
-            <a:spLocks noGrp="1"/>
-          </p:cNvSpPr>
-          <p:nvPr>
-            <p:ph idx="12" sz="quarter" type="sldNum"/>
-          </p:nvPr>
-        </p:nvSpPr>
-        <p:spPr/>
-        <p:txBody>
-          <a:bodyPr/>
-          <a:lstStyle/>
-          <a:p>
-            <a:fld id="{E1C5CB42-CF14-4293-8971-6DCD1AAE8BE7}" type="slidenum">
-              <a:rPr lang="en-GB" smtClean="0"/>
-              <a:t>‹#›</a:t>
-            </a:fld>
-            <a:endParaRPr lang="en-GB"/>
-          </a:p>
-        </p:txBody>
-      </p:sp>
-    </p:spTree>
-  </p:cSld>
-</p:sld>
-</file>
-
-<file path=ppt/slides/slide26.xml><?xml version="1.0" encoding="utf-8"?>
-<p:sld xmlns:a="http://schemas.openxmlformats.org/drawingml/2006/main" xmlns:r="http://schemas.openxmlformats.org/officeDocument/2006/relationships" xmlns:p="http://schemas.openxmlformats.org/presentationml/2006/main">
-  <p:cSld>
-    <p:spTree>
-      <p:nvGrpSpPr>
-        <p:cNvPr id="1" name=""/>
-        <p:cNvGrpSpPr/>
-        <p:nvPr/>
-      </p:nvGrpSpPr>
-      <p:grpSpPr>
-        <a:xfrm>
-          <a:off x="0" y="0"/>
-          <a:ext cx="0" cy="0"/>
-          <a:chOff x="0" y="0"/>
-          <a:chExt cx="0" cy="0"/>
-        </a:xfrm>
-      </p:grpSpPr>
-      <p:sp>
-        <p:nvSpPr>
-          <p:cNvPr id="2" name="Title 1">
-            <a:extLst>
-              <a:ext uri="{FF2B5EF4-FFF2-40B4-BE49-F238E27FC236}">
-                <a16:creationId xmlns:a16="http://schemas.microsoft.com/office/drawing/2014/main" id="{D6AA89D5-560C-4369-A313-7C24EDF028A0}"/>
-              </a:ext>
-            </a:extLst>
-          </p:cNvPr>
-          <p:cNvSpPr>
-            <a:spLocks noGrp="1"/>
-          </p:cNvSpPr>
-          <p:nvPr>
-            <p:ph type="title"/>
-          </p:nvPr>
-        </p:nvSpPr>
-        <p:spPr/>
-        <p:txBody>
-          <a:bodyPr/>
-          <a:lstStyle/>
-          <a:p>
-            <a:pPr lvl="0" indent="0" marL="0">
-              <a:buNone/>
-            </a:pPr>
-            <a:r>
-              <a:rPr/>
-              <a:t>Licenses</a:t>
-            </a:r>
-          </a:p>
-        </p:txBody>
-      </p:sp>
-      <p:sp>
-        <p:nvSpPr>
-          <p:cNvPr id="3" name="Content Placeholder 2">
-            <a:extLst>
-              <a:ext uri="{FF2B5EF4-FFF2-40B4-BE49-F238E27FC236}">
-                <a16:creationId xmlns:a16="http://schemas.microsoft.com/office/drawing/2014/main" id="{288BC91F-1C76-43AE-8B2A-956D48B768BE}"/>
-              </a:ext>
-            </a:extLst>
-          </p:cNvPr>
-          <p:cNvSpPr>
-            <a:spLocks noGrp="1"/>
-          </p:cNvSpPr>
-          <p:nvPr>
-            <p:ph idx="1"/>
-          </p:nvPr>
-        </p:nvSpPr>
-        <p:spPr/>
-        <p:txBody>
-          <a:bodyPr/>
-          <a:lstStyle/>
-          <a:p>
-            <a:pPr lvl="0" indent="0" marL="0">
-              <a:spcBef>
-                <a:spcPts val="3000"/>
-              </a:spcBef>
-              <a:buNone/>
-            </a:pPr>
-            <a:r>
-              <a:rPr b="1"/>
-              <a:t>Why use licenses?</a:t>
-            </a:r>
-          </a:p>
-          <a:p>
-            <a:pPr lvl="0" indent="0" marL="0">
-              <a:buNone/>
-            </a:pPr>
-            <a:r>
-              <a:rPr/>
-              <a:t>A license is a legal document that will provide you and your institution some protection regarding how your content or software can be used and what attribution / credit needs to be given to your and your co-authors.</a:t>
-            </a:r>
-          </a:p>
-          <a:p>
-            <a:pPr lvl="0" indent="0" marL="0">
-              <a:buNone/>
-            </a:pPr>
-            <a:r>
-              <a:rPr/>
-              <a:t>While a license or a copyright license can obviously be used to restrict usage, you should still use one for open source documents to clarify wheher your work can be used for commercial purposes, how you should be given credit for your work, etc.</a:t>
-            </a:r>
-          </a:p>
-          <a:p>
-            <a:pPr lvl="0" indent="0" marL="0">
-              <a:buNone/>
-            </a:pPr>
-            <a:r>
-              <a:rPr/>
-              <a:t>For software, it is generally recommended to have a no-warranty / AS-IS statement in the license to protect you and your organisation from lawsuits from users of your software.</a:t>
-            </a:r>
-          </a:p>
-          <a:p>
-            <a:pPr lvl="0" indent="0" marL="0">
-              <a:spcBef>
-                <a:spcPts val="3000"/>
-              </a:spcBef>
-              <a:buNone/>
-            </a:pPr>
-            <a:r>
-              <a:rPr b="1"/>
-              <a:t>Software vs content</a:t>
-            </a:r>
-          </a:p>
-          <a:p>
-            <a:pPr lvl="0" indent="0" marL="0">
-              <a:buNone/>
-            </a:pPr>
-            <a:r>
-              <a:rPr/>
-              <a:t>You can use the same license for content and software but it is generally recommended to use content-specific licenses for content and software-specific licenses for computer code.</a:t>
-            </a:r>
-          </a:p>
-        </p:txBody>
-      </p:sp>
-      <p:sp>
-        <p:nvSpPr>
-          <p:cNvPr id="6" name="Slide Number Placeholder 5">
-            <a:extLst>
-              <a:ext uri="{FF2B5EF4-FFF2-40B4-BE49-F238E27FC236}">
-                <a16:creationId xmlns:a16="http://schemas.microsoft.com/office/drawing/2014/main" id="{C03F998A-2A5E-471F-9FEB-2559B0A7F93D}"/>
-              </a:ext>
-            </a:extLst>
-          </p:cNvPr>
-          <p:cNvSpPr>
-            <a:spLocks noGrp="1"/>
-          </p:cNvSpPr>
-          <p:nvPr>
-            <p:ph idx="12" sz="quarter" type="sldNum"/>
-          </p:nvPr>
-        </p:nvSpPr>
-        <p:spPr/>
-        <p:txBody>
-          <a:bodyPr/>
-          <a:lstStyle/>
-          <a:p>
-            <a:fld id="{E1C5CB42-CF14-4293-8971-6DCD1AAE8BE7}" type="slidenum">
-              <a:rPr lang="en-GB" smtClean="0"/>
-              <a:t>‹#›</a:t>
-            </a:fld>
-            <a:endParaRPr lang="en-GB"/>
-          </a:p>
-        </p:txBody>
-      </p:sp>
-    </p:spTree>
-  </p:cSld>
-</p:sld>
-</file>
-
-<file path=ppt/slides/slide27.xml><?xml version="1.0" encoding="utf-8"?>
-<p:sld xmlns:a="http://schemas.openxmlformats.org/drawingml/2006/main" xmlns:r="http://schemas.openxmlformats.org/officeDocument/2006/relationships" xmlns:p="http://schemas.openxmlformats.org/presentationml/2006/main">
-  <p:cSld>
-    <p:spTree>
-      <p:nvGrpSpPr>
-        <p:cNvPr id="1" name=""/>
-        <p:cNvGrpSpPr/>
-        <p:nvPr/>
-      </p:nvGrpSpPr>
-      <p:grpSpPr>
-        <a:xfrm>
-          <a:off x="0" y="0"/>
-          <a:ext cx="0" cy="0"/>
-          <a:chOff x="0" y="0"/>
-          <a:chExt cx="0" cy="0"/>
-        </a:xfrm>
-      </p:grpSpPr>
-      <p:sp>
-        <p:nvSpPr>
-          <p:cNvPr id="2" name="Title 1">
-            <a:extLst>
-              <a:ext uri="{FF2B5EF4-FFF2-40B4-BE49-F238E27FC236}">
-                <a16:creationId xmlns:a16="http://schemas.microsoft.com/office/drawing/2014/main" id="{D6AA89D5-560C-4369-A313-7C24EDF028A0}"/>
-              </a:ext>
-            </a:extLst>
-          </p:cNvPr>
-          <p:cNvSpPr>
-            <a:spLocks noGrp="1"/>
-          </p:cNvSpPr>
-          <p:nvPr>
-            <p:ph type="title"/>
-          </p:nvPr>
-        </p:nvSpPr>
-        <p:spPr/>
-        <p:txBody>
-          <a:bodyPr/>
-          <a:lstStyle/>
-          <a:p>
-            <a:pPr lvl="0" indent="0" marL="0">
-              <a:buNone/>
-            </a:pPr>
-            <a:r>
-              <a:rPr/>
-              <a:t>Licenses</a:t>
-            </a:r>
-          </a:p>
-        </p:txBody>
-      </p:sp>
-      <p:sp>
-        <p:nvSpPr>
-          <p:cNvPr id="3" name="Content Placeholder 2">
-            <a:extLst>
-              <a:ext uri="{FF2B5EF4-FFF2-40B4-BE49-F238E27FC236}">
-                <a16:creationId xmlns:a16="http://schemas.microsoft.com/office/drawing/2014/main" id="{288BC91F-1C76-43AE-8B2A-956D48B768BE}"/>
-              </a:ext>
-            </a:extLst>
-          </p:cNvPr>
-          <p:cNvSpPr>
-            <a:spLocks noGrp="1"/>
-          </p:cNvSpPr>
-          <p:nvPr>
-            <p:ph idx="1"/>
-          </p:nvPr>
-        </p:nvSpPr>
-        <p:spPr/>
-        <p:txBody>
-          <a:bodyPr/>
-          <a:lstStyle/>
-          <a:p>
-            <a:pPr lvl="0" indent="0" marL="0">
-              <a:spcBef>
-                <a:spcPts val="3000"/>
-              </a:spcBef>
-              <a:buNone/>
-            </a:pPr>
-            <a:r>
-              <a:rPr b="1"/>
-              <a:t>Common open source software licenses:</a:t>
-            </a:r>
-          </a:p>
-          <a:p>
-            <a:pPr lvl="0"/>
-            <a:r>
-              <a:rPr/>
-              <a:t>MIT</a:t>
-            </a:r>
-          </a:p>
-          <a:p>
-            <a:pPr lvl="0"/>
-            <a:r>
-              <a:rPr/>
-              <a:t>GPL-3.0</a:t>
-            </a:r>
-          </a:p>
-          <a:p>
-            <a:pPr lvl="0"/>
-            <a:r>
-              <a:rPr/>
-              <a:t>See </a:t>
-            </a:r>
-            <a:r>
-              <a:rPr>
-                <a:hlinkClick r:id="rId2"/>
-              </a:rPr>
-              <a:t>https://opensource.org/licenses/alphabetical</a:t>
-            </a:r>
-            <a:r>
-              <a:rPr/>
-              <a:t> for OSI approved licenses.</a:t>
-            </a:r>
-          </a:p>
-          <a:p>
-            <a:pPr lvl="0"/>
-            <a:r>
-              <a:rPr/>
-              <a:t>You can select one of several standard licenses on GitHub or upload your own.</a:t>
-            </a:r>
-          </a:p>
-          <a:p>
-            <a:pPr lvl="0" indent="0" marL="0">
-              <a:spcBef>
-                <a:spcPts val="3000"/>
-              </a:spcBef>
-              <a:buNone/>
-            </a:pPr>
-            <a:r>
-              <a:rPr b="1"/>
-              <a:t>Content licenses</a:t>
-            </a:r>
-          </a:p>
-          <a:p>
-            <a:pPr lvl="0" indent="0" marL="0">
-              <a:buNone/>
-            </a:pPr>
-            <a:r>
-              <a:rPr/>
-              <a:t>The most common here is the Creative Commons Attribution International license, </a:t>
-            </a:r>
-            <a:r>
-              <a:rPr>
-                <a:hlinkClick r:id="rId3"/>
-              </a:rPr>
-              <a:t>CC BY 4.0</a:t>
-            </a:r>
-            <a:r>
-              <a:rPr/>
-              <a:t>. Wellcome funded research needs to be published using this license.</a:t>
-            </a:r>
-          </a:p>
-          <a:p>
-            <a:pPr lvl="0" indent="0" marL="0">
-              <a:spcBef>
-                <a:spcPts val="3000"/>
-              </a:spcBef>
-              <a:buNone/>
-            </a:pPr>
-            <a:r>
-              <a:rPr b="1"/>
-              <a:t>The Unlicense</a:t>
-            </a:r>
-          </a:p>
-          <a:p>
-            <a:pPr lvl="0" indent="0" marL="0">
-              <a:buNone/>
-            </a:pPr>
-            <a:r>
-              <a:rPr/>
-              <a:t>This is a public-domain equivalent license, without an attribution clause but with a no-warranty statement. See </a:t>
-            </a:r>
-            <a:r>
-              <a:rPr>
-                <a:hlinkClick r:id="rId4"/>
-              </a:rPr>
-              <a:t>http://unlicense.org</a:t>
-            </a:r>
-            <a:r>
-              <a:rPr/>
-              <a:t>.</a:t>
-            </a:r>
-          </a:p>
-        </p:txBody>
-      </p:sp>
-      <p:sp>
-        <p:nvSpPr>
-          <p:cNvPr id="6" name="Slide Number Placeholder 5">
-            <a:extLst>
-              <a:ext uri="{FF2B5EF4-FFF2-40B4-BE49-F238E27FC236}">
-                <a16:creationId xmlns:a16="http://schemas.microsoft.com/office/drawing/2014/main" id="{C03F998A-2A5E-471F-9FEB-2559B0A7F93D}"/>
-              </a:ext>
-            </a:extLst>
-          </p:cNvPr>
-          <p:cNvSpPr>
-            <a:spLocks noGrp="1"/>
-          </p:cNvSpPr>
-          <p:nvPr>
-            <p:ph idx="12" sz="quarter" type="sldNum"/>
-          </p:nvPr>
-        </p:nvSpPr>
-        <p:spPr/>
-        <p:txBody>
-          <a:bodyPr/>
-          <a:lstStyle/>
-          <a:p>
-            <a:fld id="{E1C5CB42-CF14-4293-8971-6DCD1AAE8BE7}" type="slidenum">
-              <a:rPr lang="en-GB" smtClean="0"/>
-              <a:t>‹#›</a:t>
-            </a:fld>
-            <a:endParaRPr lang="en-GB"/>
-          </a:p>
-        </p:txBody>
-      </p:sp>
-    </p:spTree>
-  </p:cSld>
-</p:sld>
-</file>
-
-<file path=ppt/slides/slide28.xml><?xml version="1.0" encoding="utf-8"?>
-<p:sld xmlns:a="http://schemas.openxmlformats.org/drawingml/2006/main" xmlns:r="http://schemas.openxmlformats.org/officeDocument/2006/relationships" xmlns:p="http://schemas.openxmlformats.org/presentationml/2006/main">
-  <p:cSld>
-    <p:spTree>
-      <p:nvGrpSpPr>
-        <p:cNvPr id="1" name=""/>
-        <p:cNvGrpSpPr/>
-        <p:nvPr/>
-      </p:nvGrpSpPr>
-      <p:grpSpPr>
-        <a:xfrm>
-          <a:off x="0" y="0"/>
-          <a:ext cx="0" cy="0"/>
-          <a:chOff x="0" y="0"/>
-          <a:chExt cx="0" cy="0"/>
-        </a:xfrm>
-      </p:grpSpPr>
-      <p:sp>
-        <p:nvSpPr>
-          <p:cNvPr id="3" name="Content Placeholder 2">
-            <a:extLst>
-              <a:ext uri="{FF2B5EF4-FFF2-40B4-BE49-F238E27FC236}">
-                <a16:creationId xmlns:a16="http://schemas.microsoft.com/office/drawing/2014/main" id="{288BC91F-1C76-43AE-8B2A-956D48B768BE}"/>
-              </a:ext>
-            </a:extLst>
-          </p:cNvPr>
-          <p:cNvSpPr>
-            <a:spLocks noGrp="1"/>
-          </p:cNvSpPr>
-          <p:nvPr>
-            <p:ph idx="1"/>
-          </p:nvPr>
-        </p:nvSpPr>
-        <p:spPr/>
-        <p:txBody>
-          <a:bodyPr/>
-          <a:lstStyle/>
-          <a:p>
-            <a:pPr lvl="0" indent="0" marL="0">
-              <a:buNone/>
-            </a:pPr>
-            <a:r>
-              <a:rPr/>
-              <a:t>[end of Session 6]</a:t>
-            </a:r>
-          </a:p>
-        </p:txBody>
-      </p:sp>
-      <p:sp>
-        <p:nvSpPr>
-          <p:cNvPr id="6" name="Slide Number Placeholder 5">
-            <a:extLst>
-              <a:ext uri="{FF2B5EF4-FFF2-40B4-BE49-F238E27FC236}">
-                <a16:creationId xmlns:a16="http://schemas.microsoft.com/office/drawing/2014/main" id="{C03F998A-2A5E-471F-9FEB-2559B0A7F93D}"/>
-              </a:ext>
-            </a:extLst>
-          </p:cNvPr>
-          <p:cNvSpPr>
-            <a:spLocks noGrp="1"/>
-          </p:cNvSpPr>
-          <p:nvPr>
-            <p:ph idx="12" sz="quarter" type="sldNum"/>
-          </p:nvPr>
-        </p:nvSpPr>
-        <p:spPr/>
-        <p:txBody>
-          <a:bodyPr/>
-          <a:lstStyle/>
-          <a:p>
-            <a:fld id="{E1C5CB42-CF14-4293-8971-6DCD1AAE8BE7}" type="slidenum">
-              <a:rPr lang="en-GB" smtClean="0"/>
-              <a:t>‹#›</a:t>
-            </a:fld>
-            <a:endParaRPr lang="en-GB"/>
-          </a:p>
-        </p:txBody>
-      </p:sp>
-    </p:spTree>
-  </p:cSld>
-</p:sld>
-</file>
-
-<file path=ppt/slides/slide29.xml><?xml version="1.0" encoding="utf-8"?>
-<p:sld xmlns:a="http://schemas.openxmlformats.org/drawingml/2006/main" xmlns:r="http://schemas.openxmlformats.org/officeDocument/2006/relationships" xmlns:p="http://schemas.openxmlformats.org/presentationml/2006/main">
-  <p:cSld>
-    <p:spTree>
-      <p:nvGrpSpPr>
-        <p:cNvPr id="1" name=""/>
-        <p:cNvGrpSpPr/>
-        <p:nvPr/>
-      </p:nvGrpSpPr>
-      <p:grpSpPr>
-        <a:xfrm>
-          <a:off x="0" y="0"/>
-          <a:ext cx="0" cy="0"/>
-          <a:chOff x="0" y="0"/>
-          <a:chExt cx="0" cy="0"/>
-        </a:xfrm>
-      </p:grpSpPr>
-      <p:sp>
-        <p:nvSpPr>
-          <p:cNvPr id="2" name="Title 1">
-            <a:extLst>
-              <a:ext uri="{FF2B5EF4-FFF2-40B4-BE49-F238E27FC236}">
-                <a16:creationId xmlns:a16="http://schemas.microsoft.com/office/drawing/2014/main" id="{D6AA89D5-560C-4369-A313-7C24EDF028A0}"/>
-              </a:ext>
-            </a:extLst>
-          </p:cNvPr>
-          <p:cNvSpPr>
-            <a:spLocks noGrp="1"/>
-          </p:cNvSpPr>
-          <p:nvPr>
-            <p:ph type="title"/>
-          </p:nvPr>
-        </p:nvSpPr>
-        <p:spPr/>
-        <p:txBody>
-          <a:bodyPr/>
-          <a:lstStyle/>
-          <a:p>
-            <a:pPr lvl="0" indent="0" marL="0">
-              <a:buNone/>
-            </a:pPr>
-            <a:r>
-              <a:rPr/>
-              <a:t>Notes</a:t>
-            </a:r>
-          </a:p>
-        </p:txBody>
-      </p:sp>
-      <p:sp>
-        <p:nvSpPr>
-          <p:cNvPr id="3" name="Content Placeholder 2">
-            <a:extLst>
-              <a:ext uri="{FF2B5EF4-FFF2-40B4-BE49-F238E27FC236}">
-                <a16:creationId xmlns:a16="http://schemas.microsoft.com/office/drawing/2014/main" id="{288BC91F-1C76-43AE-8B2A-956D48B768BE}"/>
-              </a:ext>
-            </a:extLst>
-          </p:cNvPr>
-          <p:cNvSpPr>
-            <a:spLocks noGrp="1"/>
-          </p:cNvSpPr>
-          <p:nvPr>
-            <p:ph idx="1"/>
-          </p:nvPr>
-        </p:nvSpPr>
-        <p:spPr/>
-        <p:txBody>
-          <a:bodyPr/>
-          <a:lstStyle/>
-          <a:p>
-            <a:pPr lvl="0" indent="0" marL="0">
-              <a:buNone/>
-            </a:pPr>
-            <a:r>
-              <a:rPr sz="1800"/>
-              <a:t>1. Machado, J., </a:t>
-            </a:r>
-            <a:r>
-              <a:rPr sz="1800" i="1"/>
-              <a:t>“Open data and open science”</a:t>
-            </a:r>
-            <a:r>
-              <a:rPr sz="1800"/>
-              <a:t>. In Albagli, Maciel &amp; Abdo, </a:t>
-            </a:r>
-            <a:r>
-              <a:rPr sz="1800" i="1"/>
-              <a:t>“Open Science, Open Questions”</a:t>
-            </a:r>
-            <a:r>
-              <a:rPr sz="1800"/>
-              <a:t> 2015.</a:t>
-            </a:r>
-          </a:p>
-          <a:p>
-            <a:pPr lvl="0" indent="0" marL="0">
-              <a:buNone/>
-            </a:pPr>
-            <a:r>
-              <a:rPr sz="1800"/>
-              <a:t>2. </a:t>
-            </a:r>
-            <a:r>
-              <a:rPr sz="1800">
-                <a:hlinkClick r:id="rId2"/>
-              </a:rPr>
-              <a:t>https://www.sciencemag.org/site/special/h5n1</a:t>
-            </a:r>
-          </a:p>
-          <a:p>
-            <a:pPr lvl="0" indent="0" marL="0">
-              <a:buNone/>
-            </a:pPr>
-            <a:r>
-              <a:rPr sz="1800"/>
-              <a:t>3. </a:t>
-            </a:r>
-            <a:r>
-              <a:rPr sz="1800">
-                <a:hlinkClick r:id="rId3"/>
-              </a:rPr>
-              <a:t>https://r4ds.had.co.nz</a:t>
-            </a:r>
-          </a:p>
-        </p:txBody>
-      </p:sp>
-      <p:sp>
-        <p:nvSpPr>
-          <p:cNvPr id="6" name="Slide Number Placeholder 5">
-            <a:extLst>
-              <a:ext uri="{FF2B5EF4-FFF2-40B4-BE49-F238E27FC236}">
-                <a16:creationId xmlns:a16="http://schemas.microsoft.com/office/drawing/2014/main" id="{C03F998A-2A5E-471F-9FEB-2559B0A7F93D}"/>
-              </a:ext>
-            </a:extLst>
-          </p:cNvPr>
-          <p:cNvSpPr>
-            <a:spLocks noGrp="1"/>
-          </p:cNvSpPr>
-          <p:nvPr>
-            <p:ph idx="12" sz="quarter" type="sldNum"/>
-          </p:nvPr>
-        </p:nvSpPr>
-        <p:spPr/>
-        <p:txBody>
-          <a:bodyPr/>
-          <a:lstStyle/>
-          <a:p>
-            <a:fld id="{E1C5CB42-CF14-4293-8971-6DCD1AAE8BE7}" type="slidenum">
-              <a:rPr lang="en-GB" smtClean="0"/>
-              <a:t>‹#›</a:t>
-            </a:fld>
-            <a:endParaRPr lang="en-GB"/>
-          </a:p>
-        </p:txBody>
-      </p:sp>
-    </p:spTree>
-  </p:cSld>
-</p:sld>
-</file>
-
-<file path=ppt/slides/slide3.xml><?xml version="1.0" encoding="utf-8"?>
-<p:sld xmlns:a="http://schemas.openxmlformats.org/drawingml/2006/main" xmlns:r="http://schemas.openxmlformats.org/officeDocument/2006/relationships" xmlns:p="http://schemas.openxmlformats.org/presentationml/2006/main">
-  <p:cSld>
-    <p:spTree>
-      <p:nvGrpSpPr>
-        <p:cNvPr id="1" name=""/>
-        <p:cNvGrpSpPr/>
-        <p:nvPr/>
-      </p:nvGrpSpPr>
-      <p:grpSpPr>
-        <a:xfrm>
-          <a:off x="0" y="0"/>
-          <a:ext cx="0" cy="0"/>
-          <a:chOff x="0" y="0"/>
-          <a:chExt cx="0" cy="0"/>
-        </a:xfrm>
-      </p:grpSpPr>
-      <p:sp>
-        <p:nvSpPr>
-          <p:cNvPr id="2" name="Title 1">
-            <a:extLst>
-              <a:ext uri="{FF2B5EF4-FFF2-40B4-BE49-F238E27FC236}">
-                <a16:creationId xmlns:a16="http://schemas.microsoft.com/office/drawing/2014/main" id="{D6AA89D5-560C-4369-A313-7C24EDF028A0}"/>
-              </a:ext>
-            </a:extLst>
-          </p:cNvPr>
-          <p:cNvSpPr>
-            <a:spLocks noGrp="1"/>
-          </p:cNvSpPr>
-          <p:nvPr>
-            <p:ph type="title"/>
-          </p:nvPr>
-        </p:nvSpPr>
-        <p:spPr/>
-        <p:txBody>
-          <a:bodyPr/>
-          <a:lstStyle/>
-          <a:p>
-            <a:pPr lvl="0" indent="0" marL="0">
-              <a:buNone/>
-            </a:pPr>
-            <a:r>
-              <a:rPr/>
-              <a:t>Preliminaries</a:t>
-            </a:r>
-          </a:p>
-        </p:txBody>
-      </p:sp>
-      <mc:AlternateContent xmlns:mc="http://schemas.openxmlformats.org/markup-compatibility/2006">
-        <mc:Choice xmlns:a14="http://schemas.microsoft.com/office/drawing/2010/main" Requires="a14">
-          <p:sp>
-            <p:nvSpPr>
-              <p:cNvPr id="3" name="Content Placeholder 2">
-                <a:extLst>
-                  <a:ext uri="{FF2B5EF4-FFF2-40B4-BE49-F238E27FC236}">
-                    <a16:creationId xmlns:a16="http://schemas.microsoft.com/office/drawing/2014/main" id="{288BC91F-1C76-43AE-8B2A-956D48B768BE}"/>
-                  </a:ext>
-                </a:extLst>
-              </p:cNvPr>
-              <p:cNvSpPr>
-                <a:spLocks noGrp="1"/>
-              </p:cNvSpPr>
-              <p:nvPr>
-                <p:ph idx="1"/>
-              </p:nvPr>
-            </p:nvSpPr>
-            <p:spPr/>
-            <p:txBody>
-              <a:bodyPr/>
-              <a:lstStyle/>
-              <a:p>
-                <a:pPr lvl="0"/>
-                <a:r>
-                  <a:rPr/>
-                  <a:t>Certificates of attendance</a:t>
-                </a:r>
-              </a:p>
-              <a:p>
-                <a:pPr lvl="1"/>
-                <a:r>
-                  <a:rPr/>
-                  <a:t>You need to attend all 6 sessions.</a:t>
-                </a:r>
-              </a:p>
-              <a:p>
-                <a:pPr lvl="1"/>
-                <a:r>
-                  <a:rPr/>
-                  <a:t>Sign in &amp; check spelling of name on the sign-in sheet!</a:t>
-                </a:r>
-              </a:p>
-              <a:p>
-                <a:pPr lvl="1"/>
-                <a:r>
-                  <a:rPr/>
-                  <a:t>Only issued if paid-up and in exchange for completed feedback form.</a:t>
-                </a:r>
-              </a:p>
-              <a:p>
-                <a:pPr lvl="0" indent="0" marL="0">
-                  <a:buNone/>
-                </a:pPr>
-                <a14:m>
-                  <m:oMathPara xmlns:m="http://schemas.openxmlformats.org/officeDocument/2006/math">
-                    <m:oMathParaPr>
-                      <m:jc m:val="center"/>
-                    </m:oMathParaPr>
-                    <m:oMath>
-                      <m:r>
-                        <m:t> </m:t>
-                      </m:r>
-                    </m:oMath>
-                  </m:oMathPara>
-                </a14:m>
-              </a:p>
-              <a:p>
-                <a:pPr lvl="0"/>
-                <a:r>
-                  <a:rPr/>
-                  <a:t>Course website / GitHub: </a:t>
-                </a:r>
-                <a:r>
-                  <a:rPr>
-                    <a:hlinkClick r:id="rId2"/>
-                  </a:rPr>
-                  <a:t>https://github.com/mlw-stats/R_And_Statistics_Training_Autumn2023</a:t>
-                </a:r>
-              </a:p>
-              <a:p>
-                <a:pPr lvl="0" indent="0" marL="0">
-                  <a:buNone/>
-                </a:pPr>
-                <a14:m>
-                  <m:oMathPara xmlns:m="http://schemas.openxmlformats.org/officeDocument/2006/math">
-                    <m:oMathParaPr>
-                      <m:jc m:val="center"/>
-                    </m:oMathParaPr>
-                    <m:oMath>
-                      <m:r>
-                        <m:t> </m:t>
-                      </m:r>
-                    </m:oMath>
-                  </m:oMathPara>
-                </a14:m>
-              </a:p>
-              <a:p>
-                <a:pPr lvl="0"/>
-                <a:r>
-                  <a:rPr/>
-                  <a:t>Office hours</a:t>
-                </a:r>
-              </a:p>
-              <a:p>
-                <a:pPr lvl="1"/>
-                <a:r>
-                  <a:rPr/>
-                  <a:t>James - Wednesdays 2.00pm-3.00pm</a:t>
-                </a:r>
-              </a:p>
-              <a:p>
-                <a:pPr lvl="1"/>
-                <a:r>
-                  <a:rPr/>
-                  <a:t>Eva - Wednesdays 3.00pm-4.00pm</a:t>
-                </a:r>
-              </a:p>
-              <a:p>
-                <a:pPr lvl="1"/>
-                <a:r>
-                  <a:rPr/>
-                  <a:t>Marc - Tuesdays 9.00am-10.00am</a:t>
-                </a:r>
-              </a:p>
-              <a:p>
-                <a:pPr lvl="0" indent="0" marL="0">
-                  <a:buNone/>
-                </a:pPr>
-                <a14:m>
-                  <m:oMathPara xmlns:m="http://schemas.openxmlformats.org/officeDocument/2006/math">
-                    <m:oMathParaPr>
-                      <m:jc m:val="center"/>
-                    </m:oMathParaPr>
-                    <m:oMath>
-                      <m:r>
-                        <m:t> </m:t>
-                      </m:r>
-                    </m:oMath>
-                  </m:oMathPara>
-                </a14:m>
-              </a:p>
-              <a:p>
-                <a:pPr lvl="0"/>
-                <a:r>
-                  <a:rPr/>
-                  <a:t>Housekeeping</a:t>
-                </a:r>
-              </a:p>
-              <a:p>
-                <a:pPr lvl="1"/>
-                <a:r>
-                  <a:rPr/>
-                  <a:t>Refreshments (no lunch - sorry)</a:t>
-                </a:r>
-              </a:p>
-              <a:p>
-                <a:pPr lvl="1"/>
-                <a:r>
-                  <a:rPr/>
-                  <a:t>Fire exits &amp; bathrooms</a:t>
-                </a:r>
-              </a:p>
-            </p:txBody>
-          </p:sp>
-        </mc:Choice>
-      </mc:AlternateContent>
-      <p:sp>
-        <p:nvSpPr>
-          <p:cNvPr id="6" name="Slide Number Placeholder 5">
-            <a:extLst>
-              <a:ext uri="{FF2B5EF4-FFF2-40B4-BE49-F238E27FC236}">
-                <a16:creationId xmlns:a16="http://schemas.microsoft.com/office/drawing/2014/main" id="{C03F998A-2A5E-471F-9FEB-2559B0A7F93D}"/>
-              </a:ext>
-            </a:extLst>
-          </p:cNvPr>
-          <p:cNvSpPr>
-            <a:spLocks noGrp="1"/>
-          </p:cNvSpPr>
-          <p:nvPr>
-            <p:ph idx="12" sz="quarter" type="sldNum"/>
-          </p:nvPr>
-        </p:nvSpPr>
-        <p:spPr/>
-        <p:txBody>
-          <a:bodyPr/>
-          <a:lstStyle/>
-          <a:p>
-            <a:fld id="{E1C5CB42-CF14-4293-8971-6DCD1AAE8BE7}" type="slidenum">
-              <a:rPr lang="en-GB" smtClean="0"/>
-              <a:t>‹#›</a:t>
-            </a:fld>
-            <a:endParaRPr lang="en-GB"/>
-          </a:p>
-        </p:txBody>
-      </p:sp>
-    </p:spTree>
-  </p:cSld>
+  <p:clrMapOvr>
+    <a:masterClrMapping/>
+  </p:clrMapOvr>
 </p:sld>
 </file>
 
@@ -7512,11 +7599,10 @@
           <a:bodyPr/>
           <a:lstStyle/>
           <a:p>
-            <a:pPr lvl="0" indent="0" marL="0">
-              <a:buNone/>
-            </a:pPr>
-            <a:r>
-              <a:rPr/>
+            <a:pPr marL="0" lvl="0" indent="0">
+              <a:buNone/>
+            </a:pPr>
+            <a:r>
               <a:t>Learning outcomes</a:t>
             </a:r>
           </a:p>
@@ -7540,10 +7626,12 @@
         </p:nvSpPr>
         <p:spPr/>
         <p:txBody>
-          <a:bodyPr/>
-          <a:lstStyle/>
-          <a:p>
-            <a:pPr lvl="0" indent="-457200" marL="457200">
+          <a:bodyPr>
+            <a:normAutofit lnSpcReduction="10000"/>
+          </a:bodyPr>
+          <a:lstStyle/>
+          <a:p>
+            <a:pPr marL="457200" lvl="0" indent="-457200">
               <a:buAutoNum type="arabicPeriod"/>
             </a:pPr>
             <a:r>
@@ -7551,12 +7639,11 @@
               <a:t>KNOW R</a:t>
             </a:r>
             <a:r>
-              <a:rPr/>
               <a:t>: Explain know what R is &amp; what it can do.</a:t>
             </a:r>
           </a:p>
           <a:p>
-            <a:pPr lvl="0" indent="-457200" marL="457200">
+            <a:pPr marL="457200" lvl="0" indent="-457200">
               <a:buAutoNum type="arabicPeriod"/>
             </a:pPr>
             <a:r>
@@ -7564,12 +7651,11 @@
               <a:t>KNOW R RESOURCES</a:t>
             </a:r>
             <a:r>
-              <a:rPr/>
               <a:t>: List useful R resources and access them.</a:t>
             </a:r>
           </a:p>
           <a:p>
-            <a:pPr lvl="0" indent="-457200" marL="457200">
+            <a:pPr marL="457200" lvl="0" indent="-457200">
               <a:buAutoNum type="arabicPeriod"/>
             </a:pPr>
             <a:r>
@@ -7577,57 +7663,51 @@
               <a:t>DO R</a:t>
             </a:r>
             <a:r>
-              <a:rPr/>
               <a:t>: Perform basic operations relevant for your research in R:</a:t>
             </a:r>
           </a:p>
           <a:p>
-            <a:pPr lvl="1" indent="-457200" marL="914400">
+            <a:pPr marL="914400" lvl="1" indent="-457200">
               <a:buAutoNum type="alphaLcPeriod"/>
             </a:pPr>
             <a:r>
-              <a:rPr/>
               <a:t>Read data into R &amp; write data or results to the harddrive.</a:t>
             </a:r>
           </a:p>
           <a:p>
-            <a:pPr lvl="1" indent="-457200" marL="914400">
+            <a:pPr marL="914400" lvl="1" indent="-457200">
               <a:buAutoNum type="alphaLcPeriod"/>
             </a:pPr>
             <a:r>
-              <a:rPr/>
               <a:t>Manipulate &amp; use different object types.</a:t>
             </a:r>
           </a:p>
           <a:p>
-            <a:pPr lvl="1" indent="-457200" marL="914400">
+            <a:pPr marL="914400" lvl="1" indent="-457200">
               <a:buAutoNum type="alphaLcPeriod"/>
             </a:pPr>
             <a:r>
-              <a:rPr/>
               <a:t>Write &amp; use functions in R</a:t>
             </a:r>
           </a:p>
           <a:p>
-            <a:pPr lvl="1" indent="-457200" marL="914400">
+            <a:pPr marL="914400" lvl="1" indent="-457200">
               <a:buAutoNum type="alphaLcPeriod"/>
             </a:pPr>
             <a:r>
-              <a:rPr/>
               <a:t>Perform basic analyses on a dataset: mean, standard deviation, linear regression.</a:t>
             </a:r>
           </a:p>
           <a:p>
-            <a:pPr lvl="1" indent="-457200" marL="914400">
+            <a:pPr marL="914400" lvl="1" indent="-457200">
               <a:buAutoNum type="alphaLcPeriod"/>
             </a:pPr>
             <a:r>
-              <a:rPr/>
               <a:t>Produce various standard graphs and tables</a:t>
             </a:r>
           </a:p>
           <a:p>
-            <a:pPr lvl="0" indent="-457200" marL="457200">
+            <a:pPr marL="457200" lvl="0" indent="-457200">
               <a:buAutoNum type="arabicPeriod"/>
             </a:pPr>
             <a:r>
@@ -7635,12 +7715,11 @@
               <a:t>UNDERSTAND BASICS OF STATISTICS</a:t>
             </a:r>
             <a:r>
-              <a:rPr/>
               <a:t>: Explain basic statistical theory: common distributions, standard statistical techniques, common study designs, assumptions behind common statistical tests and regression models.</a:t>
             </a:r>
           </a:p>
           <a:p>
-            <a:pPr lvl="0" indent="-457200" marL="457200">
+            <a:pPr marL="457200" lvl="0" indent="-457200">
               <a:buAutoNum type="arabicPeriod"/>
             </a:pPr>
             <a:r>
@@ -7648,12 +7727,11 @@
               <a:t>UNDERSTAND STUDY DESIGNS</a:t>
             </a:r>
             <a:r>
-              <a:rPr/>
               <a:t>: Recommend appropriate designs &amp; analyses.</a:t>
             </a:r>
           </a:p>
           <a:p>
-            <a:pPr lvl="0" indent="-457200" marL="457200">
+            <a:pPr marL="457200" lvl="0" indent="-457200">
               <a:buAutoNum type="arabicPeriod"/>
             </a:pPr>
             <a:r>
@@ -7661,12 +7739,11 @@
               <a:t>COMPREHEND OPEN SCIENCE</a:t>
             </a:r>
             <a:r>
-              <a:rPr/>
               <a:t>: Summarise principles of open, reproducible research.</a:t>
             </a:r>
           </a:p>
           <a:p>
-            <a:pPr lvl="0" indent="-457200" marL="457200">
+            <a:pPr marL="457200" lvl="0" indent="-457200">
               <a:buAutoNum type="arabicPeriod"/>
             </a:pPr>
             <a:r>
@@ -7674,7 +7751,6 @@
               <a:t>DO OPEN SCIENCE WITH R</a:t>
             </a:r>
             <a:r>
-              <a:rPr/>
               <a:t>: Use R scripts, R markdown, packages &amp; GitHub.</a:t>
             </a:r>
           </a:p>
@@ -7693,7 +7769,7 @@
             <a:spLocks noGrp="1"/>
           </p:cNvSpPr>
           <p:nvPr>
-            <p:ph idx="12" sz="quarter" type="sldNum"/>
+            <p:ph type="sldNum" sz="quarter" idx="12"/>
           </p:nvPr>
         </p:nvSpPr>
         <p:spPr/>
@@ -7703,7 +7779,7 @@
           <a:p>
             <a:fld id="{E1C5CB42-CF14-4293-8971-6DCD1AAE8BE7}" type="slidenum">
               <a:rPr lang="en-GB" smtClean="0"/>
-              <a:t>‹#›</a:t>
+              <a:t>4</a:t>
             </a:fld>
             <a:endParaRPr lang="en-GB"/>
           </a:p>
@@ -7711,6 +7787,9 @@
       </p:sp>
     </p:spTree>
   </p:cSld>
+  <p:clrMapOvr>
+    <a:masterClrMapping/>
+  </p:clrMapOvr>
 </p:sld>
 </file>
 
@@ -7757,11 +7836,10 @@
           <a:bodyPr/>
           <a:lstStyle/>
           <a:p>
-            <a:pPr lvl="0" indent="0" marL="0">
-              <a:buNone/>
-            </a:pPr>
-            <a:r>
-              <a:rPr/>
+            <a:pPr marL="0" lvl="0" indent="0">
+              <a:buNone/>
+            </a:pPr>
+            <a:r>
               <a:t>Resources</a:t>
             </a:r>
           </a:p>
@@ -7780,7 +7858,7 @@
             <a:spLocks noGrp="1"/>
           </p:cNvSpPr>
           <p:nvPr>
-            <p:ph idx="12" sz="quarter" type="sldNum"/>
+            <p:ph type="sldNum" sz="quarter" idx="12"/>
           </p:nvPr>
         </p:nvSpPr>
         <p:spPr/>
@@ -7790,7 +7868,7 @@
           <a:p>
             <a:fld id="{E1C5CB42-CF14-4293-8971-6DCD1AAE8BE7}" type="slidenum">
               <a:rPr lang="en-GB" smtClean="0"/>
-              <a:t>‹#›</a:t>
+              <a:t>5</a:t>
             </a:fld>
             <a:endParaRPr lang="en-GB"/>
           </a:p>
@@ -7798,6 +7876,9 @@
       </p:sp>
     </p:spTree>
   </p:cSld>
+  <p:clrMapOvr>
+    <a:masterClrMapping/>
+  </p:clrMapOvr>
 </p:sld>
 </file>
 
@@ -7839,11 +7920,10 @@
           <a:bodyPr/>
           <a:lstStyle/>
           <a:p>
-            <a:pPr lvl="0" indent="0" marL="0">
-              <a:buNone/>
-            </a:pPr>
-            <a:r>
-              <a:rPr/>
+            <a:pPr marL="0" lvl="0" indent="0">
+              <a:buNone/>
+            </a:pPr>
+            <a:r>
               <a:t>Resources</a:t>
             </a:r>
           </a:p>
@@ -7872,12 +7952,11 @@
           <a:p>
             <a:pPr lvl="0"/>
             <a:r>
-              <a:rPr/>
               <a:t>Quarto &amp; R markdown</a:t>
             </a:r>
           </a:p>
           <a:p>
-            <a:pPr lvl="0" indent="0" marL="0">
+            <a:pPr marL="0" lvl="0" indent="0">
               <a:buNone/>
             </a:pPr>
             <a:r>
@@ -7888,7 +7967,7 @@
             </a:r>
           </a:p>
           <a:p>
-            <a:pPr lvl="0" indent="0" marL="0">
+            <a:pPr marL="0" lvl="0" indent="0">
               <a:buNone/>
             </a:pPr>
             <a:r>
@@ -7901,12 +7980,11 @@
           <a:p>
             <a:pPr lvl="0"/>
             <a:r>
-              <a:rPr/>
               <a:t>GitHub &amp; git</a:t>
             </a:r>
           </a:p>
           <a:p>
-            <a:pPr lvl="0" indent="0" marL="0">
+            <a:pPr marL="0" lvl="0" indent="0">
               <a:buNone/>
             </a:pPr>
             <a:r>
@@ -7917,7 +7995,7 @@
             </a:r>
           </a:p>
           <a:p>
-            <a:pPr lvl="0" indent="0" marL="0">
+            <a:pPr marL="0" lvl="0" indent="0">
               <a:buNone/>
             </a:pPr>
             <a:r>
@@ -7928,7 +8006,7 @@
             </a:r>
           </a:p>
           <a:p>
-            <a:pPr lvl="0" indent="0" marL="0">
+            <a:pPr marL="0" lvl="0" indent="0">
               <a:buNone/>
             </a:pPr>
             <a:r>
@@ -7953,7 +8031,7 @@
             <a:spLocks noGrp="1"/>
           </p:cNvSpPr>
           <p:nvPr>
-            <p:ph idx="12" sz="quarter" type="sldNum"/>
+            <p:ph type="sldNum" sz="quarter" idx="12"/>
           </p:nvPr>
         </p:nvSpPr>
         <p:spPr/>
@@ -7963,7 +8041,7 @@
           <a:p>
             <a:fld id="{E1C5CB42-CF14-4293-8971-6DCD1AAE8BE7}" type="slidenum">
               <a:rPr lang="en-GB" smtClean="0"/>
-              <a:t>‹#›</a:t>
+              <a:t>6</a:t>
             </a:fld>
             <a:endParaRPr lang="en-GB"/>
           </a:p>
@@ -7971,6 +8049,9 @@
       </p:sp>
     </p:spTree>
   </p:cSld>
+  <p:clrMapOvr>
+    <a:masterClrMapping/>
+  </p:clrMapOvr>
 </p:sld>
 </file>
 
@@ -8017,11 +8098,10 @@
           <a:bodyPr/>
           <a:lstStyle/>
           <a:p>
-            <a:pPr lvl="0" indent="0" marL="0">
-              <a:buNone/>
-            </a:pPr>
-            <a:r>
-              <a:rPr/>
+            <a:pPr marL="0" lvl="0" indent="0">
+              <a:buNone/>
+            </a:pPr>
+            <a:r>
               <a:t>Open Science</a:t>
             </a:r>
           </a:p>
@@ -8040,7 +8120,7 @@
             <a:spLocks noGrp="1"/>
           </p:cNvSpPr>
           <p:nvPr>
-            <p:ph idx="12" sz="quarter" type="sldNum"/>
+            <p:ph type="sldNum" sz="quarter" idx="12"/>
           </p:nvPr>
         </p:nvSpPr>
         <p:spPr/>
@@ -8050,7 +8130,7 @@
           <a:p>
             <a:fld id="{E1C5CB42-CF14-4293-8971-6DCD1AAE8BE7}" type="slidenum">
               <a:rPr lang="en-GB" smtClean="0"/>
-              <a:t>‹#›</a:t>
+              <a:t>7</a:t>
             </a:fld>
             <a:endParaRPr lang="en-GB"/>
           </a:p>
@@ -8058,6 +8138,9 @@
       </p:sp>
     </p:spTree>
   </p:cSld>
+  <p:clrMapOvr>
+    <a:masterClrMapping/>
+  </p:clrMapOvr>
 </p:sld>
 </file>
 
@@ -8099,116 +8182,120 @@
           <a:bodyPr/>
           <a:lstStyle/>
           <a:p>
-            <a:pPr lvl="0" indent="0" marL="0">
-              <a:buNone/>
-            </a:pPr>
-            <a:r>
-              <a:rPr/>
+            <a:pPr marL="0" lvl="0" indent="0">
+              <a:buNone/>
+            </a:pPr>
+            <a:r>
               <a:t>Open Science</a:t>
             </a:r>
           </a:p>
         </p:txBody>
       </p:sp>
-      <mc:AlternateContent xmlns:mc="http://schemas.openxmlformats.org/markup-compatibility/2006">
-        <mc:Choice xmlns:a14="http://schemas.microsoft.com/office/drawing/2010/main" Requires="a14">
-          <p:sp>
-            <p:nvSpPr>
-              <p:cNvPr id="3" name="Content Placeholder 2">
-                <a:extLst>
-                  <a:ext uri="{FF2B5EF4-FFF2-40B4-BE49-F238E27FC236}">
-                    <a16:creationId xmlns:a16="http://schemas.microsoft.com/office/drawing/2014/main" id="{288BC91F-1C76-43AE-8B2A-956D48B768BE}"/>
-                  </a:ext>
-                </a:extLst>
-              </p:cNvPr>
-              <p:cNvSpPr>
-                <a:spLocks noGrp="1"/>
-              </p:cNvSpPr>
-              <p:nvPr>
-                <p:ph idx="1"/>
-              </p:nvPr>
-            </p:nvSpPr>
-            <p:spPr/>
-            <p:txBody>
-              <a:bodyPr/>
-              <a:lstStyle/>
-              <a:p>
-                <a:pPr lvl="0" indent="0" marL="0">
-                  <a:buNone/>
-                </a:pPr>
-                <a14:m>
-                  <m:oMathPara xmlns:m="http://schemas.openxmlformats.org/officeDocument/2006/math">
-                    <m:oMathParaPr>
-                      <m:jc m:val="center"/>
-                    </m:oMathParaPr>
-                    <m:oMath>
-                      <m:r>
-                        <m:t> </m:t>
-                      </m:r>
-                    </m:oMath>
-                  </m:oMathPara>
-                </a14:m>
-              </a:p>
-              <a:p>
-                <a:pPr lvl="0" indent="0" marL="0">
-                  <a:buNone/>
-                </a:pPr>
-                <a:r>
-                  <a:rPr/>
-                  <a:t>Discuss:</a:t>
-                </a:r>
-              </a:p>
-              <a:p>
-                <a:pPr lvl="0" indent="0" marL="0">
-                  <a:buNone/>
-                </a:pPr>
-                <a14:m>
-                  <m:oMathPara xmlns:m="http://schemas.openxmlformats.org/officeDocument/2006/math">
-                    <m:oMathParaPr>
-                      <m:jc m:val="center"/>
-                    </m:oMathParaPr>
-                    <m:oMath>
-                      <m:r>
-                        <m:t> </m:t>
-                      </m:r>
-                    </m:oMath>
-                  </m:oMathPara>
-                </a14:m>
-              </a:p>
-              <a:p>
-                <a:pPr lvl="0"/>
-                <a:r>
-                  <a:rPr/>
-                  <a:t>What do you understand by Open Science?</a:t>
-                </a:r>
-              </a:p>
-              <a:p>
-                <a:pPr lvl="0" indent="0" marL="0">
-                  <a:buNone/>
-                </a:pPr>
-                <a14:m>
-                  <m:oMathPara xmlns:m="http://schemas.openxmlformats.org/officeDocument/2006/math">
-                    <m:oMathParaPr>
-                      <m:jc m:val="center"/>
-                    </m:oMathParaPr>
-                    <m:oMath>
-                      <m:r>
-                        <m:t> </m:t>
-                      </m:r>
-                    </m:oMath>
-                  </m:oMathPara>
-                </a14:m>
-              </a:p>
-              <a:p>
-                <a:pPr lvl="0"/>
-                <a:r>
-                  <a:rPr/>
-                  <a:t>Why is Open Science important?</a:t>
-                </a:r>
-              </a:p>
-            </p:txBody>
-          </p:sp>
-        </mc:Choice>
-      </mc:AlternateContent>
+      <p:sp>
+        <p:nvSpPr>
+          <p:cNvPr id="3" name="Content Placeholder 2">
+            <a:extLst>
+              <a:ext uri="{FF2B5EF4-FFF2-40B4-BE49-F238E27FC236}">
+                <a16:creationId xmlns:a16="http://schemas.microsoft.com/office/drawing/2014/main" id="{288BC91F-1C76-43AE-8B2A-956D48B768BE}"/>
+              </a:ext>
+            </a:extLst>
+          </p:cNvPr>
+          <p:cNvSpPr>
+            <a:spLocks noGrp="1"/>
+          </p:cNvSpPr>
+          <p:nvPr>
+            <p:ph idx="1"/>
+          </p:nvPr>
+        </p:nvSpPr>
+        <p:spPr/>
+        <p:txBody>
+          <a:bodyPr/>
+          <a:lstStyle/>
+          <a:p>
+            <a:pPr marL="0" lvl="0" indent="0">
+              <a:buNone/>
+            </a:pPr>
+            <a14:m xmlns:a14="http://schemas.microsoft.com/office/drawing/2010/main">
+              <m:oMathPara xmlns:m="http://schemas.openxmlformats.org/officeDocument/2006/math">
+                <m:oMathParaPr>
+                  <m:jc m:val="center"/>
+                </m:oMathParaPr>
+                <m:oMath xmlns:m="http://schemas.openxmlformats.org/officeDocument/2006/math">
+                  <m:r>
+                    <a:rPr>
+                      <a:latin typeface="Cambria Math" panose="02040503050406030204" pitchFamily="18" charset="0"/>
+                    </a:rPr>
+                    <m:t> </m:t>
+                  </m:r>
+                </m:oMath>
+              </m:oMathPara>
+            </a14:m>
+            <a:endParaRPr/>
+          </a:p>
+          <a:p>
+            <a:pPr marL="0" lvl="0" indent="0">
+              <a:buNone/>
+            </a:pPr>
+            <a:r>
+              <a:t>Discuss:</a:t>
+            </a:r>
+          </a:p>
+          <a:p>
+            <a:pPr marL="0" lvl="0" indent="0">
+              <a:buNone/>
+            </a:pPr>
+            <a14:m xmlns:a14="http://schemas.microsoft.com/office/drawing/2010/main">
+              <m:oMathPara xmlns:m="http://schemas.openxmlformats.org/officeDocument/2006/math">
+                <m:oMathParaPr>
+                  <m:jc m:val="center"/>
+                </m:oMathParaPr>
+                <m:oMath xmlns:m="http://schemas.openxmlformats.org/officeDocument/2006/math">
+                  <m:r>
+                    <a:rPr>
+                      <a:latin typeface="Cambria Math" panose="02040503050406030204" pitchFamily="18" charset="0"/>
+                    </a:rPr>
+                    <m:t> </m:t>
+                  </m:r>
+                </m:oMath>
+              </m:oMathPara>
+            </a14:m>
+            <a:endParaRPr/>
+          </a:p>
+          <a:p>
+            <a:pPr lvl="0"/>
+            <a:r>
+              <a:t>What do you understand by Open Science?</a:t>
+            </a:r>
+          </a:p>
+          <a:p>
+            <a:pPr marL="0" lvl="0" indent="0">
+              <a:buNone/>
+            </a:pPr>
+            <a14:m xmlns:a14="http://schemas.microsoft.com/office/drawing/2010/main">
+              <m:oMathPara xmlns:m="http://schemas.openxmlformats.org/officeDocument/2006/math">
+                <m:oMathParaPr>
+                  <m:jc m:val="center"/>
+                </m:oMathParaPr>
+                <m:oMath xmlns:m="http://schemas.openxmlformats.org/officeDocument/2006/math">
+                  <m:r>
+                    <a:rPr>
+                      <a:latin typeface="Cambria Math" panose="02040503050406030204" pitchFamily="18" charset="0"/>
+                    </a:rPr>
+                    <m:t> </m:t>
+                  </m:r>
+                </m:oMath>
+              </m:oMathPara>
+            </a14:m>
+            <a:endParaRPr/>
+          </a:p>
+          <a:p>
+            <a:pPr lvl="0"/>
+            <a:r>
+              <a:t>Why is Open Science important?</a:t>
+            </a:r>
+          </a:p>
+        </p:txBody>
+      </p:sp>
       <p:sp>
         <p:nvSpPr>
           <p:cNvPr id="6" name="Slide Number Placeholder 5">
@@ -8222,7 +8309,7 @@
             <a:spLocks noGrp="1"/>
           </p:cNvSpPr>
           <p:nvPr>
-            <p:ph idx="12" sz="quarter" type="sldNum"/>
+            <p:ph type="sldNum" sz="quarter" idx="12"/>
           </p:nvPr>
         </p:nvSpPr>
         <p:spPr/>
@@ -8232,7 +8319,7 @@
           <a:p>
             <a:fld id="{E1C5CB42-CF14-4293-8971-6DCD1AAE8BE7}" type="slidenum">
               <a:rPr lang="en-GB" smtClean="0"/>
-              <a:t>‹#›</a:t>
+              <a:t>8</a:t>
             </a:fld>
             <a:endParaRPr lang="en-GB"/>
           </a:p>
@@ -8240,6 +8327,9 @@
       </p:sp>
     </p:spTree>
   </p:cSld>
+  <p:clrMapOvr>
+    <a:masterClrMapping/>
+  </p:clrMapOvr>
 </p:sld>
 </file>
 
@@ -8281,147 +8371,141 @@
           <a:bodyPr/>
           <a:lstStyle/>
           <a:p>
-            <a:pPr lvl="0" indent="0" marL="0">
-              <a:buNone/>
-            </a:pPr>
-            <a:r>
-              <a:rPr/>
+            <a:pPr marL="0" lvl="0" indent="0">
+              <a:buNone/>
+            </a:pPr>
+            <a:r>
               <a:t>Open Science</a:t>
             </a:r>
           </a:p>
         </p:txBody>
       </p:sp>
-      <mc:AlternateContent xmlns:mc="http://schemas.openxmlformats.org/markup-compatibility/2006">
-        <mc:Choice xmlns:a14="http://schemas.microsoft.com/office/drawing/2010/main" Requires="a14">
-          <p:sp>
-            <p:nvSpPr>
-              <p:cNvPr id="3" name="Content Placeholder 2">
-                <a:extLst>
-                  <a:ext uri="{FF2B5EF4-FFF2-40B4-BE49-F238E27FC236}">
-                    <a16:creationId xmlns:a16="http://schemas.microsoft.com/office/drawing/2014/main" id="{288BC91F-1C76-43AE-8B2A-956D48B768BE}"/>
-                  </a:ext>
-                </a:extLst>
-              </p:cNvPr>
-              <p:cNvSpPr>
-                <a:spLocks noGrp="1"/>
-              </p:cNvSpPr>
-              <p:nvPr>
-                <p:ph idx="1"/>
-              </p:nvPr>
-            </p:nvSpPr>
-            <p:spPr/>
-            <p:txBody>
-              <a:bodyPr/>
-              <a:lstStyle/>
-              <a:p>
-                <a:pPr lvl="0"/>
-                <a:r>
-                  <a:rPr/>
-                  <a:t>Scientific outputs are freely available to anybody - policymakers, professional and amateur researchers, lay public.</a:t>
-                </a:r>
-              </a:p>
-              <a:p>
-                <a:pPr lvl="1"/>
-                <a:r>
-                  <a:rPr/>
-                  <a:t>Research findings.</a:t>
-                </a:r>
-              </a:p>
-              <a:p>
-                <a:pPr lvl="1"/>
-                <a:r>
-                  <a:rPr/>
-                  <a:t>Datasets.</a:t>
-                </a:r>
-              </a:p>
-              <a:p>
-                <a:pPr lvl="1"/>
-                <a:r>
-                  <a:rPr/>
-                  <a:t>Methods.</a:t>
-                </a:r>
-              </a:p>
-              <a:p>
-                <a:pPr lvl="1"/>
-                <a:r>
-                  <a:rPr/>
-                  <a:t>Other resources.</a:t>
-                </a:r>
-              </a:p>
-              <a:p>
-                <a:pPr lvl="0" indent="0" marL="0">
-                  <a:buNone/>
-                </a:pPr>
-                <a14:m>
-                  <m:oMathPara xmlns:m="http://schemas.openxmlformats.org/officeDocument/2006/math">
-                    <m:oMathParaPr>
-                      <m:jc m:val="center"/>
-                    </m:oMathParaPr>
-                    <m:oMath>
-                      <m:r>
-                        <m:t> </m:t>
-                      </m:r>
-                    </m:oMath>
-                  </m:oMathPara>
-                </a14:m>
-              </a:p>
-              <a:p>
-                <a:pPr lvl="0"/>
-                <a:r>
-                  <a:rPr/>
-                  <a:t>Science is transparent &amp; reproducible.</a:t>
-                </a:r>
-              </a:p>
-              <a:p>
-                <a:pPr lvl="0" indent="0" marL="0">
-                  <a:buNone/>
-                </a:pPr>
-                <a14:m>
-                  <m:oMathPara xmlns:m="http://schemas.openxmlformats.org/officeDocument/2006/math">
-                    <m:oMathParaPr>
-                      <m:jc m:val="center"/>
-                    </m:oMathParaPr>
-                    <m:oMath>
-                      <m:r>
-                        <m:t> </m:t>
-                      </m:r>
-                    </m:oMath>
-                  </m:oMathPara>
-                </a14:m>
-              </a:p>
-              <a:p>
-                <a:pPr lvl="0" indent="0" marL="0">
-                  <a:buNone/>
-                </a:pPr>
-                <a:r>
-                  <a:rPr/>
-                  <a:t>Part of a wider movement for open data, content, knowledge </a:t>
-                </a:r>
-                <a:r>
-                  <a:rPr>
-                    <a:hlinkClick r:id="rId2"/>
-                  </a:rPr>
-                  <a:t>http://opendefinition.org</a:t>
-                </a:r>
-                <a:r>
-                  <a:rPr/>
-                  <a:t>. Started in the 17th century with the advent of the academic journal</a:t>
-                </a:r>
-                <a:r>
-                  <a:rPr baseline="30000">
-                    <a:hlinkClick r:id="rId3" action="ppaction://hlinksldjump"/>
-                  </a:rPr>
-                  <a:t>1</a:t>
-                </a:r>
-                <a:r>
-                  <a:rPr/>
-                  <a:t>.</a:t>
-                </a:r>
-              </a:p>
-            </p:txBody>
-          </p:sp>
-        </mc:Choice>
-      </mc:AlternateContent>
+      <p:sp>
+        <p:nvSpPr>
+          <p:cNvPr id="3" name="Content Placeholder 2">
+            <a:extLst>
+              <a:ext uri="{FF2B5EF4-FFF2-40B4-BE49-F238E27FC236}">
+                <a16:creationId xmlns:a16="http://schemas.microsoft.com/office/drawing/2014/main" id="{288BC91F-1C76-43AE-8B2A-956D48B768BE}"/>
+              </a:ext>
+            </a:extLst>
+          </p:cNvPr>
+          <p:cNvSpPr>
+            <a:spLocks noGrp="1"/>
+          </p:cNvSpPr>
+          <p:nvPr>
+            <p:ph idx="1"/>
+          </p:nvPr>
+        </p:nvSpPr>
+        <p:spPr/>
+        <p:txBody>
+          <a:bodyPr/>
+          <a:lstStyle/>
+          <a:p>
+            <a:pPr lvl="0"/>
+            <a:r>
+              <a:t>Scientific outputs are freely available to anybody - policymakers, professional and amateur researchers, lay public.</a:t>
+            </a:r>
+          </a:p>
+          <a:p>
+            <a:pPr lvl="1"/>
+            <a:r>
+              <a:t>Research findings.</a:t>
+            </a:r>
+          </a:p>
+          <a:p>
+            <a:pPr lvl="1"/>
+            <a:r>
+              <a:t>Datasets.</a:t>
+            </a:r>
+          </a:p>
+          <a:p>
+            <a:pPr lvl="1"/>
+            <a:r>
+              <a:t>Methods.</a:t>
+            </a:r>
+          </a:p>
+          <a:p>
+            <a:pPr lvl="1"/>
+            <a:r>
+              <a:t>Other resources.</a:t>
+            </a:r>
+          </a:p>
+          <a:p>
+            <a:pPr marL="0" lvl="0" indent="0">
+              <a:buNone/>
+            </a:pPr>
+            <a14:m xmlns:a14="http://schemas.microsoft.com/office/drawing/2010/main">
+              <m:oMathPara xmlns:m="http://schemas.openxmlformats.org/officeDocument/2006/math">
+                <m:oMathParaPr>
+                  <m:jc m:val="center"/>
+                </m:oMathParaPr>
+                <m:oMath xmlns:m="http://schemas.openxmlformats.org/officeDocument/2006/math">
+                  <m:r>
+                    <a:rPr>
+                      <a:latin typeface="Cambria Math" panose="02040503050406030204" pitchFamily="18" charset="0"/>
+                    </a:rPr>
+                    <m:t> </m:t>
+                  </m:r>
+                </m:oMath>
+              </m:oMathPara>
+            </a14:m>
+            <a:endParaRPr/>
+          </a:p>
+          <a:p>
+            <a:pPr lvl="0"/>
+            <a:r>
+              <a:t>Science is transparent &amp; reproducible.</a:t>
+            </a:r>
+          </a:p>
+          <a:p>
+            <a:pPr marL="0" lvl="0" indent="0">
+              <a:buNone/>
+            </a:pPr>
+            <a14:m xmlns:a14="http://schemas.microsoft.com/office/drawing/2010/main">
+              <m:oMathPara xmlns:m="http://schemas.openxmlformats.org/officeDocument/2006/math">
+                <m:oMathParaPr>
+                  <m:jc m:val="center"/>
+                </m:oMathParaPr>
+                <m:oMath xmlns:m="http://schemas.openxmlformats.org/officeDocument/2006/math">
+                  <m:r>
+                    <a:rPr>
+                      <a:latin typeface="Cambria Math" panose="02040503050406030204" pitchFamily="18" charset="0"/>
+                    </a:rPr>
+                    <m:t> </m:t>
+                  </m:r>
+                </m:oMath>
+              </m:oMathPara>
+            </a14:m>
+            <a:endParaRPr/>
+          </a:p>
+          <a:p>
+            <a:pPr marL="0" lvl="0" indent="0">
+              <a:buNone/>
+            </a:pPr>
+            <a:r>
+              <a:t>Part of a wider movement for open data, content, knowledge </a:t>
+            </a:r>
+            <a:r>
+              <a:rPr>
+                <a:hlinkClick r:id="rId2"/>
+              </a:rPr>
+              <a:t>http://opendefinition.org</a:t>
+            </a:r>
+            <a:r>
+              <a:t>. Started in the 17th century with the advent of the academic journal</a:t>
+            </a:r>
+            <a:r>
+              <a:rPr baseline="30000">
+                <a:hlinkClick r:id="rId3" action="ppaction://hlinksldjump"/>
+              </a:rPr>
+              <a:t>1</a:t>
+            </a:r>
+            <a:r>
+              <a:t>.</a:t>
+            </a:r>
+          </a:p>
+        </p:txBody>
+      </p:sp>
       <p:sp>
         <p:nvSpPr>
           <p:cNvPr id="6" name="Slide Number Placeholder 5">
@@ -8435,7 +8519,7 @@
             <a:spLocks noGrp="1"/>
           </p:cNvSpPr>
           <p:nvPr>
-            <p:ph idx="12" sz="quarter" type="sldNum"/>
+            <p:ph type="sldNum" sz="quarter" idx="12"/>
           </p:nvPr>
         </p:nvSpPr>
         <p:spPr/>
@@ -8445,7 +8529,7 @@
           <a:p>
             <a:fld id="{E1C5CB42-CF14-4293-8971-6DCD1AAE8BE7}" type="slidenum">
               <a:rPr lang="en-GB" smtClean="0"/>
-              <a:t>‹#›</a:t>
+              <a:t>9</a:t>
             </a:fld>
             <a:endParaRPr lang="en-GB"/>
           </a:p>
@@ -8453,6 +8537,9 @@
       </p:sp>
     </p:spTree>
   </p:cSld>
+  <p:clrMapOvr>
+    <a:masterClrMapping/>
+  </p:clrMapOvr>
 </p:sld>
 </file>
 
@@ -8749,299 +8836,4 @@
     </a:ext>
   </a:extLst>
 </a:theme>
-</file>
-
-<file path=ppt/theme/theme2.xml><?xml version="1.0" encoding="utf-8"?>
-<a:theme xmlns:a="http://schemas.openxmlformats.org/drawingml/2006/main" name="Office Theme">
-  <a:themeElements>
-    <a:clrScheme name="Office">
-      <a:dk1>
-        <a:sysClr val="windowText" lastClr="000000"/>
-      </a:dk1>
-      <a:lt1>
-        <a:sysClr val="window" lastClr="FFFFFF"/>
-      </a:lt1>
-      <a:dk2>
-        <a:srgbClr val="44546A"/>
-      </a:dk2>
-      <a:lt2>
-        <a:srgbClr val="E7E6E6"/>
-      </a:lt2>
-      <a:accent1>
-        <a:srgbClr val="4472C4"/>
-      </a:accent1>
-      <a:accent2>
-        <a:srgbClr val="ED7D31"/>
-      </a:accent2>
-      <a:accent3>
-        <a:srgbClr val="A5A5A5"/>
-      </a:accent3>
-      <a:accent4>
-        <a:srgbClr val="FFC000"/>
-      </a:accent4>
-      <a:accent5>
-        <a:srgbClr val="5B9BD5"/>
-      </a:accent5>
-      <a:accent6>
-        <a:srgbClr val="70AD47"/>
-      </a:accent6>
-      <a:hlink>
-        <a:srgbClr val="0563C1"/>
-      </a:hlink>
-      <a:folHlink>
-        <a:srgbClr val="954F72"/>
-      </a:folHlink>
-    </a:clrScheme>
-    <a:fontScheme name="Office">
-      <a:majorFont>
-        <a:latin typeface="Calibri Light" panose="020F0302020204030204"/>
-        <a:ea typeface=""/>
-        <a:cs typeface=""/>
-        <a:font script="Jpan" typeface="游ゴシック Light"/>
-        <a:font script="Hang" typeface="맑은 고딕"/>
-        <a:font script="Hans" typeface="等线 Light"/>
-        <a:font script="Hant" typeface="新細明體"/>
-        <a:font script="Arab" typeface="Times New Roman"/>
-        <a:font script="Hebr" typeface="Times New Roman"/>
-        <a:font script="Thai" typeface="Angsana New"/>
-        <a:font script="Ethi" typeface="Nyala"/>
-        <a:font script="Beng" typeface="Vrinda"/>
-        <a:font script="Gujr" typeface="Shruti"/>
-        <a:font script="Khmr" typeface="MoolBoran"/>
-        <a:font script="Knda" typeface="Tunga"/>
-        <a:font script="Guru" typeface="Raavi"/>
-        <a:font script="Cans" typeface="Euphemia"/>
-        <a:font script="Cher" typeface="Plantagenet Cherokee"/>
-        <a:font script="Yiii" typeface="Microsoft Yi Baiti"/>
-        <a:font script="Tibt" typeface="Microsoft Himalaya"/>
-        <a:font script="Thaa" typeface="MV Boli"/>
-        <a:font script="Deva" typeface="Mangal"/>
-        <a:font script="Telu" typeface="Gautami"/>
-        <a:font script="Taml" typeface="Latha"/>
-        <a:font script="Syrc" typeface="Estrangelo Edessa"/>
-        <a:font script="Orya" typeface="Kalinga"/>
-        <a:font script="Mlym" typeface="Kartika"/>
-        <a:font script="Laoo" typeface="DokChampa"/>
-        <a:font script="Sinh" typeface="Iskoola Pota"/>
-        <a:font script="Mong" typeface="Mongolian Baiti"/>
-        <a:font script="Viet" typeface="Times New Roman"/>
-        <a:font script="Uigh" typeface="Microsoft Uighur"/>
-        <a:font script="Geor" typeface="Sylfaen"/>
-        <a:font script="Armn" typeface="Arial"/>
-        <a:font script="Bugi" typeface="Leelawadee UI"/>
-        <a:font script="Bopo" typeface="Microsoft JhengHei"/>
-        <a:font script="Java" typeface="Javanese Text"/>
-        <a:font script="Lisu" typeface="Segoe UI"/>
-        <a:font script="Mymr" typeface="Myanmar Text"/>
-        <a:font script="Nkoo" typeface="Ebrima"/>
-        <a:font script="Olck" typeface="Nirmala UI"/>
-        <a:font script="Osma" typeface="Ebrima"/>
-        <a:font script="Phag" typeface="Phagspa"/>
-        <a:font script="Syrn" typeface="Estrangelo Edessa"/>
-        <a:font script="Syrj" typeface="Estrangelo Edessa"/>
-        <a:font script="Syre" typeface="Estrangelo Edessa"/>
-        <a:font script="Sora" typeface="Nirmala UI"/>
-        <a:font script="Tale" typeface="Microsoft Tai Le"/>
-        <a:font script="Talu" typeface="Microsoft New Tai Lue"/>
-        <a:font script="Tfng" typeface="Ebrima"/>
-      </a:majorFont>
-      <a:minorFont>
-        <a:latin typeface="Calibri" panose="020F0502020204030204"/>
-        <a:ea typeface=""/>
-        <a:cs typeface=""/>
-        <a:font script="Jpan" typeface="游ゴシック"/>
-        <a:font script="Hang" typeface="맑은 고딕"/>
-        <a:font script="Hans" typeface="等线"/>
-        <a:font script="Hant" typeface="新細明體"/>
-        <a:font script="Arab" typeface="Arial"/>
-        <a:font script="Hebr" typeface="Arial"/>
-        <a:font script="Thai" typeface="Cordia New"/>
-        <a:font script="Ethi" typeface="Nyala"/>
-        <a:font script="Beng" typeface="Vrinda"/>
-        <a:font script="Gujr" typeface="Shruti"/>
-        <a:font script="Khmr" typeface="DaunPenh"/>
-        <a:font script="Knda" typeface="Tunga"/>
-        <a:font script="Guru" typeface="Raavi"/>
-        <a:font script="Cans" typeface="Euphemia"/>
-        <a:font script="Cher" typeface="Plantagenet Cherokee"/>
-        <a:font script="Yiii" typeface="Microsoft Yi Baiti"/>
-        <a:font script="Tibt" typeface="Microsoft Himalaya"/>
-        <a:font script="Thaa" typeface="MV Boli"/>
-        <a:font script="Deva" typeface="Mangal"/>
-        <a:font script="Telu" typeface="Gautami"/>
-        <a:font script="Taml" typeface="Latha"/>
-        <a:font script="Syrc" typeface="Estrangelo Edessa"/>
-        <a:font script="Orya" typeface="Kalinga"/>
-        <a:font script="Mlym" typeface="Kartika"/>
-        <a:font script="Laoo" typeface="DokChampa"/>
-        <a:font script="Sinh" typeface="Iskoola Pota"/>
-        <a:font script="Mong" typeface="Mongolian Baiti"/>
-        <a:font script="Viet" typeface="Arial"/>
-        <a:font script="Uigh" typeface="Microsoft Uighur"/>
-        <a:font script="Geor" typeface="Sylfaen"/>
-        <a:font script="Armn" typeface="Arial"/>
-        <a:font script="Bugi" typeface="Leelawadee UI"/>
-        <a:font script="Bopo" typeface="Microsoft JhengHei"/>
-        <a:font script="Java" typeface="Javanese Text"/>
-        <a:font script="Lisu" typeface="Segoe UI"/>
-        <a:font script="Mymr" typeface="Myanmar Text"/>
-        <a:font script="Nkoo" typeface="Ebrima"/>
-        <a:font script="Olck" typeface="Nirmala UI"/>
-        <a:font script="Osma" typeface="Ebrima"/>
-        <a:font script="Phag" typeface="Phagspa"/>
-        <a:font script="Syrn" typeface="Estrangelo Edessa"/>
-        <a:font script="Syrj" typeface="Estrangelo Edessa"/>
-        <a:font script="Syre" typeface="Estrangelo Edessa"/>
-        <a:font script="Sora" typeface="Nirmala UI"/>
-        <a:font script="Tale" typeface="Microsoft Tai Le"/>
-        <a:font script="Talu" typeface="Microsoft New Tai Lue"/>
-        <a:font script="Tfng" typeface="Ebrima"/>
-      </a:minorFont>
-    </a:fontScheme>
-    <a:fmtScheme name="Office">
-      <a:fillStyleLst>
-        <a:solidFill>
-          <a:schemeClr val="phClr"/>
-        </a:solidFill>
-        <a:gradFill rotWithShape="1">
-          <a:gsLst>
-            <a:gs pos="0">
-              <a:schemeClr val="phClr">
-                <a:lumMod val="110000"/>
-                <a:satMod val="105000"/>
-                <a:tint val="67000"/>
-              </a:schemeClr>
-            </a:gs>
-            <a:gs pos="50000">
-              <a:schemeClr val="phClr">
-                <a:lumMod val="105000"/>
-                <a:satMod val="103000"/>
-                <a:tint val="73000"/>
-              </a:schemeClr>
-            </a:gs>
-            <a:gs pos="100000">
-              <a:schemeClr val="phClr">
-                <a:lumMod val="105000"/>
-                <a:satMod val="109000"/>
-                <a:tint val="81000"/>
-              </a:schemeClr>
-            </a:gs>
-          </a:gsLst>
-          <a:lin ang="5400000" scaled="0"/>
-        </a:gradFill>
-        <a:gradFill rotWithShape="1">
-          <a:gsLst>
-            <a:gs pos="0">
-              <a:schemeClr val="phClr">
-                <a:satMod val="103000"/>
-                <a:lumMod val="102000"/>
-                <a:tint val="94000"/>
-              </a:schemeClr>
-            </a:gs>
-            <a:gs pos="50000">
-              <a:schemeClr val="phClr">
-                <a:satMod val="110000"/>
-                <a:lumMod val="100000"/>
-                <a:shade val="100000"/>
-              </a:schemeClr>
-            </a:gs>
-            <a:gs pos="100000">
-              <a:schemeClr val="phClr">
-                <a:lumMod val="99000"/>
-                <a:satMod val="120000"/>
-                <a:shade val="78000"/>
-              </a:schemeClr>
-            </a:gs>
-          </a:gsLst>
-          <a:lin ang="5400000" scaled="0"/>
-        </a:gradFill>
-      </a:fillStyleLst>
-      <a:lnStyleLst>
-        <a:ln w="6350" cap="flat" cmpd="sng" algn="ctr">
-          <a:solidFill>
-            <a:schemeClr val="phClr"/>
-          </a:solidFill>
-          <a:prstDash val="solid"/>
-          <a:miter lim="800000"/>
-        </a:ln>
-        <a:ln w="12700" cap="flat" cmpd="sng" algn="ctr">
-          <a:solidFill>
-            <a:schemeClr val="phClr"/>
-          </a:solidFill>
-          <a:prstDash val="solid"/>
-          <a:miter lim="800000"/>
-        </a:ln>
-        <a:ln w="19050" cap="flat" cmpd="sng" algn="ctr">
-          <a:solidFill>
-            <a:schemeClr val="phClr"/>
-          </a:solidFill>
-          <a:prstDash val="solid"/>
-          <a:miter lim="800000"/>
-        </a:ln>
-      </a:lnStyleLst>
-      <a:effectStyleLst>
-        <a:effectStyle>
-          <a:effectLst/>
-        </a:effectStyle>
-        <a:effectStyle>
-          <a:effectLst/>
-        </a:effectStyle>
-        <a:effectStyle>
-          <a:effectLst>
-            <a:outerShdw blurRad="57150" dist="19050" dir="5400000" algn="ctr" rotWithShape="0">
-              <a:srgbClr val="000000">
-                <a:alpha val="63000"/>
-              </a:srgbClr>
-            </a:outerShdw>
-          </a:effectLst>
-        </a:effectStyle>
-      </a:effectStyleLst>
-      <a:bgFillStyleLst>
-        <a:solidFill>
-          <a:schemeClr val="phClr"/>
-        </a:solidFill>
-        <a:solidFill>
-          <a:schemeClr val="phClr">
-            <a:tint val="95000"/>
-            <a:satMod val="170000"/>
-          </a:schemeClr>
-        </a:solidFill>
-        <a:gradFill rotWithShape="1">
-          <a:gsLst>
-            <a:gs pos="0">
-              <a:schemeClr val="phClr">
-                <a:tint val="93000"/>
-                <a:satMod val="150000"/>
-                <a:shade val="98000"/>
-                <a:lumMod val="102000"/>
-              </a:schemeClr>
-            </a:gs>
-            <a:gs pos="50000">
-              <a:schemeClr val="phClr">
-                <a:tint val="98000"/>
-                <a:satMod val="130000"/>
-                <a:shade val="90000"/>
-                <a:lumMod val="103000"/>
-              </a:schemeClr>
-            </a:gs>
-            <a:gs pos="100000">
-              <a:schemeClr val="phClr">
-                <a:shade val="63000"/>
-                <a:satMod val="120000"/>
-              </a:schemeClr>
-            </a:gs>
-          </a:gsLst>
-          <a:lin ang="5400000" scaled="0"/>
-        </a:gradFill>
-      </a:bgFillStyleLst>
-    </a:fmtScheme>
-  </a:themeElements>
-  <a:objectDefaults/>
-  <a:extraClrSchemeLst/>
-  <a:extLst>
-    <a:ext uri="{05A4C25C-085E-4340-85A3-A5531E510DB2}">
-      <thm15:themeFamily xmlns:thm15="http://schemas.microsoft.com/office/thememl/2012/main" name="Office Theme" id="{62F939B6-93AF-4DB8-9C6B-D6C7DFDC589F}" vid="{4A3C46E8-61CC-4603-A589-7422A47A8E4A}"/>
-    </a:ext>
-  </a:extLst>
-</a:theme>
 </file>